--- a/_site/docs/IntroductionToNLP.pptx
+++ b/_site/docs/IntroductionToNLP.pptx
@@ -1,9 +1,12 @@
 
 <file path=ppt/presentation.xml><?xml version="1.0" encoding="utf-8"?>
-<p:presentation xmlns:a="http://schemas.openxmlformats.org/drawingml/2006/main" xmlns:r="http://schemas.openxmlformats.org/officeDocument/2006/relationships" xmlns:p="http://schemas.openxmlformats.org/presentationml/2006/main" saveSubsetFonts="1">
+<p:presentation xmlns:a="http://schemas.openxmlformats.org/drawingml/2006/main" xmlns:r="http://schemas.openxmlformats.org/officeDocument/2006/relationships" xmlns:p="http://schemas.openxmlformats.org/presentationml/2006/main" showSpecialPlsOnTitleSld="0" saveSubsetFonts="1">
   <p:sldMasterIdLst>
     <p:sldMasterId id="2147483660" r:id="rId1"/>
   </p:sldMasterIdLst>
+  <p:notesMasterIdLst>
+    <p:notesMasterId r:id="rId28"/>
+  </p:notesMasterIdLst>
   <p:sldIdLst>
     <p:sldId id="256" r:id="rId2"/>
     <p:sldId id="258" r:id="rId3"/>
@@ -148,6 +151,692 @@
 </p:presentation>
 </file>
 
+<file path=ppt/notesMasters/notesMaster1.xml><?xml version="1.0" encoding="utf-8"?>
+<p:notesMaster xmlns:a="http://schemas.openxmlformats.org/drawingml/2006/main" xmlns:r="http://schemas.openxmlformats.org/officeDocument/2006/relationships" xmlns:p="http://schemas.openxmlformats.org/presentationml/2006/main">
+  <p:cSld>
+    <p:bg>
+      <p:bgRef idx="1001">
+        <a:schemeClr val="bg1"/>
+      </p:bgRef>
+    </p:bg>
+    <p:spTree>
+      <p:nvGrpSpPr>
+        <p:cNvPr id="1" name=""/>
+        <p:cNvGrpSpPr/>
+        <p:nvPr/>
+      </p:nvGrpSpPr>
+      <p:grpSpPr>
+        <a:xfrm>
+          <a:off x="0" y="0"/>
+          <a:ext cx="0" cy="0"/>
+          <a:chOff x="0" y="0"/>
+          <a:chExt cx="0" cy="0"/>
+        </a:xfrm>
+      </p:grpSpPr>
+      <p:sp>
+        <p:nvSpPr>
+          <p:cNvPr id="2" name="Header Placeholder 1"/>
+          <p:cNvSpPr>
+            <a:spLocks noGrp="1"/>
+          </p:cNvSpPr>
+          <p:nvPr>
+            <p:ph type="hdr" sz="quarter"/>
+          </p:nvPr>
+        </p:nvSpPr>
+        <p:spPr>
+          <a:xfrm>
+            <a:off x="0" y="0"/>
+            <a:ext cx="2971800" cy="458788"/>
+          </a:xfrm>
+          <a:prstGeom prst="rect">
+            <a:avLst/>
+          </a:prstGeom>
+        </p:spPr>
+        <p:txBody>
+          <a:bodyPr vert="horz" lIns="91440" tIns="45720" rIns="91440" bIns="45720" rtlCol="0"/>
+          <a:lstStyle>
+            <a:lvl1pPr algn="l">
+              <a:defRPr sz="1200"/>
+            </a:lvl1pPr>
+          </a:lstStyle>
+          <a:p>
+            <a:endParaRPr lang="en-US"/>
+          </a:p>
+        </p:txBody>
+      </p:sp>
+      <p:sp>
+        <p:nvSpPr>
+          <p:cNvPr id="3" name="Date Placeholder 2"/>
+          <p:cNvSpPr>
+            <a:spLocks noGrp="1"/>
+          </p:cNvSpPr>
+          <p:nvPr>
+            <p:ph type="dt" idx="1"/>
+          </p:nvPr>
+        </p:nvSpPr>
+        <p:spPr>
+          <a:xfrm>
+            <a:off x="3884613" y="0"/>
+            <a:ext cx="2971800" cy="458788"/>
+          </a:xfrm>
+          <a:prstGeom prst="rect">
+            <a:avLst/>
+          </a:prstGeom>
+        </p:spPr>
+        <p:txBody>
+          <a:bodyPr vert="horz" lIns="91440" tIns="45720" rIns="91440" bIns="45720" rtlCol="0"/>
+          <a:lstStyle>
+            <a:lvl1pPr algn="r">
+              <a:defRPr sz="1200"/>
+            </a:lvl1pPr>
+          </a:lstStyle>
+          <a:p>
+            <a:fld id="{9C3AF73C-47D0-408A-A316-4F128BDA93A6}" type="datetimeFigureOut">
+              <a:rPr lang="en-US" smtClean="0"/>
+              <a:t>1/17/2015</a:t>
+            </a:fld>
+            <a:endParaRPr lang="en-US"/>
+          </a:p>
+        </p:txBody>
+      </p:sp>
+      <p:sp>
+        <p:nvSpPr>
+          <p:cNvPr id="4" name="Slide Image Placeholder 3"/>
+          <p:cNvSpPr>
+            <a:spLocks noGrp="1" noRot="1" noChangeAspect="1"/>
+          </p:cNvSpPr>
+          <p:nvPr>
+            <p:ph type="sldImg" idx="2"/>
+          </p:nvPr>
+        </p:nvSpPr>
+        <p:spPr>
+          <a:xfrm>
+            <a:off x="1371600" y="1143000"/>
+            <a:ext cx="4114800" cy="3086100"/>
+          </a:xfrm>
+          <a:prstGeom prst="rect">
+            <a:avLst/>
+          </a:prstGeom>
+          <a:noFill/>
+          <a:ln w="12700">
+            <a:solidFill>
+              <a:prstClr val="black"/>
+            </a:solidFill>
+          </a:ln>
+        </p:spPr>
+        <p:txBody>
+          <a:bodyPr vert="horz" lIns="91440" tIns="45720" rIns="91440" bIns="45720" rtlCol="0" anchor="ctr"/>
+          <a:lstStyle/>
+          <a:p>
+            <a:endParaRPr lang="en-US"/>
+          </a:p>
+        </p:txBody>
+      </p:sp>
+      <p:sp>
+        <p:nvSpPr>
+          <p:cNvPr id="5" name="Notes Placeholder 4"/>
+          <p:cNvSpPr>
+            <a:spLocks noGrp="1"/>
+          </p:cNvSpPr>
+          <p:nvPr>
+            <p:ph type="body" sz="quarter" idx="3"/>
+          </p:nvPr>
+        </p:nvSpPr>
+        <p:spPr>
+          <a:xfrm>
+            <a:off x="685800" y="4400550"/>
+            <a:ext cx="5486400" cy="3600450"/>
+          </a:xfrm>
+          <a:prstGeom prst="rect">
+            <a:avLst/>
+          </a:prstGeom>
+        </p:spPr>
+        <p:txBody>
+          <a:bodyPr vert="horz" lIns="91440" tIns="45720" rIns="91440" bIns="45720" rtlCol="0"/>
+          <a:lstStyle/>
+          <a:p>
+            <a:pPr lvl="0"/>
+            <a:r>
+              <a:rPr lang="en-US" smtClean="0"/>
+              <a:t>Click to edit Master text styles</a:t>
+            </a:r>
+          </a:p>
+          <a:p>
+            <a:pPr lvl="1"/>
+            <a:r>
+              <a:rPr lang="en-US" smtClean="0"/>
+              <a:t>Second level</a:t>
+            </a:r>
+          </a:p>
+          <a:p>
+            <a:pPr lvl="2"/>
+            <a:r>
+              <a:rPr lang="en-US" smtClean="0"/>
+              <a:t>Third level</a:t>
+            </a:r>
+          </a:p>
+          <a:p>
+            <a:pPr lvl="3"/>
+            <a:r>
+              <a:rPr lang="en-US" smtClean="0"/>
+              <a:t>Fourth level</a:t>
+            </a:r>
+          </a:p>
+          <a:p>
+            <a:pPr lvl="4"/>
+            <a:r>
+              <a:rPr lang="en-US" smtClean="0"/>
+              <a:t>Fifth level</a:t>
+            </a:r>
+            <a:endParaRPr lang="en-US"/>
+          </a:p>
+        </p:txBody>
+      </p:sp>
+      <p:sp>
+        <p:nvSpPr>
+          <p:cNvPr id="6" name="Footer Placeholder 5"/>
+          <p:cNvSpPr>
+            <a:spLocks noGrp="1"/>
+          </p:cNvSpPr>
+          <p:nvPr>
+            <p:ph type="ftr" sz="quarter" idx="4"/>
+          </p:nvPr>
+        </p:nvSpPr>
+        <p:spPr>
+          <a:xfrm>
+            <a:off x="0" y="8685213"/>
+            <a:ext cx="2971800" cy="458787"/>
+          </a:xfrm>
+          <a:prstGeom prst="rect">
+            <a:avLst/>
+          </a:prstGeom>
+        </p:spPr>
+        <p:txBody>
+          <a:bodyPr vert="horz" lIns="91440" tIns="45720" rIns="91440" bIns="45720" rtlCol="0" anchor="b"/>
+          <a:lstStyle>
+            <a:lvl1pPr algn="l">
+              <a:defRPr sz="1200"/>
+            </a:lvl1pPr>
+          </a:lstStyle>
+          <a:p>
+            <a:endParaRPr lang="en-US"/>
+          </a:p>
+        </p:txBody>
+      </p:sp>
+      <p:sp>
+        <p:nvSpPr>
+          <p:cNvPr id="7" name="Slide Number Placeholder 6"/>
+          <p:cNvSpPr>
+            <a:spLocks noGrp="1"/>
+          </p:cNvSpPr>
+          <p:nvPr>
+            <p:ph type="sldNum" sz="quarter" idx="5"/>
+          </p:nvPr>
+        </p:nvSpPr>
+        <p:spPr>
+          <a:xfrm>
+            <a:off x="3884613" y="8685213"/>
+            <a:ext cx="2971800" cy="458787"/>
+          </a:xfrm>
+          <a:prstGeom prst="rect">
+            <a:avLst/>
+          </a:prstGeom>
+        </p:spPr>
+        <p:txBody>
+          <a:bodyPr vert="horz" lIns="91440" tIns="45720" rIns="91440" bIns="45720" rtlCol="0" anchor="b"/>
+          <a:lstStyle>
+            <a:lvl1pPr algn="r">
+              <a:defRPr sz="1200"/>
+            </a:lvl1pPr>
+          </a:lstStyle>
+          <a:p>
+            <a:fld id="{38292CC0-F4A6-4099-AC4A-BA2AE6F11F12}" type="slidenum">
+              <a:rPr lang="en-US" smtClean="0"/>
+              <a:t>‹#›</a:t>
+            </a:fld>
+            <a:endParaRPr lang="en-US"/>
+          </a:p>
+        </p:txBody>
+      </p:sp>
+    </p:spTree>
+    <p:extLst>
+      <p:ext uri="{BB962C8B-B14F-4D97-AF65-F5344CB8AC3E}">
+        <p14:creationId xmlns:p14="http://schemas.microsoft.com/office/powerpoint/2010/main" val="3646147966"/>
+      </p:ext>
+    </p:extLst>
+  </p:cSld>
+  <p:clrMap bg1="lt1" tx1="dk1" bg2="lt2" tx2="dk2" accent1="accent1" accent2="accent2" accent3="accent3" accent4="accent4" accent5="accent5" accent6="accent6" hlink="hlink" folHlink="folHlink"/>
+  <p:notesStyle>
+    <a:lvl1pPr marL="0" algn="l" defTabSz="914400" rtl="0" eaLnBrk="1" latinLnBrk="0" hangingPunct="1">
+      <a:defRPr sz="1200" kern="1200">
+        <a:solidFill>
+          <a:schemeClr val="tx1"/>
+        </a:solidFill>
+        <a:latin typeface="+mn-lt"/>
+        <a:ea typeface="+mn-ea"/>
+        <a:cs typeface="+mn-cs"/>
+      </a:defRPr>
+    </a:lvl1pPr>
+    <a:lvl2pPr marL="457200" algn="l" defTabSz="914400" rtl="0" eaLnBrk="1" latinLnBrk="0" hangingPunct="1">
+      <a:defRPr sz="1200" kern="1200">
+        <a:solidFill>
+          <a:schemeClr val="tx1"/>
+        </a:solidFill>
+        <a:latin typeface="+mn-lt"/>
+        <a:ea typeface="+mn-ea"/>
+        <a:cs typeface="+mn-cs"/>
+      </a:defRPr>
+    </a:lvl2pPr>
+    <a:lvl3pPr marL="914400" algn="l" defTabSz="914400" rtl="0" eaLnBrk="1" latinLnBrk="0" hangingPunct="1">
+      <a:defRPr sz="1200" kern="1200">
+        <a:solidFill>
+          <a:schemeClr val="tx1"/>
+        </a:solidFill>
+        <a:latin typeface="+mn-lt"/>
+        <a:ea typeface="+mn-ea"/>
+        <a:cs typeface="+mn-cs"/>
+      </a:defRPr>
+    </a:lvl3pPr>
+    <a:lvl4pPr marL="1371600" algn="l" defTabSz="914400" rtl="0" eaLnBrk="1" latinLnBrk="0" hangingPunct="1">
+      <a:defRPr sz="1200" kern="1200">
+        <a:solidFill>
+          <a:schemeClr val="tx1"/>
+        </a:solidFill>
+        <a:latin typeface="+mn-lt"/>
+        <a:ea typeface="+mn-ea"/>
+        <a:cs typeface="+mn-cs"/>
+      </a:defRPr>
+    </a:lvl4pPr>
+    <a:lvl5pPr marL="1828800" algn="l" defTabSz="914400" rtl="0" eaLnBrk="1" latinLnBrk="0" hangingPunct="1">
+      <a:defRPr sz="1200" kern="1200">
+        <a:solidFill>
+          <a:schemeClr val="tx1"/>
+        </a:solidFill>
+        <a:latin typeface="+mn-lt"/>
+        <a:ea typeface="+mn-ea"/>
+        <a:cs typeface="+mn-cs"/>
+      </a:defRPr>
+    </a:lvl5pPr>
+    <a:lvl6pPr marL="2286000" algn="l" defTabSz="914400" rtl="0" eaLnBrk="1" latinLnBrk="0" hangingPunct="1">
+      <a:defRPr sz="1200" kern="1200">
+        <a:solidFill>
+          <a:schemeClr val="tx1"/>
+        </a:solidFill>
+        <a:latin typeface="+mn-lt"/>
+        <a:ea typeface="+mn-ea"/>
+        <a:cs typeface="+mn-cs"/>
+      </a:defRPr>
+    </a:lvl6pPr>
+    <a:lvl7pPr marL="2743200" algn="l" defTabSz="914400" rtl="0" eaLnBrk="1" latinLnBrk="0" hangingPunct="1">
+      <a:defRPr sz="1200" kern="1200">
+        <a:solidFill>
+          <a:schemeClr val="tx1"/>
+        </a:solidFill>
+        <a:latin typeface="+mn-lt"/>
+        <a:ea typeface="+mn-ea"/>
+        <a:cs typeface="+mn-cs"/>
+      </a:defRPr>
+    </a:lvl7pPr>
+    <a:lvl8pPr marL="3200400" algn="l" defTabSz="914400" rtl="0" eaLnBrk="1" latinLnBrk="0" hangingPunct="1">
+      <a:defRPr sz="1200" kern="1200">
+        <a:solidFill>
+          <a:schemeClr val="tx1"/>
+        </a:solidFill>
+        <a:latin typeface="+mn-lt"/>
+        <a:ea typeface="+mn-ea"/>
+        <a:cs typeface="+mn-cs"/>
+      </a:defRPr>
+    </a:lvl8pPr>
+    <a:lvl9pPr marL="3657600" algn="l" defTabSz="914400" rtl="0" eaLnBrk="1" latinLnBrk="0" hangingPunct="1">
+      <a:defRPr sz="1200" kern="1200">
+        <a:solidFill>
+          <a:schemeClr val="tx1"/>
+        </a:solidFill>
+        <a:latin typeface="+mn-lt"/>
+        <a:ea typeface="+mn-ea"/>
+        <a:cs typeface="+mn-cs"/>
+      </a:defRPr>
+    </a:lvl9pPr>
+  </p:notesStyle>
+</p:notesMaster>
+</file>
+
+<file path=ppt/notesSlides/notesSlide1.xml><?xml version="1.0" encoding="utf-8"?>
+<p:notes xmlns:a="http://schemas.openxmlformats.org/drawingml/2006/main" xmlns:r="http://schemas.openxmlformats.org/officeDocument/2006/relationships" xmlns:p="http://schemas.openxmlformats.org/presentationml/2006/main">
+  <p:cSld>
+    <p:spTree>
+      <p:nvGrpSpPr>
+        <p:cNvPr id="1" name=""/>
+        <p:cNvGrpSpPr/>
+        <p:nvPr/>
+      </p:nvGrpSpPr>
+      <p:grpSpPr>
+        <a:xfrm>
+          <a:off x="0" y="0"/>
+          <a:ext cx="0" cy="0"/>
+          <a:chOff x="0" y="0"/>
+          <a:chExt cx="0" cy="0"/>
+        </a:xfrm>
+      </p:grpSpPr>
+      <p:sp>
+        <p:nvSpPr>
+          <p:cNvPr id="2" name="Slide Image Placeholder 1"/>
+          <p:cNvSpPr>
+            <a:spLocks noGrp="1" noRot="1" noChangeAspect="1"/>
+          </p:cNvSpPr>
+          <p:nvPr>
+            <p:ph type="sldImg"/>
+          </p:nvPr>
+        </p:nvSpPr>
+        <p:spPr/>
+      </p:sp>
+      <p:sp>
+        <p:nvSpPr>
+          <p:cNvPr id="3" name="Notes Placeholder 2"/>
+          <p:cNvSpPr>
+            <a:spLocks noGrp="1"/>
+          </p:cNvSpPr>
+          <p:nvPr>
+            <p:ph type="body" idx="1"/>
+          </p:nvPr>
+        </p:nvSpPr>
+        <p:spPr/>
+        <p:txBody>
+          <a:bodyPr/>
+          <a:lstStyle/>
+          <a:p>
+            <a:endParaRPr lang="en-US"/>
+          </a:p>
+        </p:txBody>
+      </p:sp>
+      <p:sp>
+        <p:nvSpPr>
+          <p:cNvPr id="4" name="Slide Number Placeholder 3"/>
+          <p:cNvSpPr>
+            <a:spLocks noGrp="1"/>
+          </p:cNvSpPr>
+          <p:nvPr>
+            <p:ph type="sldNum" sz="quarter" idx="10"/>
+          </p:nvPr>
+        </p:nvSpPr>
+        <p:spPr/>
+        <p:txBody>
+          <a:bodyPr/>
+          <a:lstStyle/>
+          <a:p>
+            <a:fld id="{38292CC0-F4A6-4099-AC4A-BA2AE6F11F12}" type="slidenum">
+              <a:rPr lang="en-US" smtClean="0"/>
+              <a:t>2</a:t>
+            </a:fld>
+            <a:endParaRPr lang="en-US"/>
+          </a:p>
+        </p:txBody>
+      </p:sp>
+    </p:spTree>
+    <p:extLst>
+      <p:ext uri="{BB962C8B-B14F-4D97-AF65-F5344CB8AC3E}">
+        <p14:creationId xmlns:p14="http://schemas.microsoft.com/office/powerpoint/2010/main" val="497432399"/>
+      </p:ext>
+    </p:extLst>
+  </p:cSld>
+  <p:clrMapOvr>
+    <a:masterClrMapping/>
+  </p:clrMapOvr>
+</p:notes>
+</file>
+
+<file path=ppt/notesSlides/notesSlide2.xml><?xml version="1.0" encoding="utf-8"?>
+<p:notes xmlns:a="http://schemas.openxmlformats.org/drawingml/2006/main" xmlns:r="http://schemas.openxmlformats.org/officeDocument/2006/relationships" xmlns:p="http://schemas.openxmlformats.org/presentationml/2006/main">
+  <p:cSld>
+    <p:spTree>
+      <p:nvGrpSpPr>
+        <p:cNvPr id="1" name=""/>
+        <p:cNvGrpSpPr/>
+        <p:nvPr/>
+      </p:nvGrpSpPr>
+      <p:grpSpPr>
+        <a:xfrm>
+          <a:off x="0" y="0"/>
+          <a:ext cx="0" cy="0"/>
+          <a:chOff x="0" y="0"/>
+          <a:chExt cx="0" cy="0"/>
+        </a:xfrm>
+      </p:grpSpPr>
+      <p:sp>
+        <p:nvSpPr>
+          <p:cNvPr id="2" name="Slide Image Placeholder 1"/>
+          <p:cNvSpPr>
+            <a:spLocks noGrp="1" noRot="1" noChangeAspect="1"/>
+          </p:cNvSpPr>
+          <p:nvPr>
+            <p:ph type="sldImg"/>
+          </p:nvPr>
+        </p:nvSpPr>
+        <p:spPr/>
+      </p:sp>
+      <p:sp>
+        <p:nvSpPr>
+          <p:cNvPr id="3" name="Notes Placeholder 2"/>
+          <p:cNvSpPr>
+            <a:spLocks noGrp="1"/>
+          </p:cNvSpPr>
+          <p:nvPr>
+            <p:ph type="body" idx="1"/>
+          </p:nvPr>
+        </p:nvSpPr>
+        <p:spPr/>
+        <p:txBody>
+          <a:bodyPr/>
+          <a:lstStyle/>
+          <a:p>
+            <a:endParaRPr lang="en-US"/>
+          </a:p>
+        </p:txBody>
+      </p:sp>
+      <p:sp>
+        <p:nvSpPr>
+          <p:cNvPr id="4" name="Slide Number Placeholder 3"/>
+          <p:cNvSpPr>
+            <a:spLocks noGrp="1"/>
+          </p:cNvSpPr>
+          <p:nvPr>
+            <p:ph type="sldNum" sz="quarter" idx="10"/>
+          </p:nvPr>
+        </p:nvSpPr>
+        <p:spPr/>
+        <p:txBody>
+          <a:bodyPr/>
+          <a:lstStyle/>
+          <a:p>
+            <a:fld id="{38292CC0-F4A6-4099-AC4A-BA2AE6F11F12}" type="slidenum">
+              <a:rPr lang="en-US" smtClean="0"/>
+              <a:t>4</a:t>
+            </a:fld>
+            <a:endParaRPr lang="en-US"/>
+          </a:p>
+        </p:txBody>
+      </p:sp>
+    </p:spTree>
+    <p:extLst>
+      <p:ext uri="{BB962C8B-B14F-4D97-AF65-F5344CB8AC3E}">
+        <p14:creationId xmlns:p14="http://schemas.microsoft.com/office/powerpoint/2010/main" val="1686744169"/>
+      </p:ext>
+    </p:extLst>
+  </p:cSld>
+  <p:clrMapOvr>
+    <a:masterClrMapping/>
+  </p:clrMapOvr>
+</p:notes>
+</file>
+
+<file path=ppt/notesSlides/notesSlide3.xml><?xml version="1.0" encoding="utf-8"?>
+<p:notes xmlns:a="http://schemas.openxmlformats.org/drawingml/2006/main" xmlns:r="http://schemas.openxmlformats.org/officeDocument/2006/relationships" xmlns:p="http://schemas.openxmlformats.org/presentationml/2006/main">
+  <p:cSld>
+    <p:spTree>
+      <p:nvGrpSpPr>
+        <p:cNvPr id="1" name=""/>
+        <p:cNvGrpSpPr/>
+        <p:nvPr/>
+      </p:nvGrpSpPr>
+      <p:grpSpPr>
+        <a:xfrm>
+          <a:off x="0" y="0"/>
+          <a:ext cx="0" cy="0"/>
+          <a:chOff x="0" y="0"/>
+          <a:chExt cx="0" cy="0"/>
+        </a:xfrm>
+      </p:grpSpPr>
+      <p:sp>
+        <p:nvSpPr>
+          <p:cNvPr id="2" name="Slide Image Placeholder 1"/>
+          <p:cNvSpPr>
+            <a:spLocks noGrp="1" noRot="1" noChangeAspect="1"/>
+          </p:cNvSpPr>
+          <p:nvPr>
+            <p:ph type="sldImg"/>
+          </p:nvPr>
+        </p:nvSpPr>
+        <p:spPr/>
+      </p:sp>
+      <p:sp>
+        <p:nvSpPr>
+          <p:cNvPr id="3" name="Notes Placeholder 2"/>
+          <p:cNvSpPr>
+            <a:spLocks noGrp="1"/>
+          </p:cNvSpPr>
+          <p:nvPr>
+            <p:ph type="body" idx="1"/>
+          </p:nvPr>
+        </p:nvSpPr>
+        <p:spPr/>
+        <p:txBody>
+          <a:bodyPr/>
+          <a:lstStyle/>
+          <a:p>
+            <a:endParaRPr lang="en-US"/>
+          </a:p>
+        </p:txBody>
+      </p:sp>
+      <p:sp>
+        <p:nvSpPr>
+          <p:cNvPr id="4" name="Slide Number Placeholder 3"/>
+          <p:cNvSpPr>
+            <a:spLocks noGrp="1"/>
+          </p:cNvSpPr>
+          <p:nvPr>
+            <p:ph type="sldNum" sz="quarter" idx="10"/>
+          </p:nvPr>
+        </p:nvSpPr>
+        <p:spPr/>
+        <p:txBody>
+          <a:bodyPr/>
+          <a:lstStyle/>
+          <a:p>
+            <a:fld id="{38292CC0-F4A6-4099-AC4A-BA2AE6F11F12}" type="slidenum">
+              <a:rPr lang="en-US" smtClean="0"/>
+              <a:t>8</a:t>
+            </a:fld>
+            <a:endParaRPr lang="en-US"/>
+          </a:p>
+        </p:txBody>
+      </p:sp>
+    </p:spTree>
+    <p:extLst>
+      <p:ext uri="{BB962C8B-B14F-4D97-AF65-F5344CB8AC3E}">
+        <p14:creationId xmlns:p14="http://schemas.microsoft.com/office/powerpoint/2010/main" val="229797159"/>
+      </p:ext>
+    </p:extLst>
+  </p:cSld>
+  <p:clrMapOvr>
+    <a:masterClrMapping/>
+  </p:clrMapOvr>
+</p:notes>
+</file>
+
+<file path=ppt/notesSlides/notesSlide4.xml><?xml version="1.0" encoding="utf-8"?>
+<p:notes xmlns:a="http://schemas.openxmlformats.org/drawingml/2006/main" xmlns:r="http://schemas.openxmlformats.org/officeDocument/2006/relationships" xmlns:p="http://schemas.openxmlformats.org/presentationml/2006/main">
+  <p:cSld>
+    <p:spTree>
+      <p:nvGrpSpPr>
+        <p:cNvPr id="1" name=""/>
+        <p:cNvGrpSpPr/>
+        <p:nvPr/>
+      </p:nvGrpSpPr>
+      <p:grpSpPr>
+        <a:xfrm>
+          <a:off x="0" y="0"/>
+          <a:ext cx="0" cy="0"/>
+          <a:chOff x="0" y="0"/>
+          <a:chExt cx="0" cy="0"/>
+        </a:xfrm>
+      </p:grpSpPr>
+      <p:sp>
+        <p:nvSpPr>
+          <p:cNvPr id="2" name="Slide Image Placeholder 1"/>
+          <p:cNvSpPr>
+            <a:spLocks noGrp="1" noRot="1" noChangeAspect="1"/>
+          </p:cNvSpPr>
+          <p:nvPr>
+            <p:ph type="sldImg"/>
+          </p:nvPr>
+        </p:nvSpPr>
+        <p:spPr/>
+      </p:sp>
+      <p:sp>
+        <p:nvSpPr>
+          <p:cNvPr id="3" name="Notes Placeholder 2"/>
+          <p:cNvSpPr>
+            <a:spLocks noGrp="1"/>
+          </p:cNvSpPr>
+          <p:nvPr>
+            <p:ph type="body" idx="1"/>
+          </p:nvPr>
+        </p:nvSpPr>
+        <p:spPr/>
+        <p:txBody>
+          <a:bodyPr/>
+          <a:lstStyle/>
+          <a:p>
+            <a:endParaRPr lang="en-US"/>
+          </a:p>
+        </p:txBody>
+      </p:sp>
+      <p:sp>
+        <p:nvSpPr>
+          <p:cNvPr id="4" name="Slide Number Placeholder 3"/>
+          <p:cNvSpPr>
+            <a:spLocks noGrp="1"/>
+          </p:cNvSpPr>
+          <p:nvPr>
+            <p:ph type="sldNum" sz="quarter" idx="10"/>
+          </p:nvPr>
+        </p:nvSpPr>
+        <p:spPr/>
+        <p:txBody>
+          <a:bodyPr/>
+          <a:lstStyle/>
+          <a:p>
+            <a:fld id="{38292CC0-F4A6-4099-AC4A-BA2AE6F11F12}" type="slidenum">
+              <a:rPr lang="en-US" smtClean="0"/>
+              <a:t>26</a:t>
+            </a:fld>
+            <a:endParaRPr lang="en-US"/>
+          </a:p>
+        </p:txBody>
+      </p:sp>
+    </p:spTree>
+    <p:extLst>
+      <p:ext uri="{BB962C8B-B14F-4D97-AF65-F5344CB8AC3E}">
+        <p14:creationId xmlns:p14="http://schemas.microsoft.com/office/powerpoint/2010/main" val="4075873616"/>
+      </p:ext>
+    </p:extLst>
+  </p:cSld>
+  <p:clrMapOvr>
+    <a:masterClrMapping/>
+  </p:clrMapOvr>
+</p:notes>
+</file>
+
 <file path=ppt/slideLayouts/slideLayout1.xml><?xml version="1.0" encoding="utf-8"?>
 <p:sldLayout xmlns:a="http://schemas.openxmlformats.org/drawingml/2006/main" xmlns:r="http://schemas.openxmlformats.org/officeDocument/2006/relationships" xmlns:p="http://schemas.openxmlformats.org/presentationml/2006/main" type="title" preserve="1">
   <p:cSld name="Title Slide">
@@ -327,10 +1016,10 @@
           <a:bodyPr/>
           <a:lstStyle/>
           <a:p>
-            <a:fld id="{1FD20BC6-ED65-4045-9E95-0A81E5C07742}" type="datetimeFigureOut">
+            <a:r>
               <a:rPr lang="en-US" smtClean="0"/>
-              <a:t>12/30/2014</a:t>
-            </a:fld>
+              <a:t>CS@Uva</a:t>
+            </a:r>
             <a:endParaRPr lang="en-US"/>
           </a:p>
         </p:txBody>
@@ -350,6 +1039,10 @@
           <a:bodyPr/>
           <a:lstStyle/>
           <a:p>
+            <a:r>
+              <a:rPr lang="en-US" smtClean="0"/>
+              <a:t>CS6501: Text Mining</a:t>
+            </a:r>
             <a:endParaRPr lang="en-US"/>
           </a:p>
         </p:txBody>
@@ -497,10 +1190,10 @@
           <a:bodyPr/>
           <a:lstStyle/>
           <a:p>
-            <a:fld id="{1FD20BC6-ED65-4045-9E95-0A81E5C07742}" type="datetimeFigureOut">
+            <a:r>
               <a:rPr lang="en-US" smtClean="0"/>
-              <a:t>12/30/2014</a:t>
-            </a:fld>
+              <a:t>CS@Uva</a:t>
+            </a:r>
             <a:endParaRPr lang="en-US"/>
           </a:p>
         </p:txBody>
@@ -520,6 +1213,10 @@
           <a:bodyPr/>
           <a:lstStyle/>
           <a:p>
+            <a:r>
+              <a:rPr lang="en-US" smtClean="0"/>
+              <a:t>CS6501: Text Mining</a:t>
+            </a:r>
             <a:endParaRPr lang="en-US"/>
           </a:p>
         </p:txBody>
@@ -677,10 +1374,10 @@
           <a:bodyPr/>
           <a:lstStyle/>
           <a:p>
-            <a:fld id="{1FD20BC6-ED65-4045-9E95-0A81E5C07742}" type="datetimeFigureOut">
+            <a:r>
               <a:rPr lang="en-US" smtClean="0"/>
-              <a:t>12/30/2014</a:t>
-            </a:fld>
+              <a:t>CS@Uva</a:t>
+            </a:r>
             <a:endParaRPr lang="en-US"/>
           </a:p>
         </p:txBody>
@@ -700,6 +1397,10 @@
           <a:bodyPr/>
           <a:lstStyle/>
           <a:p>
+            <a:r>
+              <a:rPr lang="en-US" smtClean="0"/>
+              <a:t>CS6501: Text Mining</a:t>
+            </a:r>
             <a:endParaRPr lang="en-US"/>
           </a:p>
         </p:txBody>
@@ -847,10 +1548,10 @@
           <a:bodyPr/>
           <a:lstStyle/>
           <a:p>
-            <a:fld id="{1FD20BC6-ED65-4045-9E95-0A81E5C07742}" type="datetimeFigureOut">
+            <a:r>
               <a:rPr lang="en-US" smtClean="0"/>
-              <a:t>12/30/2014</a:t>
-            </a:fld>
+              <a:t>CS@Uva</a:t>
+            </a:r>
             <a:endParaRPr lang="en-US"/>
           </a:p>
         </p:txBody>
@@ -870,6 +1571,10 @@
           <a:bodyPr/>
           <a:lstStyle/>
           <a:p>
+            <a:r>
+              <a:rPr lang="en-US" smtClean="0"/>
+              <a:t>CS6501: Text Mining</a:t>
+            </a:r>
             <a:endParaRPr lang="en-US"/>
           </a:p>
         </p:txBody>
@@ -1093,10 +1798,10 @@
           <a:bodyPr/>
           <a:lstStyle/>
           <a:p>
-            <a:fld id="{1FD20BC6-ED65-4045-9E95-0A81E5C07742}" type="datetimeFigureOut">
+            <a:r>
               <a:rPr lang="en-US" smtClean="0"/>
-              <a:t>12/30/2014</a:t>
-            </a:fld>
+              <a:t>CS@Uva</a:t>
+            </a:r>
             <a:endParaRPr lang="en-US"/>
           </a:p>
         </p:txBody>
@@ -1116,6 +1821,10 @@
           <a:bodyPr/>
           <a:lstStyle/>
           <a:p>
+            <a:r>
+              <a:rPr lang="en-US" smtClean="0"/>
+              <a:t>CS6501: Text Mining</a:t>
+            </a:r>
             <a:endParaRPr lang="en-US"/>
           </a:p>
         </p:txBody>
@@ -1381,10 +2090,10 @@
           <a:bodyPr/>
           <a:lstStyle/>
           <a:p>
-            <a:fld id="{1FD20BC6-ED65-4045-9E95-0A81E5C07742}" type="datetimeFigureOut">
+            <a:r>
               <a:rPr lang="en-US" smtClean="0"/>
-              <a:t>12/30/2014</a:t>
-            </a:fld>
+              <a:t>CS@Uva</a:t>
+            </a:r>
             <a:endParaRPr lang="en-US"/>
           </a:p>
         </p:txBody>
@@ -1404,6 +2113,10 @@
           <a:bodyPr/>
           <a:lstStyle/>
           <a:p>
+            <a:r>
+              <a:rPr lang="en-US" smtClean="0"/>
+              <a:t>CS6501: Text Mining</a:t>
+            </a:r>
             <a:endParaRPr lang="en-US"/>
           </a:p>
         </p:txBody>
@@ -1803,10 +2516,10 @@
           <a:bodyPr/>
           <a:lstStyle/>
           <a:p>
-            <a:fld id="{1FD20BC6-ED65-4045-9E95-0A81E5C07742}" type="datetimeFigureOut">
+            <a:r>
               <a:rPr lang="en-US" smtClean="0"/>
-              <a:t>12/30/2014</a:t>
-            </a:fld>
+              <a:t>CS@Uva</a:t>
+            </a:r>
             <a:endParaRPr lang="en-US"/>
           </a:p>
         </p:txBody>
@@ -1826,6 +2539,10 @@
           <a:bodyPr/>
           <a:lstStyle/>
           <a:p>
+            <a:r>
+              <a:rPr lang="en-US" smtClean="0"/>
+              <a:t>CS6501: Text Mining</a:t>
+            </a:r>
             <a:endParaRPr lang="en-US"/>
           </a:p>
         </p:txBody>
@@ -1921,10 +2638,10 @@
           <a:bodyPr/>
           <a:lstStyle/>
           <a:p>
-            <a:fld id="{1FD20BC6-ED65-4045-9E95-0A81E5C07742}" type="datetimeFigureOut">
+            <a:r>
               <a:rPr lang="en-US" smtClean="0"/>
-              <a:t>12/30/2014</a:t>
-            </a:fld>
+              <a:t>CS@Uva</a:t>
+            </a:r>
             <a:endParaRPr lang="en-US"/>
           </a:p>
         </p:txBody>
@@ -1944,6 +2661,10 @@
           <a:bodyPr/>
           <a:lstStyle/>
           <a:p>
+            <a:r>
+              <a:rPr lang="en-US" smtClean="0"/>
+              <a:t>CS6501: Text Mining</a:t>
+            </a:r>
             <a:endParaRPr lang="en-US"/>
           </a:p>
         </p:txBody>
@@ -2016,10 +2737,10 @@
           <a:bodyPr/>
           <a:lstStyle/>
           <a:p>
-            <a:fld id="{1FD20BC6-ED65-4045-9E95-0A81E5C07742}" type="datetimeFigureOut">
+            <a:r>
               <a:rPr lang="en-US" smtClean="0"/>
-              <a:t>12/30/2014</a:t>
-            </a:fld>
+              <a:t>CS@Uva</a:t>
+            </a:r>
             <a:endParaRPr lang="en-US"/>
           </a:p>
         </p:txBody>
@@ -2039,6 +2760,10 @@
           <a:bodyPr/>
           <a:lstStyle/>
           <a:p>
+            <a:r>
+              <a:rPr lang="en-US" smtClean="0"/>
+              <a:t>CS6501: Text Mining</a:t>
+            </a:r>
             <a:endParaRPr lang="en-US"/>
           </a:p>
         </p:txBody>
@@ -2293,10 +3018,10 @@
           <a:bodyPr/>
           <a:lstStyle/>
           <a:p>
-            <a:fld id="{1FD20BC6-ED65-4045-9E95-0A81E5C07742}" type="datetimeFigureOut">
+            <a:r>
               <a:rPr lang="en-US" smtClean="0"/>
-              <a:t>12/30/2014</a:t>
-            </a:fld>
+              <a:t>CS@Uva</a:t>
+            </a:r>
             <a:endParaRPr lang="en-US"/>
           </a:p>
         </p:txBody>
@@ -2316,6 +3041,10 @@
           <a:bodyPr/>
           <a:lstStyle/>
           <a:p>
+            <a:r>
+              <a:rPr lang="en-US" smtClean="0"/>
+              <a:t>CS6501: Text Mining</a:t>
+            </a:r>
             <a:endParaRPr lang="en-US"/>
           </a:p>
         </p:txBody>
@@ -2550,10 +3279,10 @@
           <a:bodyPr/>
           <a:lstStyle/>
           <a:p>
-            <a:fld id="{1FD20BC6-ED65-4045-9E95-0A81E5C07742}" type="datetimeFigureOut">
+            <a:r>
               <a:rPr lang="en-US" smtClean="0"/>
-              <a:t>12/30/2014</a:t>
-            </a:fld>
+              <a:t>CS@Uva</a:t>
+            </a:r>
             <a:endParaRPr lang="en-US"/>
           </a:p>
         </p:txBody>
@@ -2573,6 +3302,10 @@
           <a:bodyPr/>
           <a:lstStyle/>
           <a:p>
+            <a:r>
+              <a:rPr lang="en-US" smtClean="0"/>
+              <a:t>CS6501: Text Mining</a:t>
+            </a:r>
             <a:endParaRPr lang="en-US"/>
           </a:p>
         </p:txBody>
@@ -2763,10 +3496,10 @@
             </a:lvl1pPr>
           </a:lstStyle>
           <a:p>
-            <a:fld id="{1FD20BC6-ED65-4045-9E95-0A81E5C07742}" type="datetimeFigureOut">
+            <a:r>
               <a:rPr lang="en-US" smtClean="0"/>
-              <a:t>12/30/2014</a:t>
-            </a:fld>
+              <a:t>CS@Uva</a:t>
+            </a:r>
             <a:endParaRPr lang="en-US"/>
           </a:p>
         </p:txBody>
@@ -2804,6 +3537,10 @@
             </a:lvl1pPr>
           </a:lstStyle>
           <a:p>
+            <a:r>
+              <a:rPr lang="en-US" smtClean="0"/>
+              <a:t>CS6501: Text Mining</a:t>
+            </a:r>
             <a:endParaRPr lang="en-US"/>
           </a:p>
         </p:txBody>
@@ -2870,6 +3607,7 @@
     <p:sldLayoutId id="2147483670" r:id="rId10"/>
     <p:sldLayoutId id="2147483671" r:id="rId11"/>
   </p:sldLayoutIdLst>
+  <p:hf hdr="0"/>
   <p:txStyles>
     <p:titleStyle>
       <a:lvl1pPr algn="ctr" defTabSz="914400" rtl="0" eaLnBrk="1" latinLnBrk="0" hangingPunct="1">
@@ -3202,6 +3940,13 @@
   <p:clrMapOvr>
     <a:masterClrMapping/>
   </p:clrMapOvr>
+  <p:timing>
+    <p:tnLst>
+      <p:par>
+        <p:cTn id="1" dur="indefinite" restart="never" nodeType="tmRoot"/>
+      </p:par>
+    </p:tnLst>
+  </p:timing>
 </p:sld>
 </file>
 
@@ -3238,9 +3983,22 @@
           <a:lstStyle/>
           <a:p>
             <a:r>
-              <a:rPr lang="en-US" altLang="en-US"/>
-              <a:t> The State of the Art </a:t>
-            </a:r>
+              <a:rPr lang="en-US" altLang="en-US" dirty="0"/>
+              <a:t> The </a:t>
+            </a:r>
+            <a:r>
+              <a:rPr lang="en-US" altLang="en-US" dirty="0" smtClean="0"/>
+              <a:t>state </a:t>
+            </a:r>
+            <a:r>
+              <a:rPr lang="en-US" altLang="en-US" dirty="0"/>
+              <a:t>of the </a:t>
+            </a:r>
+            <a:r>
+              <a:rPr lang="en-US" altLang="en-US" dirty="0" smtClean="0"/>
+              <a:t>art </a:t>
+            </a:r>
+            <a:endParaRPr lang="en-US" altLang="en-US" dirty="0"/>
           </a:p>
         </p:txBody>
       </p:sp>
@@ -5719,7 +6477,7 @@
           <a:graphicData uri="http://schemas.openxmlformats.org/presentationml/2006/ole">
             <mc:AlternateContent xmlns:mc="http://schemas.openxmlformats.org/markup-compatibility/2006">
               <mc:Choice xmlns:v="urn:schemas-microsoft-com:vml" Requires="v">
-                <p:oleObj spid="_x0000_s8201" name="Photo Editor Photo" r:id="rId3" imgW="1457143" imgH="1428949" progId="MSPhotoEd.3">
+                <p:oleObj spid="_x0000_s8205" name="Photo Editor Photo" r:id="rId3" imgW="1457143" imgH="1428949" progId="MSPhotoEd.3">
                   <p:embed/>
                 </p:oleObj>
               </mc:Choice>
@@ -7064,6 +7822,75 @@
           </a:p>
         </p:txBody>
       </p:sp>
+      <p:sp>
+        <p:nvSpPr>
+          <p:cNvPr id="2" name="Date Placeholder 1"/>
+          <p:cNvSpPr>
+            <a:spLocks noGrp="1"/>
+          </p:cNvSpPr>
+          <p:nvPr>
+            <p:ph type="dt" sz="half" idx="10"/>
+          </p:nvPr>
+        </p:nvSpPr>
+        <p:spPr/>
+        <p:txBody>
+          <a:bodyPr/>
+          <a:lstStyle/>
+          <a:p>
+            <a:r>
+              <a:rPr lang="en-US" smtClean="0"/>
+              <a:t>CS@Uva</a:t>
+            </a:r>
+            <a:endParaRPr lang="en-US"/>
+          </a:p>
+        </p:txBody>
+      </p:sp>
+      <p:sp>
+        <p:nvSpPr>
+          <p:cNvPr id="3" name="Footer Placeholder 2"/>
+          <p:cNvSpPr>
+            <a:spLocks noGrp="1"/>
+          </p:cNvSpPr>
+          <p:nvPr>
+            <p:ph type="ftr" sz="quarter" idx="11"/>
+          </p:nvPr>
+        </p:nvSpPr>
+        <p:spPr/>
+        <p:txBody>
+          <a:bodyPr/>
+          <a:lstStyle/>
+          <a:p>
+            <a:r>
+              <a:rPr lang="en-US" smtClean="0"/>
+              <a:t>CS6501: Text Mining</a:t>
+            </a:r>
+            <a:endParaRPr lang="en-US"/>
+          </a:p>
+        </p:txBody>
+      </p:sp>
+      <p:sp>
+        <p:nvSpPr>
+          <p:cNvPr id="4" name="Slide Number Placeholder 3"/>
+          <p:cNvSpPr>
+            <a:spLocks noGrp="1"/>
+          </p:cNvSpPr>
+          <p:nvPr>
+            <p:ph type="sldNum" sz="quarter" idx="12"/>
+          </p:nvPr>
+        </p:nvSpPr>
+        <p:spPr/>
+        <p:txBody>
+          <a:bodyPr/>
+          <a:lstStyle/>
+          <a:p>
+            <a:fld id="{C6319467-766E-4BB3-8524-6F46E206E21B}" type="slidenum">
+              <a:rPr lang="en-US" smtClean="0"/>
+              <a:t>10</a:t>
+            </a:fld>
+            <a:endParaRPr lang="en-US"/>
+          </a:p>
+        </p:txBody>
+      </p:sp>
     </p:spTree>
     <p:extLst>
       <p:ext uri="{BB962C8B-B14F-4D97-AF65-F5344CB8AC3E}">
@@ -7077,9 +7904,264 @@
   <p:timing>
     <p:tnLst>
       <p:par>
-        <p:cTn id="1" dur="indefinite" restart="never" nodeType="tmRoot"/>
+        <p:cTn id="1" dur="indefinite" restart="never" nodeType="tmRoot">
+          <p:childTnLst>
+            <p:seq concurrent="1" nextAc="seek">
+              <p:cTn id="2" dur="indefinite" nodeType="mainSeq">
+                <p:childTnLst>
+                  <p:par>
+                    <p:cTn id="3" fill="hold">
+                      <p:stCondLst>
+                        <p:cond delay="indefinite"/>
+                      </p:stCondLst>
+                      <p:childTnLst>
+                        <p:par>
+                          <p:cTn id="4" fill="hold">
+                            <p:stCondLst>
+                              <p:cond delay="0"/>
+                            </p:stCondLst>
+                            <p:childTnLst>
+                              <p:par>
+                                <p:cTn id="5" presetID="1" presetClass="entr" presetSubtype="0" fill="hold" grpId="0" nodeType="clickEffect">
+                                  <p:stCondLst>
+                                    <p:cond delay="0"/>
+                                  </p:stCondLst>
+                                  <p:childTnLst>
+                                    <p:set>
+                                      <p:cBhvr>
+                                        <p:cTn id="6" dur="1" fill="hold">
+                                          <p:stCondLst>
+                                            <p:cond delay="0"/>
+                                          </p:stCondLst>
+                                        </p:cTn>
+                                        <p:tgtEl>
+                                          <p:spTgt spid="440389"/>
+                                        </p:tgtEl>
+                                        <p:attrNameLst>
+                                          <p:attrName>style.visibility</p:attrName>
+                                        </p:attrNameLst>
+                                      </p:cBhvr>
+                                      <p:to>
+                                        <p:strVal val="visible"/>
+                                      </p:to>
+                                    </p:set>
+                                  </p:childTnLst>
+                                </p:cTn>
+                              </p:par>
+                            </p:childTnLst>
+                          </p:cTn>
+                        </p:par>
+                      </p:childTnLst>
+                    </p:cTn>
+                  </p:par>
+                  <p:par>
+                    <p:cTn id="7" fill="hold">
+                      <p:stCondLst>
+                        <p:cond delay="indefinite"/>
+                      </p:stCondLst>
+                      <p:childTnLst>
+                        <p:par>
+                          <p:cTn id="8" fill="hold">
+                            <p:stCondLst>
+                              <p:cond delay="0"/>
+                            </p:stCondLst>
+                            <p:childTnLst>
+                              <p:par>
+                                <p:cTn id="9" presetID="1" presetClass="entr" presetSubtype="0" fill="hold" grpId="0" nodeType="clickEffect">
+                                  <p:stCondLst>
+                                    <p:cond delay="0"/>
+                                  </p:stCondLst>
+                                  <p:childTnLst>
+                                    <p:set>
+                                      <p:cBhvr>
+                                        <p:cTn id="10" dur="1" fill="hold">
+                                          <p:stCondLst>
+                                            <p:cond delay="0"/>
+                                          </p:stCondLst>
+                                        </p:cTn>
+                                        <p:tgtEl>
+                                          <p:spTgt spid="440390"/>
+                                        </p:tgtEl>
+                                        <p:attrNameLst>
+                                          <p:attrName>style.visibility</p:attrName>
+                                        </p:attrNameLst>
+                                      </p:cBhvr>
+                                      <p:to>
+                                        <p:strVal val="visible"/>
+                                      </p:to>
+                                    </p:set>
+                                  </p:childTnLst>
+                                </p:cTn>
+                              </p:par>
+                            </p:childTnLst>
+                          </p:cTn>
+                        </p:par>
+                      </p:childTnLst>
+                    </p:cTn>
+                  </p:par>
+                  <p:par>
+                    <p:cTn id="11" fill="hold">
+                      <p:stCondLst>
+                        <p:cond delay="indefinite"/>
+                      </p:stCondLst>
+                      <p:childTnLst>
+                        <p:par>
+                          <p:cTn id="12" fill="hold">
+                            <p:stCondLst>
+                              <p:cond delay="0"/>
+                            </p:stCondLst>
+                            <p:childTnLst>
+                              <p:par>
+                                <p:cTn id="13" presetID="1" presetClass="entr" presetSubtype="0" fill="hold" grpId="0" nodeType="clickEffect">
+                                  <p:stCondLst>
+                                    <p:cond delay="0"/>
+                                  </p:stCondLst>
+                                  <p:childTnLst>
+                                    <p:set>
+                                      <p:cBhvr>
+                                        <p:cTn id="14" dur="1" fill="hold">
+                                          <p:stCondLst>
+                                            <p:cond delay="0"/>
+                                          </p:stCondLst>
+                                        </p:cTn>
+                                        <p:tgtEl>
+                                          <p:spTgt spid="440388"/>
+                                        </p:tgtEl>
+                                        <p:attrNameLst>
+                                          <p:attrName>style.visibility</p:attrName>
+                                        </p:attrNameLst>
+                                      </p:cBhvr>
+                                      <p:to>
+                                        <p:strVal val="visible"/>
+                                      </p:to>
+                                    </p:set>
+                                  </p:childTnLst>
+                                </p:cTn>
+                              </p:par>
+                            </p:childTnLst>
+                          </p:cTn>
+                        </p:par>
+                      </p:childTnLst>
+                    </p:cTn>
+                  </p:par>
+                  <p:par>
+                    <p:cTn id="15" fill="hold">
+                      <p:stCondLst>
+                        <p:cond delay="indefinite"/>
+                      </p:stCondLst>
+                      <p:childTnLst>
+                        <p:par>
+                          <p:cTn id="16" fill="hold">
+                            <p:stCondLst>
+                              <p:cond delay="0"/>
+                            </p:stCondLst>
+                            <p:childTnLst>
+                              <p:par>
+                                <p:cTn id="17" presetID="1" presetClass="entr" presetSubtype="0" fill="hold" grpId="0" nodeType="clickEffect">
+                                  <p:stCondLst>
+                                    <p:cond delay="0"/>
+                                  </p:stCondLst>
+                                  <p:childTnLst>
+                                    <p:set>
+                                      <p:cBhvr>
+                                        <p:cTn id="18" dur="1" fill="hold">
+                                          <p:stCondLst>
+                                            <p:cond delay="0"/>
+                                          </p:stCondLst>
+                                        </p:cTn>
+                                        <p:tgtEl>
+                                          <p:spTgt spid="440393"/>
+                                        </p:tgtEl>
+                                        <p:attrNameLst>
+                                          <p:attrName>style.visibility</p:attrName>
+                                        </p:attrNameLst>
+                                      </p:cBhvr>
+                                      <p:to>
+                                        <p:strVal val="visible"/>
+                                      </p:to>
+                                    </p:set>
+                                  </p:childTnLst>
+                                </p:cTn>
+                              </p:par>
+                            </p:childTnLst>
+                          </p:cTn>
+                        </p:par>
+                      </p:childTnLst>
+                    </p:cTn>
+                  </p:par>
+                  <p:par>
+                    <p:cTn id="19" fill="hold">
+                      <p:stCondLst>
+                        <p:cond delay="indefinite"/>
+                      </p:stCondLst>
+                      <p:childTnLst>
+                        <p:par>
+                          <p:cTn id="20" fill="hold">
+                            <p:stCondLst>
+                              <p:cond delay="0"/>
+                            </p:stCondLst>
+                            <p:childTnLst>
+                              <p:par>
+                                <p:cTn id="21" presetID="1" presetClass="entr" presetSubtype="0" fill="hold" grpId="0" nodeType="clickEffect">
+                                  <p:stCondLst>
+                                    <p:cond delay="0"/>
+                                  </p:stCondLst>
+                                  <p:childTnLst>
+                                    <p:set>
+                                      <p:cBhvr>
+                                        <p:cTn id="22" dur="1" fill="hold">
+                                          <p:stCondLst>
+                                            <p:cond delay="0"/>
+                                          </p:stCondLst>
+                                        </p:cTn>
+                                        <p:tgtEl>
+                                          <p:spTgt spid="440392"/>
+                                        </p:tgtEl>
+                                        <p:attrNameLst>
+                                          <p:attrName>style.visibility</p:attrName>
+                                        </p:attrNameLst>
+                                      </p:cBhvr>
+                                      <p:to>
+                                        <p:strVal val="visible"/>
+                                      </p:to>
+                                    </p:set>
+                                  </p:childTnLst>
+                                </p:cTn>
+                              </p:par>
+                            </p:childTnLst>
+                          </p:cTn>
+                        </p:par>
+                      </p:childTnLst>
+                    </p:cTn>
+                  </p:par>
+                </p:childTnLst>
+              </p:cTn>
+              <p:prevCondLst>
+                <p:cond evt="onPrev" delay="0">
+                  <p:tgtEl>
+                    <p:sldTgt/>
+                  </p:tgtEl>
+                </p:cond>
+              </p:prevCondLst>
+              <p:nextCondLst>
+                <p:cond evt="onNext" delay="0">
+                  <p:tgtEl>
+                    <p:sldTgt/>
+                  </p:tgtEl>
+                </p:cond>
+              </p:nextCondLst>
+            </p:seq>
+          </p:childTnLst>
+        </p:cTn>
       </p:par>
     </p:tnLst>
+    <p:bldLst>
+      <p:bldP spid="440388" grpId="0" animBg="1"/>
+      <p:bldP spid="440389" grpId="0" animBg="1"/>
+      <p:bldP spid="440390" grpId="0" animBg="1"/>
+      <p:bldP spid="440392" grpId="0" animBg="1"/>
+      <p:bldP spid="440393" grpId="0" animBg="1"/>
+    </p:bldLst>
   </p:timing>
 </p:sld>
 </file>
@@ -7118,7 +8200,7 @@
           <a:p>
             <a:r>
               <a:rPr lang="en-US" dirty="0" smtClean="0"/>
-              <a:t>Machine Translation</a:t>
+              <a:t>Machine translation</a:t>
             </a:r>
             <a:endParaRPr lang="en-US" dirty="0"/>
           </a:p>
@@ -7296,6 +8378,75 @@
           </a:prstGeom>
         </p:spPr>
       </p:pic>
+      <p:sp>
+        <p:nvSpPr>
+          <p:cNvPr id="4" name="Date Placeholder 3"/>
+          <p:cNvSpPr>
+            <a:spLocks noGrp="1"/>
+          </p:cNvSpPr>
+          <p:nvPr>
+            <p:ph type="dt" sz="half" idx="10"/>
+          </p:nvPr>
+        </p:nvSpPr>
+        <p:spPr/>
+        <p:txBody>
+          <a:bodyPr/>
+          <a:lstStyle/>
+          <a:p>
+            <a:r>
+              <a:rPr lang="en-US" smtClean="0"/>
+              <a:t>CS@Uva</a:t>
+            </a:r>
+            <a:endParaRPr lang="en-US"/>
+          </a:p>
+        </p:txBody>
+      </p:sp>
+      <p:sp>
+        <p:nvSpPr>
+          <p:cNvPr id="8" name="Footer Placeholder 7"/>
+          <p:cNvSpPr>
+            <a:spLocks noGrp="1"/>
+          </p:cNvSpPr>
+          <p:nvPr>
+            <p:ph type="ftr" sz="quarter" idx="11"/>
+          </p:nvPr>
+        </p:nvSpPr>
+        <p:spPr/>
+        <p:txBody>
+          <a:bodyPr/>
+          <a:lstStyle/>
+          <a:p>
+            <a:r>
+              <a:rPr lang="en-US" smtClean="0"/>
+              <a:t>CS6501: Text Mining</a:t>
+            </a:r>
+            <a:endParaRPr lang="en-US"/>
+          </a:p>
+        </p:txBody>
+      </p:sp>
+      <p:sp>
+        <p:nvSpPr>
+          <p:cNvPr id="9" name="Slide Number Placeholder 8"/>
+          <p:cNvSpPr>
+            <a:spLocks noGrp="1"/>
+          </p:cNvSpPr>
+          <p:nvPr>
+            <p:ph type="sldNum" sz="quarter" idx="12"/>
+          </p:nvPr>
+        </p:nvSpPr>
+        <p:spPr/>
+        <p:txBody>
+          <a:bodyPr/>
+          <a:lstStyle/>
+          <a:p>
+            <a:fld id="{C6319467-766E-4BB3-8524-6F46E206E21B}" type="slidenum">
+              <a:rPr lang="en-US" smtClean="0"/>
+              <a:t>11</a:t>
+            </a:fld>
+            <a:endParaRPr lang="en-US"/>
+          </a:p>
+        </p:txBody>
+      </p:sp>
     </p:spTree>
     <p:extLst>
       <p:ext uri="{BB962C8B-B14F-4D97-AF65-F5344CB8AC3E}">
@@ -7649,6 +8800,75 @@
           </a:effectLst>
         </p:spPr>
       </p:pic>
+      <p:sp>
+        <p:nvSpPr>
+          <p:cNvPr id="3" name="Date Placeholder 2"/>
+          <p:cNvSpPr>
+            <a:spLocks noGrp="1"/>
+          </p:cNvSpPr>
+          <p:nvPr>
+            <p:ph type="dt" sz="half" idx="10"/>
+          </p:nvPr>
+        </p:nvSpPr>
+        <p:spPr/>
+        <p:txBody>
+          <a:bodyPr/>
+          <a:lstStyle/>
+          <a:p>
+            <a:r>
+              <a:rPr lang="en-US" smtClean="0"/>
+              <a:t>CS@Uva</a:t>
+            </a:r>
+            <a:endParaRPr lang="en-US"/>
+          </a:p>
+        </p:txBody>
+      </p:sp>
+      <p:sp>
+        <p:nvSpPr>
+          <p:cNvPr id="5" name="Footer Placeholder 4"/>
+          <p:cNvSpPr>
+            <a:spLocks noGrp="1"/>
+          </p:cNvSpPr>
+          <p:nvPr>
+            <p:ph type="ftr" sz="quarter" idx="11"/>
+          </p:nvPr>
+        </p:nvSpPr>
+        <p:spPr/>
+        <p:txBody>
+          <a:bodyPr/>
+          <a:lstStyle/>
+          <a:p>
+            <a:r>
+              <a:rPr lang="en-US" smtClean="0"/>
+              <a:t>CS6501: Text Mining</a:t>
+            </a:r>
+            <a:endParaRPr lang="en-US"/>
+          </a:p>
+        </p:txBody>
+      </p:sp>
+      <p:sp>
+        <p:nvSpPr>
+          <p:cNvPr id="8" name="Slide Number Placeholder 7"/>
+          <p:cNvSpPr>
+            <a:spLocks noGrp="1"/>
+          </p:cNvSpPr>
+          <p:nvPr>
+            <p:ph type="sldNum" sz="quarter" idx="12"/>
+          </p:nvPr>
+        </p:nvSpPr>
+        <p:spPr/>
+        <p:txBody>
+          <a:bodyPr/>
+          <a:lstStyle/>
+          <a:p>
+            <a:fld id="{C6319467-766E-4BB3-8524-6F46E206E21B}" type="slidenum">
+              <a:rPr lang="en-US" smtClean="0"/>
+              <a:t>12</a:t>
+            </a:fld>
+            <a:endParaRPr lang="en-US"/>
+          </a:p>
+        </p:txBody>
+      </p:sp>
     </p:spTree>
     <p:extLst>
       <p:ext uri="{BB962C8B-B14F-4D97-AF65-F5344CB8AC3E}">
@@ -7703,7 +8923,7 @@
           <a:p>
             <a:r>
               <a:rPr lang="en-US" dirty="0" smtClean="0"/>
-              <a:t>Information Extraction</a:t>
+              <a:t>Information extraction</a:t>
             </a:r>
             <a:endParaRPr lang="en-US" dirty="0"/>
           </a:p>
@@ -7847,6 +9067,75 @@
           </p:txBody>
         </p:sp>
       </p:grpSp>
+      <p:sp>
+        <p:nvSpPr>
+          <p:cNvPr id="4" name="Date Placeholder 3"/>
+          <p:cNvSpPr>
+            <a:spLocks noGrp="1"/>
+          </p:cNvSpPr>
+          <p:nvPr>
+            <p:ph type="dt" sz="half" idx="10"/>
+          </p:nvPr>
+        </p:nvSpPr>
+        <p:spPr/>
+        <p:txBody>
+          <a:bodyPr/>
+          <a:lstStyle/>
+          <a:p>
+            <a:r>
+              <a:rPr lang="en-US" smtClean="0"/>
+              <a:t>CS@Uva</a:t>
+            </a:r>
+            <a:endParaRPr lang="en-US"/>
+          </a:p>
+        </p:txBody>
+      </p:sp>
+      <p:sp>
+        <p:nvSpPr>
+          <p:cNvPr id="5" name="Footer Placeholder 4"/>
+          <p:cNvSpPr>
+            <a:spLocks noGrp="1"/>
+          </p:cNvSpPr>
+          <p:nvPr>
+            <p:ph type="ftr" sz="quarter" idx="11"/>
+          </p:nvPr>
+        </p:nvSpPr>
+        <p:spPr/>
+        <p:txBody>
+          <a:bodyPr/>
+          <a:lstStyle/>
+          <a:p>
+            <a:r>
+              <a:rPr lang="en-US" smtClean="0"/>
+              <a:t>CS6501: Text Mining</a:t>
+            </a:r>
+            <a:endParaRPr lang="en-US"/>
+          </a:p>
+        </p:txBody>
+      </p:sp>
+      <p:sp>
+        <p:nvSpPr>
+          <p:cNvPr id="9" name="Slide Number Placeholder 8"/>
+          <p:cNvSpPr>
+            <a:spLocks noGrp="1"/>
+          </p:cNvSpPr>
+          <p:nvPr>
+            <p:ph type="sldNum" sz="quarter" idx="12"/>
+          </p:nvPr>
+        </p:nvSpPr>
+        <p:spPr/>
+        <p:txBody>
+          <a:bodyPr/>
+          <a:lstStyle/>
+          <a:p>
+            <a:fld id="{C6319467-766E-4BB3-8524-6F46E206E21B}" type="slidenum">
+              <a:rPr lang="en-US" smtClean="0"/>
+              <a:t>13</a:t>
+            </a:fld>
+            <a:endParaRPr lang="en-US"/>
+          </a:p>
+        </p:txBody>
+      </p:sp>
     </p:spTree>
     <p:extLst>
       <p:ext uri="{BB962C8B-B14F-4D97-AF65-F5344CB8AC3E}">
@@ -7901,8 +9190,13 @@
           <a:p>
             <a:r>
               <a:rPr lang="en-US" dirty="0"/>
-              <a:t>Information Extraction</a:t>
-            </a:r>
+              <a:t>Information </a:t>
+            </a:r>
+            <a:r>
+              <a:rPr lang="en-US" dirty="0" smtClean="0"/>
+              <a:t>extraction</a:t>
+            </a:r>
+            <a:endParaRPr lang="en-US" dirty="0"/>
           </a:p>
         </p:txBody>
       </p:sp>
@@ -8045,6 +9339,75 @@
           </p:txBody>
         </p:sp>
       </p:grpSp>
+      <p:sp>
+        <p:nvSpPr>
+          <p:cNvPr id="9" name="Date Placeholder 8"/>
+          <p:cNvSpPr>
+            <a:spLocks noGrp="1"/>
+          </p:cNvSpPr>
+          <p:nvPr>
+            <p:ph type="dt" sz="half" idx="10"/>
+          </p:nvPr>
+        </p:nvSpPr>
+        <p:spPr/>
+        <p:txBody>
+          <a:bodyPr/>
+          <a:lstStyle/>
+          <a:p>
+            <a:r>
+              <a:rPr lang="en-US" smtClean="0"/>
+              <a:t>CS@Uva</a:t>
+            </a:r>
+            <a:endParaRPr lang="en-US"/>
+          </a:p>
+        </p:txBody>
+      </p:sp>
+      <p:sp>
+        <p:nvSpPr>
+          <p:cNvPr id="10" name="Footer Placeholder 9"/>
+          <p:cNvSpPr>
+            <a:spLocks noGrp="1"/>
+          </p:cNvSpPr>
+          <p:nvPr>
+            <p:ph type="ftr" sz="quarter" idx="11"/>
+          </p:nvPr>
+        </p:nvSpPr>
+        <p:spPr/>
+        <p:txBody>
+          <a:bodyPr/>
+          <a:lstStyle/>
+          <a:p>
+            <a:r>
+              <a:rPr lang="en-US" smtClean="0"/>
+              <a:t>CS6501: Text Mining</a:t>
+            </a:r>
+            <a:endParaRPr lang="en-US"/>
+          </a:p>
+        </p:txBody>
+      </p:sp>
+      <p:sp>
+        <p:nvSpPr>
+          <p:cNvPr id="11" name="Slide Number Placeholder 10"/>
+          <p:cNvSpPr>
+            <a:spLocks noGrp="1"/>
+          </p:cNvSpPr>
+          <p:nvPr>
+            <p:ph type="sldNum" sz="quarter" idx="12"/>
+          </p:nvPr>
+        </p:nvSpPr>
+        <p:spPr/>
+        <p:txBody>
+          <a:bodyPr/>
+          <a:lstStyle/>
+          <a:p>
+            <a:fld id="{C6319467-766E-4BB3-8524-6F46E206E21B}" type="slidenum">
+              <a:rPr lang="en-US" smtClean="0"/>
+              <a:t>14</a:t>
+            </a:fld>
+            <a:endParaRPr lang="en-US"/>
+          </a:p>
+        </p:txBody>
+      </p:sp>
     </p:spTree>
     <p:extLst>
       <p:ext uri="{BB962C8B-B14F-4D97-AF65-F5344CB8AC3E}">
@@ -8281,6 +9644,75 @@
           </a:extLst>
         </p:spPr>
       </p:pic>
+      <p:sp>
+        <p:nvSpPr>
+          <p:cNvPr id="3" name="Date Placeholder 2"/>
+          <p:cNvSpPr>
+            <a:spLocks noGrp="1"/>
+          </p:cNvSpPr>
+          <p:nvPr>
+            <p:ph type="dt" sz="half" idx="10"/>
+          </p:nvPr>
+        </p:nvSpPr>
+        <p:spPr/>
+        <p:txBody>
+          <a:bodyPr/>
+          <a:lstStyle/>
+          <a:p>
+            <a:r>
+              <a:rPr lang="en-US" smtClean="0"/>
+              <a:t>CS@Uva</a:t>
+            </a:r>
+            <a:endParaRPr lang="en-US"/>
+          </a:p>
+        </p:txBody>
+      </p:sp>
+      <p:sp>
+        <p:nvSpPr>
+          <p:cNvPr id="4" name="Footer Placeholder 3"/>
+          <p:cNvSpPr>
+            <a:spLocks noGrp="1"/>
+          </p:cNvSpPr>
+          <p:nvPr>
+            <p:ph type="ftr" sz="quarter" idx="11"/>
+          </p:nvPr>
+        </p:nvSpPr>
+        <p:spPr/>
+        <p:txBody>
+          <a:bodyPr/>
+          <a:lstStyle/>
+          <a:p>
+            <a:r>
+              <a:rPr lang="en-US" smtClean="0"/>
+              <a:t>CS6501: Text Mining</a:t>
+            </a:r>
+            <a:endParaRPr lang="en-US"/>
+          </a:p>
+        </p:txBody>
+      </p:sp>
+      <p:sp>
+        <p:nvSpPr>
+          <p:cNvPr id="5" name="Slide Number Placeholder 4"/>
+          <p:cNvSpPr>
+            <a:spLocks noGrp="1"/>
+          </p:cNvSpPr>
+          <p:nvPr>
+            <p:ph type="sldNum" sz="quarter" idx="12"/>
+          </p:nvPr>
+        </p:nvSpPr>
+        <p:spPr/>
+        <p:txBody>
+          <a:bodyPr/>
+          <a:lstStyle/>
+          <a:p>
+            <a:fld id="{C6319467-766E-4BB3-8524-6F46E206E21B}" type="slidenum">
+              <a:rPr lang="en-US" smtClean="0"/>
+              <a:t>15</a:t>
+            </a:fld>
+            <a:endParaRPr lang="en-US"/>
+          </a:p>
+        </p:txBody>
+      </p:sp>
     </p:spTree>
     <p:extLst>
       <p:ext uri="{BB962C8B-B14F-4D97-AF65-F5344CB8AC3E}">
@@ -8724,6 +10156,75 @@
               <a:t>. </a:t>
             </a:r>
             <a:endParaRPr lang="en-US" sz="2400" dirty="0"/>
+          </a:p>
+        </p:txBody>
+      </p:sp>
+      <p:sp>
+        <p:nvSpPr>
+          <p:cNvPr id="2" name="Date Placeholder 1"/>
+          <p:cNvSpPr>
+            <a:spLocks noGrp="1"/>
+          </p:cNvSpPr>
+          <p:nvPr>
+            <p:ph type="dt" sz="half" idx="10"/>
+          </p:nvPr>
+        </p:nvSpPr>
+        <p:spPr/>
+        <p:txBody>
+          <a:bodyPr/>
+          <a:lstStyle/>
+          <a:p>
+            <a:r>
+              <a:rPr lang="en-US" smtClean="0"/>
+              <a:t>CS@Uva</a:t>
+            </a:r>
+            <a:endParaRPr lang="en-US"/>
+          </a:p>
+        </p:txBody>
+      </p:sp>
+      <p:sp>
+        <p:nvSpPr>
+          <p:cNvPr id="8" name="Footer Placeholder 7"/>
+          <p:cNvSpPr>
+            <a:spLocks noGrp="1"/>
+          </p:cNvSpPr>
+          <p:nvPr>
+            <p:ph type="ftr" sz="quarter" idx="11"/>
+          </p:nvPr>
+        </p:nvSpPr>
+        <p:spPr/>
+        <p:txBody>
+          <a:bodyPr/>
+          <a:lstStyle/>
+          <a:p>
+            <a:r>
+              <a:rPr lang="en-US" smtClean="0"/>
+              <a:t>CS6501: Text Mining</a:t>
+            </a:r>
+            <a:endParaRPr lang="en-US"/>
+          </a:p>
+        </p:txBody>
+      </p:sp>
+      <p:sp>
+        <p:nvSpPr>
+          <p:cNvPr id="9" name="Slide Number Placeholder 8"/>
+          <p:cNvSpPr>
+            <a:spLocks noGrp="1"/>
+          </p:cNvSpPr>
+          <p:nvPr>
+            <p:ph type="sldNum" sz="quarter" idx="12"/>
+          </p:nvPr>
+        </p:nvSpPr>
+        <p:spPr/>
+        <p:txBody>
+          <a:bodyPr/>
+          <a:lstStyle/>
+          <a:p>
+            <a:fld id="{C6319467-766E-4BB3-8524-6F46E206E21B}" type="slidenum">
+              <a:rPr lang="en-US" smtClean="0"/>
+              <a:t>16</a:t>
+            </a:fld>
+            <a:endParaRPr lang="en-US"/>
           </a:p>
         </p:txBody>
       </p:sp>
@@ -8949,7 +10450,7 @@
           <a:p>
             <a:r>
               <a:rPr lang="en-US" dirty="0" smtClean="0"/>
-              <a:t>Part-of-Speech Tagging</a:t>
+              <a:t>Part-of-Speech tagging</a:t>
             </a:r>
             <a:endParaRPr lang="en-US" dirty="0"/>
           </a:p>
@@ -10509,6 +12010,75 @@
           </a:p>
         </p:txBody>
       </p:sp>
+      <p:sp>
+        <p:nvSpPr>
+          <p:cNvPr id="26" name="Date Placeholder 25"/>
+          <p:cNvSpPr>
+            <a:spLocks noGrp="1"/>
+          </p:cNvSpPr>
+          <p:nvPr>
+            <p:ph type="dt" sz="half" idx="10"/>
+          </p:nvPr>
+        </p:nvSpPr>
+        <p:spPr/>
+        <p:txBody>
+          <a:bodyPr/>
+          <a:lstStyle/>
+          <a:p>
+            <a:r>
+              <a:rPr lang="en-US" smtClean="0"/>
+              <a:t>CS@Uva</a:t>
+            </a:r>
+            <a:endParaRPr lang="en-US"/>
+          </a:p>
+        </p:txBody>
+      </p:sp>
+      <p:sp>
+        <p:nvSpPr>
+          <p:cNvPr id="27" name="Footer Placeholder 26"/>
+          <p:cNvSpPr>
+            <a:spLocks noGrp="1"/>
+          </p:cNvSpPr>
+          <p:nvPr>
+            <p:ph type="ftr" sz="quarter" idx="11"/>
+          </p:nvPr>
+        </p:nvSpPr>
+        <p:spPr/>
+        <p:txBody>
+          <a:bodyPr/>
+          <a:lstStyle/>
+          <a:p>
+            <a:r>
+              <a:rPr lang="en-US" smtClean="0"/>
+              <a:t>CS6501: Text Mining</a:t>
+            </a:r>
+            <a:endParaRPr lang="en-US"/>
+          </a:p>
+        </p:txBody>
+      </p:sp>
+      <p:sp>
+        <p:nvSpPr>
+          <p:cNvPr id="28" name="Slide Number Placeholder 27"/>
+          <p:cNvSpPr>
+            <a:spLocks noGrp="1"/>
+          </p:cNvSpPr>
+          <p:nvPr>
+            <p:ph type="sldNum" sz="quarter" idx="12"/>
+          </p:nvPr>
+        </p:nvSpPr>
+        <p:spPr/>
+        <p:txBody>
+          <a:bodyPr/>
+          <a:lstStyle/>
+          <a:p>
+            <a:fld id="{C6319467-766E-4BB3-8524-6F46E206E21B}" type="slidenum">
+              <a:rPr lang="en-US" smtClean="0"/>
+              <a:t>17</a:t>
+            </a:fld>
+            <a:endParaRPr lang="en-US"/>
+          </a:p>
+        </p:txBody>
+      </p:sp>
     </p:spTree>
     <p:extLst>
       <p:ext uri="{BB962C8B-B14F-4D97-AF65-F5344CB8AC3E}">
@@ -10680,7 +12250,7 @@
           <a:p>
             <a:r>
               <a:rPr lang="en-US" dirty="0" smtClean="0"/>
-              <a:t>Named Entity Recognition</a:t>
+              <a:t>Named entity recognition</a:t>
             </a:r>
             <a:endParaRPr lang="en-US" dirty="0"/>
           </a:p>
@@ -10951,6 +12521,75 @@
           </p:txBody>
         </p:sp>
       </p:grpSp>
+      <p:sp>
+        <p:nvSpPr>
+          <p:cNvPr id="8" name="Date Placeholder 7"/>
+          <p:cNvSpPr>
+            <a:spLocks noGrp="1"/>
+          </p:cNvSpPr>
+          <p:nvPr>
+            <p:ph type="dt" sz="half" idx="10"/>
+          </p:nvPr>
+        </p:nvSpPr>
+        <p:spPr/>
+        <p:txBody>
+          <a:bodyPr/>
+          <a:lstStyle/>
+          <a:p>
+            <a:r>
+              <a:rPr lang="en-US" smtClean="0"/>
+              <a:t>CS@Uva</a:t>
+            </a:r>
+            <a:endParaRPr lang="en-US"/>
+          </a:p>
+        </p:txBody>
+      </p:sp>
+      <p:sp>
+        <p:nvSpPr>
+          <p:cNvPr id="9" name="Footer Placeholder 8"/>
+          <p:cNvSpPr>
+            <a:spLocks noGrp="1"/>
+          </p:cNvSpPr>
+          <p:nvPr>
+            <p:ph type="ftr" sz="quarter" idx="11"/>
+          </p:nvPr>
+        </p:nvSpPr>
+        <p:spPr/>
+        <p:txBody>
+          <a:bodyPr/>
+          <a:lstStyle/>
+          <a:p>
+            <a:r>
+              <a:rPr lang="en-US" smtClean="0"/>
+              <a:t>CS6501: Text Mining</a:t>
+            </a:r>
+            <a:endParaRPr lang="en-US"/>
+          </a:p>
+        </p:txBody>
+      </p:sp>
+      <p:sp>
+        <p:nvSpPr>
+          <p:cNvPr id="10" name="Slide Number Placeholder 9"/>
+          <p:cNvSpPr>
+            <a:spLocks noGrp="1"/>
+          </p:cNvSpPr>
+          <p:nvPr>
+            <p:ph type="sldNum" sz="quarter" idx="12"/>
+          </p:nvPr>
+        </p:nvSpPr>
+        <p:spPr/>
+        <p:txBody>
+          <a:bodyPr/>
+          <a:lstStyle/>
+          <a:p>
+            <a:fld id="{C6319467-766E-4BB3-8524-6F46E206E21B}" type="slidenum">
+              <a:rPr lang="en-US" smtClean="0"/>
+              <a:t>18</a:t>
+            </a:fld>
+            <a:endParaRPr lang="en-US"/>
+          </a:p>
+        </p:txBody>
+      </p:sp>
     </p:spTree>
     <p:extLst>
       <p:ext uri="{BB962C8B-B14F-4D97-AF65-F5344CB8AC3E}">
@@ -11126,7 +12765,7 @@
             </a:r>
             <a:r>
               <a:rPr lang="en-US" dirty="0" smtClean="0"/>
-              <a:t>Parsing</a:t>
+              <a:t>parsing</a:t>
             </a:r>
             <a:endParaRPr lang="en-US" dirty="0"/>
           </a:p>
@@ -13891,6 +15530,75 @@
           </p:txBody>
         </p:sp>
       </p:grpSp>
+      <p:sp>
+        <p:nvSpPr>
+          <p:cNvPr id="49" name="Date Placeholder 48"/>
+          <p:cNvSpPr>
+            <a:spLocks noGrp="1"/>
+          </p:cNvSpPr>
+          <p:nvPr>
+            <p:ph type="dt" sz="half" idx="10"/>
+          </p:nvPr>
+        </p:nvSpPr>
+        <p:spPr/>
+        <p:txBody>
+          <a:bodyPr/>
+          <a:lstStyle/>
+          <a:p>
+            <a:r>
+              <a:rPr lang="en-US" smtClean="0"/>
+              <a:t>CS@Uva</a:t>
+            </a:r>
+            <a:endParaRPr lang="en-US"/>
+          </a:p>
+        </p:txBody>
+      </p:sp>
+      <p:sp>
+        <p:nvSpPr>
+          <p:cNvPr id="51" name="Footer Placeholder 50"/>
+          <p:cNvSpPr>
+            <a:spLocks noGrp="1"/>
+          </p:cNvSpPr>
+          <p:nvPr>
+            <p:ph type="ftr" sz="quarter" idx="11"/>
+          </p:nvPr>
+        </p:nvSpPr>
+        <p:spPr/>
+        <p:txBody>
+          <a:bodyPr/>
+          <a:lstStyle/>
+          <a:p>
+            <a:r>
+              <a:rPr lang="en-US" smtClean="0"/>
+              <a:t>CS6501: Text Mining</a:t>
+            </a:r>
+            <a:endParaRPr lang="en-US"/>
+          </a:p>
+        </p:txBody>
+      </p:sp>
+      <p:sp>
+        <p:nvSpPr>
+          <p:cNvPr id="52" name="Slide Number Placeholder 51"/>
+          <p:cNvSpPr>
+            <a:spLocks noGrp="1"/>
+          </p:cNvSpPr>
+          <p:nvPr>
+            <p:ph type="sldNum" sz="quarter" idx="12"/>
+          </p:nvPr>
+        </p:nvSpPr>
+        <p:spPr/>
+        <p:txBody>
+          <a:bodyPr/>
+          <a:lstStyle/>
+          <a:p>
+            <a:fld id="{C6319467-766E-4BB3-8524-6F46E206E21B}" type="slidenum">
+              <a:rPr lang="en-US" smtClean="0"/>
+              <a:t>19</a:t>
+            </a:fld>
+            <a:endParaRPr lang="en-US"/>
+          </a:p>
+        </p:txBody>
+      </p:sp>
     </p:spTree>
     <p:extLst>
       <p:ext uri="{BB962C8B-B14F-4D97-AF65-F5344CB8AC3E}">
@@ -14296,516 +16004,780 @@
           </a:p>
         </p:txBody>
       </p:sp>
-      <p:sp>
-        <p:nvSpPr>
-          <p:cNvPr id="432134" name="Text Box 6"/>
-          <p:cNvSpPr txBox="1">
-            <a:spLocks noChangeArrowheads="1"/>
-          </p:cNvSpPr>
+      <p:grpSp>
+        <p:nvGrpSpPr>
+          <p:cNvPr id="10" name="Group 9"/>
+          <p:cNvGrpSpPr/>
           <p:nvPr/>
-        </p:nvSpPr>
-        <p:spPr bwMode="auto">
+        </p:nvGrpSpPr>
+        <p:grpSpPr>
           <a:xfrm>
-            <a:off x="2012950" y="3254829"/>
-            <a:ext cx="6505575" cy="2647950"/>
+            <a:off x="488950" y="3325936"/>
+            <a:ext cx="7131050" cy="707886"/>
+            <a:chOff x="488950" y="3325936"/>
+            <a:chExt cx="7131050" cy="707886"/>
           </a:xfrm>
-          <a:prstGeom prst="rect">
-            <a:avLst/>
-          </a:prstGeom>
-          <a:noFill/>
-          <a:ln>
+        </p:grpSpPr>
+        <p:sp>
+          <p:nvSpPr>
+            <p:cNvPr id="432134" name="Text Box 6"/>
+            <p:cNvSpPr txBox="1">
+              <a:spLocks noChangeArrowheads="1"/>
+            </p:cNvSpPr>
+            <p:nvPr/>
+          </p:nvSpPr>
+          <p:spPr bwMode="auto">
+            <a:xfrm>
+              <a:off x="2126188" y="3325936"/>
+              <a:ext cx="5493812" cy="707886"/>
+            </a:xfrm>
+            <a:prstGeom prst="rect">
+              <a:avLst/>
+            </a:prstGeom>
             <a:noFill/>
-          </a:ln>
-          <a:effectLst/>
-          <a:extLst>
-            <a:ext uri="{909E8E84-426E-40DD-AFC4-6F175D3DCCD1}">
-              <a14:hiddenFill xmlns:a14="http://schemas.microsoft.com/office/drawing/2010/main">
-                <a:solidFill>
-                  <a:schemeClr val="accent1"/>
-                </a:solidFill>
-              </a14:hiddenFill>
-            </a:ext>
-            <a:ext uri="{91240B29-F687-4F45-9708-019B960494DF}">
-              <a14:hiddenLine xmlns:a14="http://schemas.microsoft.com/office/drawing/2010/main" w="9525">
-                <a:solidFill>
-                  <a:schemeClr val="tx1"/>
-                </a:solidFill>
-                <a:miter lim="800000"/>
-                <a:headEnd/>
-                <a:tailEnd/>
-              </a14:hiddenLine>
-            </a:ext>
-            <a:ext uri="{AF507438-7753-43E0-B8FC-AC1667EBCBE1}">
-              <a14:hiddenEffects xmlns:a14="http://schemas.microsoft.com/office/drawing/2010/main">
-                <a:effectLst>
-                  <a:outerShdw dist="35921" dir="2700000" algn="ctr" rotWithShape="0">
-                    <a:schemeClr val="bg2"/>
-                  </a:outerShdw>
-                </a:effectLst>
-              </a14:hiddenEffects>
-            </a:ext>
-          </a:extLst>
-        </p:spPr>
-        <p:txBody>
-          <a:bodyPr wrap="none">
-            <a:spAutoFit/>
-          </a:bodyPr>
+            <a:ln>
+              <a:noFill/>
+            </a:ln>
+            <a:effectLst/>
+            <a:extLst>
+              <a:ext uri="{909E8E84-426E-40DD-AFC4-6F175D3DCCD1}">
+                <a14:hiddenFill xmlns:a14="http://schemas.microsoft.com/office/drawing/2010/main">
+                  <a:solidFill>
+                    <a:schemeClr val="accent1"/>
+                  </a:solidFill>
+                </a14:hiddenFill>
+              </a:ext>
+              <a:ext uri="{91240B29-F687-4F45-9708-019B960494DF}">
+                <a14:hiddenLine xmlns:a14="http://schemas.microsoft.com/office/drawing/2010/main" w="9525">
+                  <a:solidFill>
+                    <a:schemeClr val="tx1"/>
+                  </a:solidFill>
+                  <a:miter lim="800000"/>
+                  <a:headEnd/>
+                  <a:tailEnd/>
+                </a14:hiddenLine>
+              </a:ext>
+              <a:ext uri="{AF507438-7753-43E0-B8FC-AC1667EBCBE1}">
+                <a14:hiddenEffects xmlns:a14="http://schemas.microsoft.com/office/drawing/2010/main">
+                  <a:effectLst>
+                    <a:outerShdw dist="35921" dir="2700000" algn="ctr" rotWithShape="0">
+                      <a:schemeClr val="bg2"/>
+                    </a:outerShdw>
+                  </a:effectLst>
+                </a14:hiddenEffects>
+              </a:ext>
+            </a:extLst>
+          </p:spPr>
+          <p:txBody>
+            <a:bodyPr wrap="none">
+              <a:spAutoFit/>
+            </a:bodyPr>
+            <a:lstStyle/>
+            <a:p>
+              <a:pPr algn="l"/>
+              <a:r>
+                <a:rPr lang="en-US" altLang="en-US" sz="2000" i="0" dirty="0">
+                  <a:latin typeface="Arial" panose="020B0604020202020204" pitchFamily="34" charset="0"/>
+                </a:rPr>
+                <a:t>- What are the basic units of meaning (words)?</a:t>
+              </a:r>
+            </a:p>
+            <a:p>
+              <a:pPr algn="l"/>
+              <a:r>
+                <a:rPr lang="en-US" altLang="en-US" sz="2000" i="0" dirty="0">
+                  <a:latin typeface="Arial" panose="020B0604020202020204" pitchFamily="34" charset="0"/>
+                </a:rPr>
+                <a:t>- What is the meaning of each word? </a:t>
+              </a:r>
+            </a:p>
+          </p:txBody>
+        </p:sp>
+        <p:sp>
+          <p:nvSpPr>
+            <p:cNvPr id="432138" name="Text Box 10"/>
+            <p:cNvSpPr txBox="1">
+              <a:spLocks noChangeArrowheads="1"/>
+            </p:cNvSpPr>
+            <p:nvPr/>
+          </p:nvSpPr>
+          <p:spPr bwMode="auto">
+            <a:xfrm>
+              <a:off x="488950" y="3483429"/>
+              <a:ext cx="1638300" cy="396875"/>
+            </a:xfrm>
+            <a:prstGeom prst="rect">
+              <a:avLst/>
+            </a:prstGeom>
+            <a:noFill/>
+            <a:ln>
+              <a:noFill/>
+            </a:ln>
+            <a:effectLst/>
+            <a:extLst>
+              <a:ext uri="{909E8E84-426E-40DD-AFC4-6F175D3DCCD1}">
+                <a14:hiddenFill xmlns:a14="http://schemas.microsoft.com/office/drawing/2010/main">
+                  <a:solidFill>
+                    <a:schemeClr val="accent1"/>
+                  </a:solidFill>
+                </a14:hiddenFill>
+              </a:ext>
+              <a:ext uri="{91240B29-F687-4F45-9708-019B960494DF}">
+                <a14:hiddenLine xmlns:a14="http://schemas.microsoft.com/office/drawing/2010/main" w="9525">
+                  <a:solidFill>
+                    <a:schemeClr val="tx1"/>
+                  </a:solidFill>
+                  <a:miter lim="800000"/>
+                  <a:headEnd/>
+                  <a:tailEnd/>
+                </a14:hiddenLine>
+              </a:ext>
+              <a:ext uri="{AF507438-7753-43E0-B8FC-AC1667EBCBE1}">
+                <a14:hiddenEffects xmlns:a14="http://schemas.microsoft.com/office/drawing/2010/main">
+                  <a:effectLst>
+                    <a:outerShdw dist="35921" dir="2700000" algn="ctr" rotWithShape="0">
+                      <a:schemeClr val="bg2"/>
+                    </a:outerShdw>
+                  </a:effectLst>
+                </a14:hiddenEffects>
+              </a:ext>
+            </a:extLst>
+          </p:spPr>
+          <p:txBody>
+            <a:bodyPr wrap="none">
+              <a:spAutoFit/>
+            </a:bodyPr>
+            <a:lstStyle/>
+            <a:p>
+              <a:r>
+                <a:rPr lang="en-US" altLang="en-US" sz="2000" b="1" i="0" dirty="0">
+                  <a:latin typeface="Arial" panose="020B0604020202020204" pitchFamily="34" charset="0"/>
+                </a:rPr>
+                <a:t>Morphology</a:t>
+              </a:r>
+            </a:p>
+          </p:txBody>
+        </p:sp>
+      </p:grpSp>
+      <p:sp>
+        <p:nvSpPr>
+          <p:cNvPr id="2" name="Date Placeholder 1"/>
+          <p:cNvSpPr>
+            <a:spLocks noGrp="1"/>
+          </p:cNvSpPr>
+          <p:nvPr>
+            <p:ph type="dt" sz="half" idx="10"/>
+          </p:nvPr>
+        </p:nvSpPr>
+        <p:spPr/>
+        <p:txBody>
+          <a:bodyPr/>
           <a:lstStyle/>
           <a:p>
-            <a:pPr algn="l"/>
-            <a:r>
-              <a:rPr lang="en-US" altLang="en-US" sz="2400" i="0">
-                <a:latin typeface="Arial" panose="020B0604020202020204" pitchFamily="34" charset="0"/>
-              </a:rPr>
-              <a:t>- What are the basic units of meaning (words)?</a:t>
-            </a:r>
-          </a:p>
-          <a:p>
-            <a:pPr algn="l"/>
-            <a:r>
-              <a:rPr lang="en-US" altLang="en-US" sz="2400" i="0">
-                <a:latin typeface="Arial" panose="020B0604020202020204" pitchFamily="34" charset="0"/>
-              </a:rPr>
-              <a:t>- What is the meaning of each word? </a:t>
-            </a:r>
-          </a:p>
-          <a:p>
-            <a:pPr algn="l"/>
-            <a:r>
-              <a:rPr lang="en-US" altLang="en-US" sz="2400" i="0">
-                <a:latin typeface="Arial" panose="020B0604020202020204" pitchFamily="34" charset="0"/>
-              </a:rPr>
-              <a:t>- How are words related with each other? </a:t>
-            </a:r>
-          </a:p>
-          <a:p>
-            <a:pPr algn="l"/>
-            <a:r>
-              <a:rPr lang="en-US" altLang="en-US" sz="2400" i="0">
-                <a:latin typeface="Arial" panose="020B0604020202020204" pitchFamily="34" charset="0"/>
-              </a:rPr>
-              <a:t>- What is the “combined meaning” of words? </a:t>
-            </a:r>
-          </a:p>
-          <a:p>
-            <a:pPr algn="l"/>
-            <a:r>
-              <a:rPr lang="en-US" altLang="en-US" sz="2400" i="0">
-                <a:latin typeface="Arial" panose="020B0604020202020204" pitchFamily="34" charset="0"/>
-              </a:rPr>
-              <a:t>- What is the “meta-meaning”? (speech act)</a:t>
-            </a:r>
-          </a:p>
-          <a:p>
-            <a:pPr algn="l"/>
-            <a:r>
-              <a:rPr lang="en-US" altLang="en-US" sz="2400" i="0">
-                <a:latin typeface="Arial" panose="020B0604020202020204" pitchFamily="34" charset="0"/>
-              </a:rPr>
-              <a:t>- Handling a large chunk of text</a:t>
-            </a:r>
-          </a:p>
-          <a:p>
-            <a:pPr algn="l"/>
-            <a:r>
-              <a:rPr lang="en-US" altLang="en-US" sz="2400" i="0">
-                <a:latin typeface="Arial" panose="020B0604020202020204" pitchFamily="34" charset="0"/>
-              </a:rPr>
-              <a:t>- Making sense of everything</a:t>
-            </a:r>
-          </a:p>
-        </p:txBody>
-      </p:sp>
-      <p:sp>
-        <p:nvSpPr>
-          <p:cNvPr id="432135" name="Text Box 7"/>
-          <p:cNvSpPr txBox="1">
-            <a:spLocks noChangeArrowheads="1"/>
-          </p:cNvSpPr>
+            <a:r>
+              <a:rPr lang="en-US" smtClean="0"/>
+              <a:t>CS@Uva</a:t>
+            </a:r>
+            <a:endParaRPr lang="en-US"/>
+          </a:p>
+        </p:txBody>
+      </p:sp>
+      <p:sp>
+        <p:nvSpPr>
+          <p:cNvPr id="3" name="Footer Placeholder 2"/>
+          <p:cNvSpPr>
+            <a:spLocks noGrp="1"/>
+          </p:cNvSpPr>
+          <p:nvPr>
+            <p:ph type="ftr" sz="quarter" idx="11"/>
+          </p:nvPr>
+        </p:nvSpPr>
+        <p:spPr/>
+        <p:txBody>
+          <a:bodyPr/>
+          <a:lstStyle/>
+          <a:p>
+            <a:r>
+              <a:rPr lang="en-US" smtClean="0"/>
+              <a:t>CS6501: Text Mining</a:t>
+            </a:r>
+            <a:endParaRPr lang="en-US"/>
+          </a:p>
+        </p:txBody>
+      </p:sp>
+      <p:sp>
+        <p:nvSpPr>
+          <p:cNvPr id="4" name="Slide Number Placeholder 3"/>
+          <p:cNvSpPr>
+            <a:spLocks noGrp="1"/>
+          </p:cNvSpPr>
+          <p:nvPr>
+            <p:ph type="sldNum" sz="quarter" idx="12"/>
+          </p:nvPr>
+        </p:nvSpPr>
+        <p:spPr/>
+        <p:txBody>
+          <a:bodyPr/>
+          <a:lstStyle/>
+          <a:p>
+            <a:fld id="{C6319467-766E-4BB3-8524-6F46E206E21B}" type="slidenum">
+              <a:rPr lang="en-US" smtClean="0"/>
+              <a:t>2</a:t>
+            </a:fld>
+            <a:endParaRPr lang="en-US"/>
+          </a:p>
+        </p:txBody>
+      </p:sp>
+      <p:grpSp>
+        <p:nvGrpSpPr>
+          <p:cNvPr id="11" name="Group 10"/>
+          <p:cNvGrpSpPr/>
           <p:nvPr/>
-        </p:nvSpPr>
-        <p:spPr bwMode="auto">
+        </p:nvGrpSpPr>
+        <p:grpSpPr>
           <a:xfrm>
-            <a:off x="1022350" y="4000954"/>
-            <a:ext cx="1017588" cy="396875"/>
+            <a:off x="1022350" y="3999529"/>
+            <a:ext cx="6030187" cy="400110"/>
+            <a:chOff x="1022350" y="3999529"/>
+            <a:chExt cx="6030187" cy="400110"/>
           </a:xfrm>
-          <a:prstGeom prst="rect">
-            <a:avLst/>
-          </a:prstGeom>
-          <a:noFill/>
-          <a:ln>
+        </p:grpSpPr>
+        <p:sp>
+          <p:nvSpPr>
+            <p:cNvPr id="432135" name="Text Box 7"/>
+            <p:cNvSpPr txBox="1">
+              <a:spLocks noChangeArrowheads="1"/>
+            </p:cNvSpPr>
+            <p:nvPr/>
+          </p:nvSpPr>
+          <p:spPr bwMode="auto">
+            <a:xfrm>
+              <a:off x="1022350" y="4000954"/>
+              <a:ext cx="1017588" cy="396875"/>
+            </a:xfrm>
+            <a:prstGeom prst="rect">
+              <a:avLst/>
+            </a:prstGeom>
             <a:noFill/>
-          </a:ln>
-          <a:effectLst/>
-          <a:extLst>
-            <a:ext uri="{909E8E84-426E-40DD-AFC4-6F175D3DCCD1}">
-              <a14:hiddenFill xmlns:a14="http://schemas.microsoft.com/office/drawing/2010/main">
-                <a:solidFill>
-                  <a:schemeClr val="accent1"/>
-                </a:solidFill>
-              </a14:hiddenFill>
-            </a:ext>
-            <a:ext uri="{91240B29-F687-4F45-9708-019B960494DF}">
-              <a14:hiddenLine xmlns:a14="http://schemas.microsoft.com/office/drawing/2010/main" w="9525">
-                <a:solidFill>
-                  <a:schemeClr val="tx1"/>
-                </a:solidFill>
-                <a:miter lim="800000"/>
-                <a:headEnd/>
-                <a:tailEnd/>
-              </a14:hiddenLine>
-            </a:ext>
-            <a:ext uri="{AF507438-7753-43E0-B8FC-AC1667EBCBE1}">
-              <a14:hiddenEffects xmlns:a14="http://schemas.microsoft.com/office/drawing/2010/main">
-                <a:effectLst>
-                  <a:outerShdw dist="35921" dir="2700000" algn="ctr" rotWithShape="0">
-                    <a:schemeClr val="bg2"/>
-                  </a:outerShdw>
-                </a:effectLst>
-              </a14:hiddenEffects>
-            </a:ext>
-          </a:extLst>
-        </p:spPr>
-        <p:txBody>
-          <a:bodyPr wrap="none">
-            <a:spAutoFit/>
-          </a:bodyPr>
-          <a:lstStyle/>
-          <a:p>
-            <a:r>
-              <a:rPr lang="en-US" altLang="en-US" sz="2000" b="1" i="0">
-                <a:latin typeface="Arial" panose="020B0604020202020204" pitchFamily="34" charset="0"/>
-              </a:rPr>
-              <a:t>Syntax</a:t>
-            </a:r>
-          </a:p>
-        </p:txBody>
-      </p:sp>
-      <p:sp>
-        <p:nvSpPr>
-          <p:cNvPr id="432136" name="Text Box 8"/>
-          <p:cNvSpPr txBox="1">
-            <a:spLocks noChangeArrowheads="1"/>
-          </p:cNvSpPr>
+            <a:ln>
+              <a:noFill/>
+            </a:ln>
+            <a:effectLst/>
+            <a:extLst>
+              <a:ext uri="{909E8E84-426E-40DD-AFC4-6F175D3DCCD1}">
+                <a14:hiddenFill xmlns:a14="http://schemas.microsoft.com/office/drawing/2010/main">
+                  <a:solidFill>
+                    <a:schemeClr val="accent1"/>
+                  </a:solidFill>
+                </a14:hiddenFill>
+              </a:ext>
+              <a:ext uri="{91240B29-F687-4F45-9708-019B960494DF}">
+                <a14:hiddenLine xmlns:a14="http://schemas.microsoft.com/office/drawing/2010/main" w="9525">
+                  <a:solidFill>
+                    <a:schemeClr val="tx1"/>
+                  </a:solidFill>
+                  <a:miter lim="800000"/>
+                  <a:headEnd/>
+                  <a:tailEnd/>
+                </a14:hiddenLine>
+              </a:ext>
+              <a:ext uri="{AF507438-7753-43E0-B8FC-AC1667EBCBE1}">
+                <a14:hiddenEffects xmlns:a14="http://schemas.microsoft.com/office/drawing/2010/main">
+                  <a:effectLst>
+                    <a:outerShdw dist="35921" dir="2700000" algn="ctr" rotWithShape="0">
+                      <a:schemeClr val="bg2"/>
+                    </a:outerShdw>
+                  </a:effectLst>
+                </a14:hiddenEffects>
+              </a:ext>
+            </a:extLst>
+          </p:spPr>
+          <p:txBody>
+            <a:bodyPr wrap="none">
+              <a:spAutoFit/>
+            </a:bodyPr>
+            <a:lstStyle/>
+            <a:p>
+              <a:r>
+                <a:rPr lang="en-US" altLang="en-US" sz="2000" b="1" i="0" dirty="0">
+                  <a:latin typeface="Arial" panose="020B0604020202020204" pitchFamily="34" charset="0"/>
+                </a:rPr>
+                <a:t>Syntax</a:t>
+              </a:r>
+            </a:p>
+          </p:txBody>
+        </p:sp>
+        <p:sp>
+          <p:nvSpPr>
+            <p:cNvPr id="5" name="Rectangle 4"/>
+            <p:cNvSpPr/>
+            <p:nvPr/>
+          </p:nvSpPr>
+          <p:spPr>
+            <a:xfrm>
+              <a:off x="2126188" y="3999529"/>
+              <a:ext cx="4926349" cy="400110"/>
+            </a:xfrm>
+            <a:prstGeom prst="rect">
+              <a:avLst/>
+            </a:prstGeom>
+          </p:spPr>
+          <p:txBody>
+            <a:bodyPr wrap="none">
+              <a:spAutoFit/>
+            </a:bodyPr>
+            <a:lstStyle/>
+            <a:p>
+              <a:r>
+                <a:rPr lang="en-US" altLang="en-US" sz="2000" dirty="0">
+                  <a:latin typeface="Arial" panose="020B0604020202020204" pitchFamily="34" charset="0"/>
+                </a:rPr>
+                <a:t>- How are words related with each other? </a:t>
+              </a:r>
+            </a:p>
+          </p:txBody>
+        </p:sp>
+      </p:grpSp>
+      <p:grpSp>
+        <p:nvGrpSpPr>
+          <p:cNvPr id="12" name="Group 11"/>
+          <p:cNvGrpSpPr/>
           <p:nvPr/>
-        </p:nvSpPr>
-        <p:spPr bwMode="auto">
+        </p:nvGrpSpPr>
+        <p:grpSpPr>
           <a:xfrm>
-            <a:off x="558800" y="4381954"/>
-            <a:ext cx="1454150" cy="396875"/>
+            <a:off x="558800" y="4376541"/>
+            <a:ext cx="7563909" cy="402288"/>
+            <a:chOff x="558800" y="4376541"/>
+            <a:chExt cx="7563909" cy="402288"/>
           </a:xfrm>
-          <a:prstGeom prst="rect">
-            <a:avLst/>
-          </a:prstGeom>
-          <a:noFill/>
-          <a:ln>
+        </p:grpSpPr>
+        <p:sp>
+          <p:nvSpPr>
+            <p:cNvPr id="432136" name="Text Box 8"/>
+            <p:cNvSpPr txBox="1">
+              <a:spLocks noChangeArrowheads="1"/>
+            </p:cNvSpPr>
+            <p:nvPr/>
+          </p:nvSpPr>
+          <p:spPr bwMode="auto">
+            <a:xfrm>
+              <a:off x="558800" y="4381954"/>
+              <a:ext cx="1454150" cy="396875"/>
+            </a:xfrm>
+            <a:prstGeom prst="rect">
+              <a:avLst/>
+            </a:prstGeom>
             <a:noFill/>
-          </a:ln>
-          <a:effectLst/>
-          <a:extLst>
-            <a:ext uri="{909E8E84-426E-40DD-AFC4-6F175D3DCCD1}">
-              <a14:hiddenFill xmlns:a14="http://schemas.microsoft.com/office/drawing/2010/main">
-                <a:solidFill>
-                  <a:schemeClr val="accent1"/>
-                </a:solidFill>
-              </a14:hiddenFill>
-            </a:ext>
-            <a:ext uri="{91240B29-F687-4F45-9708-019B960494DF}">
-              <a14:hiddenLine xmlns:a14="http://schemas.microsoft.com/office/drawing/2010/main" w="9525">
-                <a:solidFill>
-                  <a:schemeClr val="tx1"/>
-                </a:solidFill>
-                <a:miter lim="800000"/>
-                <a:headEnd/>
-                <a:tailEnd/>
-              </a14:hiddenLine>
-            </a:ext>
-            <a:ext uri="{AF507438-7753-43E0-B8FC-AC1667EBCBE1}">
-              <a14:hiddenEffects xmlns:a14="http://schemas.microsoft.com/office/drawing/2010/main">
-                <a:effectLst>
-                  <a:outerShdw dist="35921" dir="2700000" algn="ctr" rotWithShape="0">
-                    <a:schemeClr val="bg2"/>
-                  </a:outerShdw>
-                </a:effectLst>
-              </a14:hiddenEffects>
-            </a:ext>
-          </a:extLst>
-        </p:spPr>
-        <p:txBody>
-          <a:bodyPr wrap="none">
-            <a:spAutoFit/>
-          </a:bodyPr>
-          <a:lstStyle/>
-          <a:p>
-            <a:r>
-              <a:rPr lang="en-US" altLang="en-US" sz="2000" b="1" i="0">
-                <a:latin typeface="Arial" panose="020B0604020202020204" pitchFamily="34" charset="0"/>
-              </a:rPr>
-              <a:t>Semantics</a:t>
-            </a:r>
-          </a:p>
-        </p:txBody>
-      </p:sp>
-      <p:sp>
-        <p:nvSpPr>
-          <p:cNvPr id="432137" name="Text Box 9"/>
-          <p:cNvSpPr txBox="1">
-            <a:spLocks noChangeArrowheads="1"/>
-          </p:cNvSpPr>
+            <a:ln>
+              <a:noFill/>
+            </a:ln>
+            <a:effectLst/>
+            <a:extLst>
+              <a:ext uri="{909E8E84-426E-40DD-AFC4-6F175D3DCCD1}">
+                <a14:hiddenFill xmlns:a14="http://schemas.microsoft.com/office/drawing/2010/main">
+                  <a:solidFill>
+                    <a:schemeClr val="accent1"/>
+                  </a:solidFill>
+                </a14:hiddenFill>
+              </a:ext>
+              <a:ext uri="{91240B29-F687-4F45-9708-019B960494DF}">
+                <a14:hiddenLine xmlns:a14="http://schemas.microsoft.com/office/drawing/2010/main" w="9525">
+                  <a:solidFill>
+                    <a:schemeClr val="tx1"/>
+                  </a:solidFill>
+                  <a:miter lim="800000"/>
+                  <a:headEnd/>
+                  <a:tailEnd/>
+                </a14:hiddenLine>
+              </a:ext>
+              <a:ext uri="{AF507438-7753-43E0-B8FC-AC1667EBCBE1}">
+                <a14:hiddenEffects xmlns:a14="http://schemas.microsoft.com/office/drawing/2010/main">
+                  <a:effectLst>
+                    <a:outerShdw dist="35921" dir="2700000" algn="ctr" rotWithShape="0">
+                      <a:schemeClr val="bg2"/>
+                    </a:outerShdw>
+                  </a:effectLst>
+                </a14:hiddenEffects>
+              </a:ext>
+            </a:extLst>
+          </p:spPr>
+          <p:txBody>
+            <a:bodyPr wrap="none">
+              <a:spAutoFit/>
+            </a:bodyPr>
+            <a:lstStyle/>
+            <a:p>
+              <a:r>
+                <a:rPr lang="en-US" altLang="en-US" sz="2000" b="1" i="0" dirty="0">
+                  <a:latin typeface="Arial" panose="020B0604020202020204" pitchFamily="34" charset="0"/>
+                </a:rPr>
+                <a:t>Semantics</a:t>
+              </a:r>
+            </a:p>
+          </p:txBody>
+        </p:sp>
+        <p:sp>
+          <p:nvSpPr>
+            <p:cNvPr id="6" name="Rectangle 5"/>
+            <p:cNvSpPr/>
+            <p:nvPr/>
+          </p:nvSpPr>
+          <p:spPr>
+            <a:xfrm>
+              <a:off x="2119842" y="4376541"/>
+              <a:ext cx="6002867" cy="400110"/>
+            </a:xfrm>
+            <a:prstGeom prst="rect">
+              <a:avLst/>
+            </a:prstGeom>
+          </p:spPr>
+          <p:txBody>
+            <a:bodyPr wrap="square">
+              <a:spAutoFit/>
+            </a:bodyPr>
+            <a:lstStyle/>
+            <a:p>
+              <a:r>
+                <a:rPr lang="en-US" altLang="en-US" sz="2000" dirty="0">
+                  <a:latin typeface="Arial" panose="020B0604020202020204" pitchFamily="34" charset="0"/>
+                </a:rPr>
+                <a:t>- What is the “combined meaning” of words? </a:t>
+              </a:r>
+            </a:p>
+          </p:txBody>
+        </p:sp>
+      </p:grpSp>
+      <p:grpSp>
+        <p:nvGrpSpPr>
+          <p:cNvPr id="13" name="Group 12"/>
+          <p:cNvGrpSpPr/>
           <p:nvPr/>
-        </p:nvSpPr>
-        <p:spPr bwMode="auto">
+        </p:nvGrpSpPr>
+        <p:grpSpPr>
           <a:xfrm>
             <a:off x="460375" y="4762954"/>
-            <a:ext cx="1552575" cy="396875"/>
+            <a:ext cx="6940021" cy="408612"/>
+            <a:chOff x="460375" y="4762954"/>
+            <a:chExt cx="6940021" cy="408612"/>
           </a:xfrm>
-          <a:prstGeom prst="rect">
-            <a:avLst/>
-          </a:prstGeom>
-          <a:noFill/>
-          <a:ln>
+        </p:grpSpPr>
+        <p:sp>
+          <p:nvSpPr>
+            <p:cNvPr id="432137" name="Text Box 9"/>
+            <p:cNvSpPr txBox="1">
+              <a:spLocks noChangeArrowheads="1"/>
+            </p:cNvSpPr>
+            <p:nvPr/>
+          </p:nvSpPr>
+          <p:spPr bwMode="auto">
+            <a:xfrm>
+              <a:off x="460375" y="4762954"/>
+              <a:ext cx="1552575" cy="396875"/>
+            </a:xfrm>
+            <a:prstGeom prst="rect">
+              <a:avLst/>
+            </a:prstGeom>
             <a:noFill/>
-          </a:ln>
-          <a:effectLst/>
-          <a:extLst>
-            <a:ext uri="{909E8E84-426E-40DD-AFC4-6F175D3DCCD1}">
-              <a14:hiddenFill xmlns:a14="http://schemas.microsoft.com/office/drawing/2010/main">
-                <a:solidFill>
-                  <a:schemeClr val="accent1"/>
-                </a:solidFill>
-              </a14:hiddenFill>
-            </a:ext>
-            <a:ext uri="{91240B29-F687-4F45-9708-019B960494DF}">
-              <a14:hiddenLine xmlns:a14="http://schemas.microsoft.com/office/drawing/2010/main" w="9525">
-                <a:solidFill>
-                  <a:schemeClr val="tx1"/>
-                </a:solidFill>
-                <a:miter lim="800000"/>
-                <a:headEnd/>
-                <a:tailEnd/>
-              </a14:hiddenLine>
-            </a:ext>
-            <a:ext uri="{AF507438-7753-43E0-B8FC-AC1667EBCBE1}">
-              <a14:hiddenEffects xmlns:a14="http://schemas.microsoft.com/office/drawing/2010/main">
-                <a:effectLst>
-                  <a:outerShdw dist="35921" dir="2700000" algn="ctr" rotWithShape="0">
-                    <a:schemeClr val="bg2"/>
-                  </a:outerShdw>
-                </a:effectLst>
-              </a14:hiddenEffects>
-            </a:ext>
-          </a:extLst>
-        </p:spPr>
-        <p:txBody>
-          <a:bodyPr wrap="none">
-            <a:spAutoFit/>
-          </a:bodyPr>
-          <a:lstStyle/>
-          <a:p>
-            <a:r>
-              <a:rPr lang="en-US" altLang="en-US" sz="2000" b="1" i="0">
-                <a:latin typeface="Arial" panose="020B0604020202020204" pitchFamily="34" charset="0"/>
-              </a:rPr>
-              <a:t>Pragmatics</a:t>
-            </a:r>
-          </a:p>
-        </p:txBody>
-      </p:sp>
-      <p:sp>
-        <p:nvSpPr>
-          <p:cNvPr id="432138" name="Text Box 10"/>
-          <p:cNvSpPr txBox="1">
-            <a:spLocks noChangeArrowheads="1"/>
-          </p:cNvSpPr>
+            <a:ln>
+              <a:noFill/>
+            </a:ln>
+            <a:effectLst/>
+            <a:extLst>
+              <a:ext uri="{909E8E84-426E-40DD-AFC4-6F175D3DCCD1}">
+                <a14:hiddenFill xmlns:a14="http://schemas.microsoft.com/office/drawing/2010/main">
+                  <a:solidFill>
+                    <a:schemeClr val="accent1"/>
+                  </a:solidFill>
+                </a14:hiddenFill>
+              </a:ext>
+              <a:ext uri="{91240B29-F687-4F45-9708-019B960494DF}">
+                <a14:hiddenLine xmlns:a14="http://schemas.microsoft.com/office/drawing/2010/main" w="9525">
+                  <a:solidFill>
+                    <a:schemeClr val="tx1"/>
+                  </a:solidFill>
+                  <a:miter lim="800000"/>
+                  <a:headEnd/>
+                  <a:tailEnd/>
+                </a14:hiddenLine>
+              </a:ext>
+              <a:ext uri="{AF507438-7753-43E0-B8FC-AC1667EBCBE1}">
+                <a14:hiddenEffects xmlns:a14="http://schemas.microsoft.com/office/drawing/2010/main">
+                  <a:effectLst>
+                    <a:outerShdw dist="35921" dir="2700000" algn="ctr" rotWithShape="0">
+                      <a:schemeClr val="bg2"/>
+                    </a:outerShdw>
+                  </a:effectLst>
+                </a14:hiddenEffects>
+              </a:ext>
+            </a:extLst>
+          </p:spPr>
+          <p:txBody>
+            <a:bodyPr wrap="none">
+              <a:spAutoFit/>
+            </a:bodyPr>
+            <a:lstStyle/>
+            <a:p>
+              <a:r>
+                <a:rPr lang="en-US" altLang="en-US" sz="2000" b="1" i="0" dirty="0">
+                  <a:latin typeface="Arial" panose="020B0604020202020204" pitchFamily="34" charset="0"/>
+                </a:rPr>
+                <a:t>Pragmatics</a:t>
+              </a:r>
+            </a:p>
+          </p:txBody>
+        </p:sp>
+        <p:sp>
+          <p:nvSpPr>
+            <p:cNvPr id="7" name="Rectangle 6"/>
+            <p:cNvSpPr/>
+            <p:nvPr/>
+          </p:nvSpPr>
+          <p:spPr>
+            <a:xfrm>
+              <a:off x="2109523" y="4771456"/>
+              <a:ext cx="5290873" cy="400110"/>
+            </a:xfrm>
+            <a:prstGeom prst="rect">
+              <a:avLst/>
+            </a:prstGeom>
+          </p:spPr>
+          <p:txBody>
+            <a:bodyPr wrap="square">
+              <a:spAutoFit/>
+            </a:bodyPr>
+            <a:lstStyle/>
+            <a:p>
+              <a:r>
+                <a:rPr lang="en-US" altLang="en-US" sz="2000" dirty="0">
+                  <a:latin typeface="Arial" panose="020B0604020202020204" pitchFamily="34" charset="0"/>
+                </a:rPr>
+                <a:t>- What is the “meta-meaning”? (speech act)</a:t>
+              </a:r>
+            </a:p>
+          </p:txBody>
+        </p:sp>
+      </p:grpSp>
+      <p:grpSp>
+        <p:nvGrpSpPr>
+          <p:cNvPr id="14" name="Group 13"/>
+          <p:cNvGrpSpPr/>
           <p:nvPr/>
-        </p:nvSpPr>
-        <p:spPr bwMode="auto">
+        </p:nvGrpSpPr>
+        <p:grpSpPr>
           <a:xfrm>
-            <a:off x="488950" y="3483429"/>
-            <a:ext cx="1638300" cy="396875"/>
+            <a:off x="600075" y="5132543"/>
+            <a:ext cx="5239956" cy="408286"/>
+            <a:chOff x="600075" y="5132543"/>
+            <a:chExt cx="5239956" cy="408286"/>
           </a:xfrm>
-          <a:prstGeom prst="rect">
-            <a:avLst/>
-          </a:prstGeom>
-          <a:noFill/>
-          <a:ln>
+        </p:grpSpPr>
+        <p:sp>
+          <p:nvSpPr>
+            <p:cNvPr id="432139" name="Text Box 11"/>
+            <p:cNvSpPr txBox="1">
+              <a:spLocks noChangeArrowheads="1"/>
+            </p:cNvSpPr>
+            <p:nvPr/>
+          </p:nvSpPr>
+          <p:spPr bwMode="auto">
+            <a:xfrm>
+              <a:off x="600075" y="5143954"/>
+              <a:ext cx="1412875" cy="396875"/>
+            </a:xfrm>
+            <a:prstGeom prst="rect">
+              <a:avLst/>
+            </a:prstGeom>
             <a:noFill/>
-          </a:ln>
-          <a:effectLst/>
-          <a:extLst>
-            <a:ext uri="{909E8E84-426E-40DD-AFC4-6F175D3DCCD1}">
-              <a14:hiddenFill xmlns:a14="http://schemas.microsoft.com/office/drawing/2010/main">
-                <a:solidFill>
-                  <a:schemeClr val="accent1"/>
-                </a:solidFill>
-              </a14:hiddenFill>
-            </a:ext>
-            <a:ext uri="{91240B29-F687-4F45-9708-019B960494DF}">
-              <a14:hiddenLine xmlns:a14="http://schemas.microsoft.com/office/drawing/2010/main" w="9525">
-                <a:solidFill>
-                  <a:schemeClr val="tx1"/>
-                </a:solidFill>
-                <a:miter lim="800000"/>
-                <a:headEnd/>
-                <a:tailEnd/>
-              </a14:hiddenLine>
-            </a:ext>
-            <a:ext uri="{AF507438-7753-43E0-B8FC-AC1667EBCBE1}">
-              <a14:hiddenEffects xmlns:a14="http://schemas.microsoft.com/office/drawing/2010/main">
-                <a:effectLst>
-                  <a:outerShdw dist="35921" dir="2700000" algn="ctr" rotWithShape="0">
-                    <a:schemeClr val="bg2"/>
-                  </a:outerShdw>
-                </a:effectLst>
-              </a14:hiddenEffects>
-            </a:ext>
-          </a:extLst>
-        </p:spPr>
-        <p:txBody>
-          <a:bodyPr wrap="none">
-            <a:spAutoFit/>
-          </a:bodyPr>
-          <a:lstStyle/>
-          <a:p>
-            <a:r>
-              <a:rPr lang="en-US" altLang="en-US" sz="2000" b="1" i="0">
-                <a:latin typeface="Arial" panose="020B0604020202020204" pitchFamily="34" charset="0"/>
-              </a:rPr>
-              <a:t>Morphology</a:t>
-            </a:r>
-          </a:p>
-        </p:txBody>
-      </p:sp>
-      <p:sp>
-        <p:nvSpPr>
-          <p:cNvPr id="432139" name="Text Box 11"/>
-          <p:cNvSpPr txBox="1">
-            <a:spLocks noChangeArrowheads="1"/>
-          </p:cNvSpPr>
+            <a:ln>
+              <a:noFill/>
+            </a:ln>
+            <a:effectLst/>
+            <a:extLst>
+              <a:ext uri="{909E8E84-426E-40DD-AFC4-6F175D3DCCD1}">
+                <a14:hiddenFill xmlns:a14="http://schemas.microsoft.com/office/drawing/2010/main">
+                  <a:solidFill>
+                    <a:schemeClr val="accent1"/>
+                  </a:solidFill>
+                </a14:hiddenFill>
+              </a:ext>
+              <a:ext uri="{91240B29-F687-4F45-9708-019B960494DF}">
+                <a14:hiddenLine xmlns:a14="http://schemas.microsoft.com/office/drawing/2010/main" w="9525">
+                  <a:solidFill>
+                    <a:schemeClr val="tx1"/>
+                  </a:solidFill>
+                  <a:miter lim="800000"/>
+                  <a:headEnd/>
+                  <a:tailEnd/>
+                </a14:hiddenLine>
+              </a:ext>
+              <a:ext uri="{AF507438-7753-43E0-B8FC-AC1667EBCBE1}">
+                <a14:hiddenEffects xmlns:a14="http://schemas.microsoft.com/office/drawing/2010/main">
+                  <a:effectLst>
+                    <a:outerShdw dist="35921" dir="2700000" algn="ctr" rotWithShape="0">
+                      <a:schemeClr val="bg2"/>
+                    </a:outerShdw>
+                  </a:effectLst>
+                </a14:hiddenEffects>
+              </a:ext>
+            </a:extLst>
+          </p:spPr>
+          <p:txBody>
+            <a:bodyPr wrap="none">
+              <a:spAutoFit/>
+            </a:bodyPr>
+            <a:lstStyle/>
+            <a:p>
+              <a:r>
+                <a:rPr lang="en-US" altLang="en-US" sz="2000" b="1" i="0" dirty="0">
+                  <a:latin typeface="Arial" panose="020B0604020202020204" pitchFamily="34" charset="0"/>
+                </a:rPr>
+                <a:t>Discourse</a:t>
+              </a:r>
+            </a:p>
+          </p:txBody>
+        </p:sp>
+        <p:sp>
+          <p:nvSpPr>
+            <p:cNvPr id="8" name="Rectangle 7"/>
+            <p:cNvSpPr/>
+            <p:nvPr/>
+          </p:nvSpPr>
+          <p:spPr>
+            <a:xfrm>
+              <a:off x="2109523" y="5132543"/>
+              <a:ext cx="3730508" cy="400110"/>
+            </a:xfrm>
+            <a:prstGeom prst="rect">
+              <a:avLst/>
+            </a:prstGeom>
+          </p:spPr>
+          <p:txBody>
+            <a:bodyPr wrap="none">
+              <a:spAutoFit/>
+            </a:bodyPr>
+            <a:lstStyle/>
+            <a:p>
+              <a:r>
+                <a:rPr lang="en-US" altLang="en-US" sz="2000" dirty="0">
+                  <a:latin typeface="Arial" panose="020B0604020202020204" pitchFamily="34" charset="0"/>
+                </a:rPr>
+                <a:t>- Handling a large chunk of text</a:t>
+              </a:r>
+            </a:p>
+          </p:txBody>
+        </p:sp>
+      </p:grpSp>
+      <p:grpSp>
+        <p:nvGrpSpPr>
+          <p:cNvPr id="15" name="Group 14"/>
+          <p:cNvGrpSpPr/>
           <p:nvPr/>
-        </p:nvSpPr>
-        <p:spPr bwMode="auto">
+        </p:nvGrpSpPr>
+        <p:grpSpPr>
           <a:xfrm>
-            <a:off x="600075" y="5143954"/>
-            <a:ext cx="1412875" cy="396875"/>
+            <a:off x="717550" y="5481563"/>
+            <a:ext cx="4838661" cy="404976"/>
+            <a:chOff x="717550" y="5464629"/>
+            <a:chExt cx="4838661" cy="404976"/>
           </a:xfrm>
-          <a:prstGeom prst="rect">
-            <a:avLst/>
-          </a:prstGeom>
-          <a:noFill/>
-          <a:ln>
+        </p:grpSpPr>
+        <p:sp>
+          <p:nvSpPr>
+            <p:cNvPr id="432140" name="Text Box 12"/>
+            <p:cNvSpPr txBox="1">
+              <a:spLocks noChangeArrowheads="1"/>
+            </p:cNvSpPr>
+            <p:nvPr/>
+          </p:nvSpPr>
+          <p:spPr bwMode="auto">
+            <a:xfrm>
+              <a:off x="717550" y="5464629"/>
+              <a:ext cx="1312863" cy="396875"/>
+            </a:xfrm>
+            <a:prstGeom prst="rect">
+              <a:avLst/>
+            </a:prstGeom>
             <a:noFill/>
-          </a:ln>
-          <a:effectLst/>
-          <a:extLst>
-            <a:ext uri="{909E8E84-426E-40DD-AFC4-6F175D3DCCD1}">
-              <a14:hiddenFill xmlns:a14="http://schemas.microsoft.com/office/drawing/2010/main">
-                <a:solidFill>
-                  <a:schemeClr val="accent1"/>
-                </a:solidFill>
-              </a14:hiddenFill>
-            </a:ext>
-            <a:ext uri="{91240B29-F687-4F45-9708-019B960494DF}">
-              <a14:hiddenLine xmlns:a14="http://schemas.microsoft.com/office/drawing/2010/main" w="9525">
-                <a:solidFill>
-                  <a:schemeClr val="tx1"/>
-                </a:solidFill>
-                <a:miter lim="800000"/>
-                <a:headEnd/>
-                <a:tailEnd/>
-              </a14:hiddenLine>
-            </a:ext>
-            <a:ext uri="{AF507438-7753-43E0-B8FC-AC1667EBCBE1}">
-              <a14:hiddenEffects xmlns:a14="http://schemas.microsoft.com/office/drawing/2010/main">
-                <a:effectLst>
-                  <a:outerShdw dist="35921" dir="2700000" algn="ctr" rotWithShape="0">
-                    <a:schemeClr val="bg2"/>
-                  </a:outerShdw>
-                </a:effectLst>
-              </a14:hiddenEffects>
-            </a:ext>
-          </a:extLst>
-        </p:spPr>
-        <p:txBody>
-          <a:bodyPr wrap="none">
-            <a:spAutoFit/>
-          </a:bodyPr>
-          <a:lstStyle/>
-          <a:p>
-            <a:r>
-              <a:rPr lang="en-US" altLang="en-US" sz="2000" b="1" i="0">
-                <a:latin typeface="Arial" panose="020B0604020202020204" pitchFamily="34" charset="0"/>
-              </a:rPr>
-              <a:t>Discourse</a:t>
-            </a:r>
-          </a:p>
-        </p:txBody>
-      </p:sp>
-      <p:sp>
-        <p:nvSpPr>
-          <p:cNvPr id="432140" name="Text Box 12"/>
-          <p:cNvSpPr txBox="1">
-            <a:spLocks noChangeArrowheads="1"/>
-          </p:cNvSpPr>
-          <p:nvPr/>
-        </p:nvSpPr>
-        <p:spPr bwMode="auto">
-          <a:xfrm>
-            <a:off x="717550" y="5464629"/>
-            <a:ext cx="1312863" cy="396875"/>
-          </a:xfrm>
-          <a:prstGeom prst="rect">
-            <a:avLst/>
-          </a:prstGeom>
-          <a:noFill/>
-          <a:ln>
-            <a:noFill/>
-          </a:ln>
-          <a:effectLst/>
-          <a:extLst>
-            <a:ext uri="{909E8E84-426E-40DD-AFC4-6F175D3DCCD1}">
-              <a14:hiddenFill xmlns:a14="http://schemas.microsoft.com/office/drawing/2010/main">
-                <a:solidFill>
-                  <a:schemeClr val="accent1"/>
-                </a:solidFill>
-              </a14:hiddenFill>
-            </a:ext>
-            <a:ext uri="{91240B29-F687-4F45-9708-019B960494DF}">
-              <a14:hiddenLine xmlns:a14="http://schemas.microsoft.com/office/drawing/2010/main" w="9525">
-                <a:solidFill>
-                  <a:schemeClr val="tx1"/>
-                </a:solidFill>
-                <a:miter lim="800000"/>
-                <a:headEnd/>
-                <a:tailEnd/>
-              </a14:hiddenLine>
-            </a:ext>
-            <a:ext uri="{AF507438-7753-43E0-B8FC-AC1667EBCBE1}">
-              <a14:hiddenEffects xmlns:a14="http://schemas.microsoft.com/office/drawing/2010/main">
-                <a:effectLst>
-                  <a:outerShdw dist="35921" dir="2700000" algn="ctr" rotWithShape="0">
-                    <a:schemeClr val="bg2"/>
-                  </a:outerShdw>
-                </a:effectLst>
-              </a14:hiddenEffects>
-            </a:ext>
-          </a:extLst>
-        </p:spPr>
-        <p:txBody>
-          <a:bodyPr wrap="none">
-            <a:spAutoFit/>
-          </a:bodyPr>
-          <a:lstStyle/>
-          <a:p>
-            <a:r>
-              <a:rPr lang="en-US" altLang="en-US" sz="2000" b="1" i="0">
-                <a:latin typeface="Arial" panose="020B0604020202020204" pitchFamily="34" charset="0"/>
-              </a:rPr>
-              <a:t>Inference</a:t>
-            </a:r>
-          </a:p>
-        </p:txBody>
-      </p:sp>
+            <a:ln>
+              <a:noFill/>
+            </a:ln>
+            <a:effectLst/>
+            <a:extLst>
+              <a:ext uri="{909E8E84-426E-40DD-AFC4-6F175D3DCCD1}">
+                <a14:hiddenFill xmlns:a14="http://schemas.microsoft.com/office/drawing/2010/main">
+                  <a:solidFill>
+                    <a:schemeClr val="accent1"/>
+                  </a:solidFill>
+                </a14:hiddenFill>
+              </a:ext>
+              <a:ext uri="{91240B29-F687-4F45-9708-019B960494DF}">
+                <a14:hiddenLine xmlns:a14="http://schemas.microsoft.com/office/drawing/2010/main" w="9525">
+                  <a:solidFill>
+                    <a:schemeClr val="tx1"/>
+                  </a:solidFill>
+                  <a:miter lim="800000"/>
+                  <a:headEnd/>
+                  <a:tailEnd/>
+                </a14:hiddenLine>
+              </a:ext>
+              <a:ext uri="{AF507438-7753-43E0-B8FC-AC1667EBCBE1}">
+                <a14:hiddenEffects xmlns:a14="http://schemas.microsoft.com/office/drawing/2010/main">
+                  <a:effectLst>
+                    <a:outerShdw dist="35921" dir="2700000" algn="ctr" rotWithShape="0">
+                      <a:schemeClr val="bg2"/>
+                    </a:outerShdw>
+                  </a:effectLst>
+                </a14:hiddenEffects>
+              </a:ext>
+            </a:extLst>
+          </p:spPr>
+          <p:txBody>
+            <a:bodyPr wrap="none">
+              <a:spAutoFit/>
+            </a:bodyPr>
+            <a:lstStyle/>
+            <a:p>
+              <a:r>
+                <a:rPr lang="en-US" altLang="en-US" sz="2000" b="1" i="0" dirty="0">
+                  <a:latin typeface="Arial" panose="020B0604020202020204" pitchFamily="34" charset="0"/>
+                </a:rPr>
+                <a:t>Inference</a:t>
+              </a:r>
+            </a:p>
+          </p:txBody>
+        </p:sp>
+        <p:sp>
+          <p:nvSpPr>
+            <p:cNvPr id="9" name="Rectangle 8"/>
+            <p:cNvSpPr/>
+            <p:nvPr/>
+          </p:nvSpPr>
+          <p:spPr>
+            <a:xfrm>
+              <a:off x="2096610" y="5469495"/>
+              <a:ext cx="3459601" cy="400110"/>
+            </a:xfrm>
+            <a:prstGeom prst="rect">
+              <a:avLst/>
+            </a:prstGeom>
+          </p:spPr>
+          <p:txBody>
+            <a:bodyPr wrap="none">
+              <a:spAutoFit/>
+            </a:bodyPr>
+            <a:lstStyle/>
+            <a:p>
+              <a:r>
+                <a:rPr lang="en-US" altLang="en-US" sz="2000" dirty="0">
+                  <a:latin typeface="Arial" panose="020B0604020202020204" pitchFamily="34" charset="0"/>
+                </a:rPr>
+                <a:t>- Making sense of everything</a:t>
+              </a:r>
+            </a:p>
+          </p:txBody>
+        </p:sp>
+      </p:grpSp>
     </p:spTree>
     <p:extLst>
       <p:ext uri="{BB962C8B-B14F-4D97-AF65-F5344CB8AC3E}">
@@ -14819,7 +16791,300 @@
   <p:timing>
     <p:tnLst>
       <p:par>
-        <p:cTn id="1" dur="indefinite" restart="never" nodeType="tmRoot"/>
+        <p:cTn id="1" dur="indefinite" restart="never" nodeType="tmRoot">
+          <p:childTnLst>
+            <p:seq concurrent="1" nextAc="seek">
+              <p:cTn id="2" dur="indefinite" nodeType="mainSeq">
+                <p:childTnLst>
+                  <p:par>
+                    <p:cTn id="3" fill="hold">
+                      <p:stCondLst>
+                        <p:cond delay="indefinite"/>
+                      </p:stCondLst>
+                      <p:childTnLst>
+                        <p:par>
+                          <p:cTn id="4" fill="hold">
+                            <p:stCondLst>
+                              <p:cond delay="0"/>
+                            </p:stCondLst>
+                            <p:childTnLst>
+                              <p:par>
+                                <p:cTn id="5" presetID="1" presetClass="entr" presetSubtype="0" fill="hold" nodeType="clickEffect">
+                                  <p:stCondLst>
+                                    <p:cond delay="0"/>
+                                  </p:stCondLst>
+                                  <p:childTnLst>
+                                    <p:set>
+                                      <p:cBhvr>
+                                        <p:cTn id="6" dur="1" fill="hold">
+                                          <p:stCondLst>
+                                            <p:cond delay="0"/>
+                                          </p:stCondLst>
+                                        </p:cTn>
+                                        <p:tgtEl>
+                                          <p:spTgt spid="10"/>
+                                        </p:tgtEl>
+                                        <p:attrNameLst>
+                                          <p:attrName>style.visibility</p:attrName>
+                                        </p:attrNameLst>
+                                      </p:cBhvr>
+                                      <p:to>
+                                        <p:strVal val="visible"/>
+                                      </p:to>
+                                    </p:set>
+                                  </p:childTnLst>
+                                </p:cTn>
+                              </p:par>
+                            </p:childTnLst>
+                          </p:cTn>
+                        </p:par>
+                      </p:childTnLst>
+                    </p:cTn>
+                  </p:par>
+                  <p:par>
+                    <p:cTn id="7" fill="hold">
+                      <p:stCondLst>
+                        <p:cond delay="indefinite"/>
+                      </p:stCondLst>
+                      <p:childTnLst>
+                        <p:par>
+                          <p:cTn id="8" fill="hold">
+                            <p:stCondLst>
+                              <p:cond delay="0"/>
+                            </p:stCondLst>
+                            <p:childTnLst>
+                              <p:par>
+                                <p:cTn id="9" presetID="1" presetClass="entr" presetSubtype="0" fill="hold" nodeType="clickEffect">
+                                  <p:stCondLst>
+                                    <p:cond delay="0"/>
+                                  </p:stCondLst>
+                                  <p:childTnLst>
+                                    <p:set>
+                                      <p:cBhvr>
+                                        <p:cTn id="10" dur="1" fill="hold">
+                                          <p:stCondLst>
+                                            <p:cond delay="0"/>
+                                          </p:stCondLst>
+                                        </p:cTn>
+                                        <p:tgtEl>
+                                          <p:spTgt spid="11"/>
+                                        </p:tgtEl>
+                                        <p:attrNameLst>
+                                          <p:attrName>style.visibility</p:attrName>
+                                        </p:attrNameLst>
+                                      </p:cBhvr>
+                                      <p:to>
+                                        <p:strVal val="visible"/>
+                                      </p:to>
+                                    </p:set>
+                                  </p:childTnLst>
+                                </p:cTn>
+                              </p:par>
+                            </p:childTnLst>
+                          </p:cTn>
+                        </p:par>
+                      </p:childTnLst>
+                    </p:cTn>
+                  </p:par>
+                  <p:par>
+                    <p:cTn id="11" fill="hold">
+                      <p:stCondLst>
+                        <p:cond delay="indefinite"/>
+                      </p:stCondLst>
+                      <p:childTnLst>
+                        <p:par>
+                          <p:cTn id="12" fill="hold">
+                            <p:stCondLst>
+                              <p:cond delay="0"/>
+                            </p:stCondLst>
+                            <p:childTnLst>
+                              <p:par>
+                                <p:cTn id="13" presetID="1" presetClass="entr" presetSubtype="0" fill="hold" nodeType="clickEffect">
+                                  <p:stCondLst>
+                                    <p:cond delay="0"/>
+                                  </p:stCondLst>
+                                  <p:childTnLst>
+                                    <p:set>
+                                      <p:cBhvr>
+                                        <p:cTn id="14" dur="1" fill="hold">
+                                          <p:stCondLst>
+                                            <p:cond delay="0"/>
+                                          </p:stCondLst>
+                                        </p:cTn>
+                                        <p:tgtEl>
+                                          <p:spTgt spid="12"/>
+                                        </p:tgtEl>
+                                        <p:attrNameLst>
+                                          <p:attrName>style.visibility</p:attrName>
+                                        </p:attrNameLst>
+                                      </p:cBhvr>
+                                      <p:to>
+                                        <p:strVal val="visible"/>
+                                      </p:to>
+                                    </p:set>
+                                  </p:childTnLst>
+                                </p:cTn>
+                              </p:par>
+                            </p:childTnLst>
+                          </p:cTn>
+                        </p:par>
+                      </p:childTnLst>
+                    </p:cTn>
+                  </p:par>
+                  <p:par>
+                    <p:cTn id="15" fill="hold">
+                      <p:stCondLst>
+                        <p:cond delay="indefinite"/>
+                      </p:stCondLst>
+                      <p:childTnLst>
+                        <p:par>
+                          <p:cTn id="16" fill="hold">
+                            <p:stCondLst>
+                              <p:cond delay="0"/>
+                            </p:stCondLst>
+                            <p:childTnLst>
+                              <p:par>
+                                <p:cTn id="17" presetID="1" presetClass="entr" presetSubtype="0" fill="hold" nodeType="clickEffect">
+                                  <p:stCondLst>
+                                    <p:cond delay="0"/>
+                                  </p:stCondLst>
+                                  <p:childTnLst>
+                                    <p:set>
+                                      <p:cBhvr>
+                                        <p:cTn id="18" dur="1" fill="hold">
+                                          <p:stCondLst>
+                                            <p:cond delay="0"/>
+                                          </p:stCondLst>
+                                        </p:cTn>
+                                        <p:tgtEl>
+                                          <p:spTgt spid="13"/>
+                                        </p:tgtEl>
+                                        <p:attrNameLst>
+                                          <p:attrName>style.visibility</p:attrName>
+                                        </p:attrNameLst>
+                                      </p:cBhvr>
+                                      <p:to>
+                                        <p:strVal val="visible"/>
+                                      </p:to>
+                                    </p:set>
+                                  </p:childTnLst>
+                                </p:cTn>
+                              </p:par>
+                            </p:childTnLst>
+                          </p:cTn>
+                        </p:par>
+                      </p:childTnLst>
+                    </p:cTn>
+                  </p:par>
+                  <p:par>
+                    <p:cTn id="19" fill="hold">
+                      <p:stCondLst>
+                        <p:cond delay="indefinite"/>
+                      </p:stCondLst>
+                      <p:childTnLst>
+                        <p:par>
+                          <p:cTn id="20" fill="hold">
+                            <p:stCondLst>
+                              <p:cond delay="0"/>
+                            </p:stCondLst>
+                            <p:childTnLst>
+                              <p:par>
+                                <p:cTn id="21" presetID="1" presetClass="entr" presetSubtype="0" fill="hold" nodeType="clickEffect">
+                                  <p:stCondLst>
+                                    <p:cond delay="0"/>
+                                  </p:stCondLst>
+                                  <p:childTnLst>
+                                    <p:set>
+                                      <p:cBhvr>
+                                        <p:cTn id="22" dur="1" fill="hold">
+                                          <p:stCondLst>
+                                            <p:cond delay="0"/>
+                                          </p:stCondLst>
+                                        </p:cTn>
+                                        <p:tgtEl>
+                                          <p:spTgt spid="14"/>
+                                        </p:tgtEl>
+                                        <p:attrNameLst>
+                                          <p:attrName>style.visibility</p:attrName>
+                                        </p:attrNameLst>
+                                      </p:cBhvr>
+                                      <p:to>
+                                        <p:strVal val="visible"/>
+                                      </p:to>
+                                    </p:set>
+                                  </p:childTnLst>
+                                </p:cTn>
+                              </p:par>
+                            </p:childTnLst>
+                          </p:cTn>
+                        </p:par>
+                      </p:childTnLst>
+                    </p:cTn>
+                  </p:par>
+                  <p:par>
+                    <p:cTn id="23" fill="hold">
+                      <p:stCondLst>
+                        <p:cond delay="indefinite"/>
+                      </p:stCondLst>
+                      <p:childTnLst>
+                        <p:par>
+                          <p:cTn id="24" fill="hold">
+                            <p:stCondLst>
+                              <p:cond delay="0"/>
+                            </p:stCondLst>
+                            <p:childTnLst>
+                              <p:par>
+                                <p:cTn id="25" presetID="1" presetClass="entr" presetSubtype="0" fill="hold" nodeType="clickEffect">
+                                  <p:stCondLst>
+                                    <p:cond delay="0"/>
+                                  </p:stCondLst>
+                                  <p:childTnLst>
+                                    <p:set>
+                                      <p:cBhvr>
+                                        <p:cTn id="26" dur="1" fill="hold">
+                                          <p:stCondLst>
+                                            <p:cond delay="0"/>
+                                          </p:stCondLst>
+                                        </p:cTn>
+                                        <p:tgtEl>
+                                          <p:spTgt spid="15"/>
+                                        </p:tgtEl>
+                                        <p:attrNameLst>
+                                          <p:attrName>style.visibility</p:attrName>
+                                        </p:attrNameLst>
+                                      </p:cBhvr>
+                                      <p:to>
+                                        <p:strVal val="visible"/>
+                                      </p:to>
+                                    </p:set>
+                                  </p:childTnLst>
+                                </p:cTn>
+                              </p:par>
+                            </p:childTnLst>
+                          </p:cTn>
+                        </p:par>
+                      </p:childTnLst>
+                    </p:cTn>
+                  </p:par>
+                </p:childTnLst>
+              </p:cTn>
+              <p:prevCondLst>
+                <p:cond evt="onPrev" delay="0">
+                  <p:tgtEl>
+                    <p:sldTgt/>
+                  </p:tgtEl>
+                </p:cond>
+              </p:prevCondLst>
+              <p:nextCondLst>
+                <p:cond evt="onNext" delay="0">
+                  <p:tgtEl>
+                    <p:sldTgt/>
+                  </p:tgtEl>
+                </p:cond>
+              </p:nextCondLst>
+            </p:seq>
+          </p:childTnLst>
+        </p:cTn>
       </p:par>
     </p:tnLst>
   </p:timing>
@@ -14860,7 +17125,7 @@
           <a:p>
             <a:r>
               <a:rPr lang="en-US" dirty="0" smtClean="0"/>
-              <a:t>Relation Extraction</a:t>
+              <a:t>Relation extraction</a:t>
             </a:r>
             <a:endParaRPr lang="en-US" dirty="0"/>
           </a:p>
@@ -15105,6 +17370,75 @@
                 <a:srgbClr val="FFFF00"/>
               </a:solidFill>
             </a:endParaRPr>
+          </a:p>
+        </p:txBody>
+      </p:sp>
+      <p:sp>
+        <p:nvSpPr>
+          <p:cNvPr id="4" name="Date Placeholder 3"/>
+          <p:cNvSpPr>
+            <a:spLocks noGrp="1"/>
+          </p:cNvSpPr>
+          <p:nvPr>
+            <p:ph type="dt" sz="half" idx="10"/>
+          </p:nvPr>
+        </p:nvSpPr>
+        <p:spPr/>
+        <p:txBody>
+          <a:bodyPr/>
+          <a:lstStyle/>
+          <a:p>
+            <a:r>
+              <a:rPr lang="en-US" smtClean="0"/>
+              <a:t>CS@Uva</a:t>
+            </a:r>
+            <a:endParaRPr lang="en-US"/>
+          </a:p>
+        </p:txBody>
+      </p:sp>
+      <p:sp>
+        <p:nvSpPr>
+          <p:cNvPr id="5" name="Footer Placeholder 4"/>
+          <p:cNvSpPr>
+            <a:spLocks noGrp="1"/>
+          </p:cNvSpPr>
+          <p:nvPr>
+            <p:ph type="ftr" sz="quarter" idx="11"/>
+          </p:nvPr>
+        </p:nvSpPr>
+        <p:spPr/>
+        <p:txBody>
+          <a:bodyPr/>
+          <a:lstStyle/>
+          <a:p>
+            <a:r>
+              <a:rPr lang="en-US" smtClean="0"/>
+              <a:t>CS6501: Text Mining</a:t>
+            </a:r>
+            <a:endParaRPr lang="en-US"/>
+          </a:p>
+        </p:txBody>
+      </p:sp>
+      <p:sp>
+        <p:nvSpPr>
+          <p:cNvPr id="6" name="Slide Number Placeholder 5"/>
+          <p:cNvSpPr>
+            <a:spLocks noGrp="1"/>
+          </p:cNvSpPr>
+          <p:nvPr>
+            <p:ph type="sldNum" sz="quarter" idx="12"/>
+          </p:nvPr>
+        </p:nvSpPr>
+        <p:spPr/>
+        <p:txBody>
+          <a:bodyPr/>
+          <a:lstStyle/>
+          <a:p>
+            <a:fld id="{C6319467-766E-4BB3-8524-6F46E206E21B}" type="slidenum">
+              <a:rPr lang="en-US" smtClean="0"/>
+              <a:t>20</a:t>
+            </a:fld>
+            <a:endParaRPr lang="en-US"/>
           </a:p>
         </p:txBody>
       </p:sp>
@@ -15282,7 +17616,7 @@
           <a:p>
             <a:r>
               <a:rPr lang="en-US" dirty="0" smtClean="0"/>
-              <a:t>Logic Inference</a:t>
+              <a:t>Logic inference</a:t>
             </a:r>
             <a:endParaRPr lang="en-US" dirty="0"/>
           </a:p>
@@ -15681,6 +18015,75 @@
           </p:sp>
         </mc:Fallback>
       </mc:AlternateContent>
+      <p:sp>
+        <p:nvSpPr>
+          <p:cNvPr id="4" name="Date Placeholder 3"/>
+          <p:cNvSpPr>
+            <a:spLocks noGrp="1"/>
+          </p:cNvSpPr>
+          <p:nvPr>
+            <p:ph type="dt" sz="half" idx="10"/>
+          </p:nvPr>
+        </p:nvSpPr>
+        <p:spPr/>
+        <p:txBody>
+          <a:bodyPr/>
+          <a:lstStyle/>
+          <a:p>
+            <a:r>
+              <a:rPr lang="en-US" smtClean="0"/>
+              <a:t>CS@Uva</a:t>
+            </a:r>
+            <a:endParaRPr lang="en-US"/>
+          </a:p>
+        </p:txBody>
+      </p:sp>
+      <p:sp>
+        <p:nvSpPr>
+          <p:cNvPr id="5" name="Footer Placeholder 4"/>
+          <p:cNvSpPr>
+            <a:spLocks noGrp="1"/>
+          </p:cNvSpPr>
+          <p:nvPr>
+            <p:ph type="ftr" sz="quarter" idx="11"/>
+          </p:nvPr>
+        </p:nvSpPr>
+        <p:spPr/>
+        <p:txBody>
+          <a:bodyPr/>
+          <a:lstStyle/>
+          <a:p>
+            <a:r>
+              <a:rPr lang="en-US" smtClean="0"/>
+              <a:t>CS6501: Text Mining</a:t>
+            </a:r>
+            <a:endParaRPr lang="en-US"/>
+          </a:p>
+        </p:txBody>
+      </p:sp>
+      <p:sp>
+        <p:nvSpPr>
+          <p:cNvPr id="6" name="Slide Number Placeholder 5"/>
+          <p:cNvSpPr>
+            <a:spLocks noGrp="1"/>
+          </p:cNvSpPr>
+          <p:nvPr>
+            <p:ph type="sldNum" sz="quarter" idx="12"/>
+          </p:nvPr>
+        </p:nvSpPr>
+        <p:spPr/>
+        <p:txBody>
+          <a:bodyPr/>
+          <a:lstStyle/>
+          <a:p>
+            <a:fld id="{C6319467-766E-4BB3-8524-6F46E206E21B}" type="slidenum">
+              <a:rPr lang="en-US" smtClean="0"/>
+              <a:t>21</a:t>
+            </a:fld>
+            <a:endParaRPr lang="en-US"/>
+          </a:p>
+        </p:txBody>
+      </p:sp>
     </p:spTree>
     <p:extLst>
       <p:ext uri="{BB962C8B-B14F-4D97-AF65-F5344CB8AC3E}">
@@ -15855,7 +18258,7 @@
           <a:p>
             <a:r>
               <a:rPr lang="en-US" dirty="0" smtClean="0"/>
-              <a:t>Towards Understanding of Text</a:t>
+              <a:t>Towards understanding of text</a:t>
             </a:r>
             <a:endParaRPr lang="en-US" dirty="0"/>
           </a:p>
@@ -15927,6 +18330,75 @@
           </a:prstGeom>
         </p:spPr>
       </p:pic>
+      <p:sp>
+        <p:nvSpPr>
+          <p:cNvPr id="5" name="Date Placeholder 4"/>
+          <p:cNvSpPr>
+            <a:spLocks noGrp="1"/>
+          </p:cNvSpPr>
+          <p:nvPr>
+            <p:ph type="dt" sz="half" idx="10"/>
+          </p:nvPr>
+        </p:nvSpPr>
+        <p:spPr/>
+        <p:txBody>
+          <a:bodyPr/>
+          <a:lstStyle/>
+          <a:p>
+            <a:r>
+              <a:rPr lang="en-US" smtClean="0"/>
+              <a:t>CS@Uva</a:t>
+            </a:r>
+            <a:endParaRPr lang="en-US"/>
+          </a:p>
+        </p:txBody>
+      </p:sp>
+      <p:sp>
+        <p:nvSpPr>
+          <p:cNvPr id="6" name="Footer Placeholder 5"/>
+          <p:cNvSpPr>
+            <a:spLocks noGrp="1"/>
+          </p:cNvSpPr>
+          <p:nvPr>
+            <p:ph type="ftr" sz="quarter" idx="11"/>
+          </p:nvPr>
+        </p:nvSpPr>
+        <p:spPr/>
+        <p:txBody>
+          <a:bodyPr/>
+          <a:lstStyle/>
+          <a:p>
+            <a:r>
+              <a:rPr lang="en-US" smtClean="0"/>
+              <a:t>CS6501: Text Mining</a:t>
+            </a:r>
+            <a:endParaRPr lang="en-US"/>
+          </a:p>
+        </p:txBody>
+      </p:sp>
+      <p:sp>
+        <p:nvSpPr>
+          <p:cNvPr id="7" name="Slide Number Placeholder 6"/>
+          <p:cNvSpPr>
+            <a:spLocks noGrp="1"/>
+          </p:cNvSpPr>
+          <p:nvPr>
+            <p:ph type="sldNum" sz="quarter" idx="12"/>
+          </p:nvPr>
+        </p:nvSpPr>
+        <p:spPr/>
+        <p:txBody>
+          <a:bodyPr/>
+          <a:lstStyle/>
+          <a:p>
+            <a:fld id="{C6319467-766E-4BB3-8524-6F46E206E21B}" type="slidenum">
+              <a:rPr lang="en-US" smtClean="0"/>
+              <a:t>22</a:t>
+            </a:fld>
+            <a:endParaRPr lang="en-US"/>
+          </a:p>
+        </p:txBody>
+      </p:sp>
     </p:spTree>
     <p:extLst>
       <p:ext uri="{BB962C8B-B14F-4D97-AF65-F5344CB8AC3E}">
@@ -15980,9 +18452,14 @@
           <a:lstStyle/>
           <a:p>
             <a:r>
-              <a:rPr lang="en-US" altLang="en-US"/>
-              <a:t>Major NLP Applications</a:t>
-            </a:r>
+              <a:rPr lang="en-US" altLang="en-US" dirty="0"/>
+              <a:t>Major NLP </a:t>
+            </a:r>
+            <a:r>
+              <a:rPr lang="en-US" altLang="en-US" dirty="0" smtClean="0"/>
+              <a:t>applications</a:t>
+            </a:r>
+            <a:endParaRPr lang="en-US" altLang="en-US" dirty="0"/>
           </a:p>
         </p:txBody>
       </p:sp>
@@ -16360,6 +18837,75 @@
           </p:txBody>
         </p:sp>
       </p:grpSp>
+      <p:sp>
+        <p:nvSpPr>
+          <p:cNvPr id="2" name="Date Placeholder 1"/>
+          <p:cNvSpPr>
+            <a:spLocks noGrp="1"/>
+          </p:cNvSpPr>
+          <p:nvPr>
+            <p:ph type="dt" sz="half" idx="10"/>
+          </p:nvPr>
+        </p:nvSpPr>
+        <p:spPr/>
+        <p:txBody>
+          <a:bodyPr/>
+          <a:lstStyle/>
+          <a:p>
+            <a:r>
+              <a:rPr lang="en-US" smtClean="0"/>
+              <a:t>CS@Uva</a:t>
+            </a:r>
+            <a:endParaRPr lang="en-US"/>
+          </a:p>
+        </p:txBody>
+      </p:sp>
+      <p:sp>
+        <p:nvSpPr>
+          <p:cNvPr id="3" name="Footer Placeholder 2"/>
+          <p:cNvSpPr>
+            <a:spLocks noGrp="1"/>
+          </p:cNvSpPr>
+          <p:nvPr>
+            <p:ph type="ftr" sz="quarter" idx="11"/>
+          </p:nvPr>
+        </p:nvSpPr>
+        <p:spPr/>
+        <p:txBody>
+          <a:bodyPr/>
+          <a:lstStyle/>
+          <a:p>
+            <a:r>
+              <a:rPr lang="en-US" smtClean="0"/>
+              <a:t>CS6501: Text Mining</a:t>
+            </a:r>
+            <a:endParaRPr lang="en-US"/>
+          </a:p>
+        </p:txBody>
+      </p:sp>
+      <p:sp>
+        <p:nvSpPr>
+          <p:cNvPr id="4" name="Slide Number Placeholder 3"/>
+          <p:cNvSpPr>
+            <a:spLocks noGrp="1"/>
+          </p:cNvSpPr>
+          <p:nvPr>
+            <p:ph type="sldNum" sz="quarter" idx="12"/>
+          </p:nvPr>
+        </p:nvSpPr>
+        <p:spPr/>
+        <p:txBody>
+          <a:bodyPr/>
+          <a:lstStyle/>
+          <a:p>
+            <a:fld id="{C6319467-766E-4BB3-8524-6F46E206E21B}" type="slidenum">
+              <a:rPr lang="en-US" smtClean="0"/>
+              <a:t>23</a:t>
+            </a:fld>
+            <a:endParaRPr lang="en-US"/>
+          </a:p>
+        </p:txBody>
+      </p:sp>
     </p:spTree>
     <p:extLst>
       <p:ext uri="{BB962C8B-B14F-4D97-AF65-F5344CB8AC3E}">
@@ -16529,8 +19075,13 @@
             </a:r>
             <a:r>
               <a:rPr lang="en-US" altLang="en-US" sz="3600" dirty="0"/>
-              <a:t>&amp; Text Management</a:t>
-            </a:r>
+              <a:t>&amp; </a:t>
+            </a:r>
+            <a:r>
+              <a:rPr lang="en-US" altLang="en-US" sz="3600" dirty="0" smtClean="0"/>
+              <a:t>text mining</a:t>
+            </a:r>
+            <a:endParaRPr lang="en-US" altLang="en-US" sz="3600" dirty="0"/>
           </a:p>
         </p:txBody>
       </p:sp>
@@ -16892,6 +19443,75 @@
           </a:p>
         </p:txBody>
       </p:sp>
+      <p:sp>
+        <p:nvSpPr>
+          <p:cNvPr id="2" name="Date Placeholder 1"/>
+          <p:cNvSpPr>
+            <a:spLocks noGrp="1"/>
+          </p:cNvSpPr>
+          <p:nvPr>
+            <p:ph type="dt" sz="half" idx="10"/>
+          </p:nvPr>
+        </p:nvSpPr>
+        <p:spPr/>
+        <p:txBody>
+          <a:bodyPr/>
+          <a:lstStyle/>
+          <a:p>
+            <a:r>
+              <a:rPr lang="en-US" smtClean="0"/>
+              <a:t>CS@Uva</a:t>
+            </a:r>
+            <a:endParaRPr lang="en-US"/>
+          </a:p>
+        </p:txBody>
+      </p:sp>
+      <p:sp>
+        <p:nvSpPr>
+          <p:cNvPr id="3" name="Footer Placeholder 2"/>
+          <p:cNvSpPr>
+            <a:spLocks noGrp="1"/>
+          </p:cNvSpPr>
+          <p:nvPr>
+            <p:ph type="ftr" sz="quarter" idx="11"/>
+          </p:nvPr>
+        </p:nvSpPr>
+        <p:spPr/>
+        <p:txBody>
+          <a:bodyPr/>
+          <a:lstStyle/>
+          <a:p>
+            <a:r>
+              <a:rPr lang="en-US" smtClean="0"/>
+              <a:t>CS6501: Text Mining</a:t>
+            </a:r>
+            <a:endParaRPr lang="en-US"/>
+          </a:p>
+        </p:txBody>
+      </p:sp>
+      <p:sp>
+        <p:nvSpPr>
+          <p:cNvPr id="4" name="Slide Number Placeholder 3"/>
+          <p:cNvSpPr>
+            <a:spLocks noGrp="1"/>
+          </p:cNvSpPr>
+          <p:nvPr>
+            <p:ph type="sldNum" sz="quarter" idx="12"/>
+          </p:nvPr>
+        </p:nvSpPr>
+        <p:spPr/>
+        <p:txBody>
+          <a:bodyPr/>
+          <a:lstStyle/>
+          <a:p>
+            <a:fld id="{C6319467-766E-4BB3-8524-6F46E206E21B}" type="slidenum">
+              <a:rPr lang="en-US" smtClean="0"/>
+              <a:t>24</a:t>
+            </a:fld>
+            <a:endParaRPr lang="en-US"/>
+          </a:p>
+        </p:txBody>
+      </p:sp>
     </p:spTree>
     <p:extLst>
       <p:ext uri="{BB962C8B-B14F-4D97-AF65-F5344CB8AC3E}">
@@ -16932,11 +19552,15 @@
                                       <p:cBhvr>
                                         <p:cTn id="6" dur="1" fill="hold">
                                           <p:stCondLst>
-                                            <p:cond delay="499"/>
+                                            <p:cond delay="0"/>
                                           </p:stCondLst>
                                         </p:cTn>
                                         <p:tgtEl>
-                                          <p:spTgt spid="447497"/>
+                                          <p:spTgt spid="447494">
+                                            <p:txEl>
+                                              <p:pRg st="2" end="2"/>
+                                            </p:txEl>
+                                          </p:spTgt>
                                         </p:tgtEl>
                                         <p:attrNameLst>
                                           <p:attrName>style.visibility</p:attrName>
@@ -16968,7 +19592,7 @@
                             </p:stCondLst>
                             <p:childTnLst>
                               <p:par>
-                                <p:cTn id="9" presetID="1" presetClass="entr" presetSubtype="0" fill="hold" grpId="0" nodeType="clickEffect">
+                                <p:cTn id="9" presetID="1" presetClass="entr" presetSubtype="0" fill="hold" nodeType="clickEffect">
                                   <p:stCondLst>
                                     <p:cond delay="0"/>
                                   </p:stCondLst>
@@ -16978,6 +19602,78 @@
                                         <p:cTn id="10" dur="1" fill="hold">
                                           <p:stCondLst>
                                             <p:cond delay="499"/>
+                                          </p:stCondLst>
+                                        </p:cTn>
+                                        <p:tgtEl>
+                                          <p:spTgt spid="447497"/>
+                                        </p:tgtEl>
+                                        <p:attrNameLst>
+                                          <p:attrName>style.visibility</p:attrName>
+                                        </p:attrNameLst>
+                                      </p:cBhvr>
+                                      <p:to>
+                                        <p:strVal val="visible"/>
+                                      </p:to>
+                                    </p:set>
+                                  </p:childTnLst>
+                                </p:cTn>
+                              </p:par>
+                            </p:childTnLst>
+                          </p:cTn>
+                        </p:par>
+                      </p:childTnLst>
+                    </p:cTn>
+                  </p:par>
+                  <p:par>
+                    <p:cTn id="11" fill="hold">
+                      <p:stCondLst>
+                        <p:cond delay="indefinite"/>
+                      </p:stCondLst>
+                      <p:childTnLst>
+                        <p:par>
+                          <p:cTn id="12" fill="hold">
+                            <p:stCondLst>
+                              <p:cond delay="0"/>
+                            </p:stCondLst>
+                            <p:childTnLst>
+                              <p:par>
+                                <p:cTn id="13" presetID="1" presetClass="entr" presetSubtype="0" fill="hold" nodeType="clickEffect">
+                                  <p:stCondLst>
+                                    <p:cond delay="0"/>
+                                  </p:stCondLst>
+                                  <p:childTnLst>
+                                    <p:set>
+                                      <p:cBhvr>
+                                        <p:cTn id="14" dur="1" fill="hold">
+                                          <p:stCondLst>
+                                            <p:cond delay="0"/>
+                                          </p:stCondLst>
+                                        </p:cTn>
+                                        <p:tgtEl>
+                                          <p:spTgt spid="13314"/>
+                                        </p:tgtEl>
+                                        <p:attrNameLst>
+                                          <p:attrName>style.visibility</p:attrName>
+                                        </p:attrNameLst>
+                                      </p:cBhvr>
+                                      <p:to>
+                                        <p:strVal val="visible"/>
+                                      </p:to>
+                                    </p:set>
+                                  </p:childTnLst>
+                                </p:cTn>
+                              </p:par>
+                              <p:par>
+                                <p:cTn id="15" presetID="1" presetClass="entr" presetSubtype="0" fill="hold" grpId="0" nodeType="withEffect">
+                                  <p:stCondLst>
+                                    <p:cond delay="0"/>
+                                  </p:stCondLst>
+                                  <p:childTnLst>
+                                    <p:set>
+                                      <p:cBhvr>
+                                        <p:cTn id="16" dur="1" fill="hold">
+                                          <p:stCondLst>
+                                            <p:cond delay="0"/>
                                           </p:stCondLst>
                                         </p:cTn>
                                         <p:tgtEl>
@@ -17022,7 +19718,7 @@
       </p:par>
     </p:tnLst>
     <p:bldLst>
-      <p:bldP spid="447499" grpId="0" animBg="1" autoUpdateAnimBg="0"/>
+      <p:bldP spid="447499" grpId="0" animBg="1"/>
     </p:bldLst>
   </p:timing>
 </p:sld>
@@ -17061,8 +19757,24 @@
           <a:lstStyle/>
           <a:p>
             <a:r>
-              <a:rPr lang="en-US" altLang="en-US"/>
-              <a:t>How Much NLP is Really Needed?</a:t>
+              <a:rPr lang="en-US" altLang="en-US" dirty="0"/>
+              <a:t>How </a:t>
+            </a:r>
+            <a:r>
+              <a:rPr lang="en-US" altLang="en-US" dirty="0" smtClean="0"/>
+              <a:t>much </a:t>
+            </a:r>
+            <a:r>
+              <a:rPr lang="en-US" altLang="en-US" dirty="0"/>
+              <a:t>NLP is </a:t>
+            </a:r>
+            <a:r>
+              <a:rPr lang="en-US" altLang="en-US" dirty="0" smtClean="0"/>
+              <a:t>really needed</a:t>
+            </a:r>
+            <a:r>
+              <a:rPr lang="en-US" altLang="en-US" dirty="0"/>
+              <a:t>?</a:t>
             </a:r>
           </a:p>
         </p:txBody>
@@ -17930,6 +20642,75 @@
           </a:p>
         </p:txBody>
       </p:sp>
+      <p:sp>
+        <p:nvSpPr>
+          <p:cNvPr id="2" name="Date Placeholder 1"/>
+          <p:cNvSpPr>
+            <a:spLocks noGrp="1"/>
+          </p:cNvSpPr>
+          <p:nvPr>
+            <p:ph type="dt" sz="half" idx="10"/>
+          </p:nvPr>
+        </p:nvSpPr>
+        <p:spPr/>
+        <p:txBody>
+          <a:bodyPr/>
+          <a:lstStyle/>
+          <a:p>
+            <a:r>
+              <a:rPr lang="en-US" smtClean="0"/>
+              <a:t>CS@Uva</a:t>
+            </a:r>
+            <a:endParaRPr lang="en-US"/>
+          </a:p>
+        </p:txBody>
+      </p:sp>
+      <p:sp>
+        <p:nvSpPr>
+          <p:cNvPr id="3" name="Footer Placeholder 2"/>
+          <p:cNvSpPr>
+            <a:spLocks noGrp="1"/>
+          </p:cNvSpPr>
+          <p:nvPr>
+            <p:ph type="ftr" sz="quarter" idx="11"/>
+          </p:nvPr>
+        </p:nvSpPr>
+        <p:spPr/>
+        <p:txBody>
+          <a:bodyPr/>
+          <a:lstStyle/>
+          <a:p>
+            <a:r>
+              <a:rPr lang="en-US" smtClean="0"/>
+              <a:t>CS6501: Text Mining</a:t>
+            </a:r>
+            <a:endParaRPr lang="en-US"/>
+          </a:p>
+        </p:txBody>
+      </p:sp>
+      <p:sp>
+        <p:nvSpPr>
+          <p:cNvPr id="4" name="Slide Number Placeholder 3"/>
+          <p:cNvSpPr>
+            <a:spLocks noGrp="1"/>
+          </p:cNvSpPr>
+          <p:nvPr>
+            <p:ph type="sldNum" sz="quarter" idx="12"/>
+          </p:nvPr>
+        </p:nvSpPr>
+        <p:spPr/>
+        <p:txBody>
+          <a:bodyPr/>
+          <a:lstStyle/>
+          <a:p>
+            <a:fld id="{C6319467-766E-4BB3-8524-6F46E206E21B}" type="slidenum">
+              <a:rPr lang="en-US" smtClean="0"/>
+              <a:t>25</a:t>
+            </a:fld>
+            <a:endParaRPr lang="en-US"/>
+          </a:p>
+        </p:txBody>
+      </p:sp>
     </p:spTree>
     <p:extLst>
       <p:ext uri="{BB962C8B-B14F-4D97-AF65-F5344CB8AC3E}">
@@ -17969,18 +20750,121 @@
       </p:grpSpPr>
       <p:sp>
         <p:nvSpPr>
+          <p:cNvPr id="454661" name="Rectangle 5"/>
+          <p:cNvSpPr>
+            <a:spLocks noGrp="1" noChangeArrowheads="1"/>
+          </p:cNvSpPr>
+          <p:nvPr>
+            <p:ph type="subTitle" idx="4294967295"/>
+          </p:nvPr>
+        </p:nvSpPr>
+        <p:spPr>
+          <a:xfrm>
+            <a:off x="905933" y="3429000"/>
+            <a:ext cx="7620000" cy="2590800"/>
+          </a:xfrm>
+        </p:spPr>
+        <p:txBody>
+          <a:bodyPr/>
+          <a:lstStyle/>
+          <a:p>
+            <a:pPr>
+              <a:lnSpc>
+                <a:spcPct val="90000"/>
+              </a:lnSpc>
+            </a:pPr>
+            <a:r>
+              <a:rPr lang="en-US" altLang="en-US" sz="2800" u="sng" dirty="0">
+                <a:solidFill>
+                  <a:schemeClr val="tx1"/>
+                </a:solidFill>
+              </a:rPr>
+              <a:t>Statistical NLP</a:t>
+            </a:r>
+            <a:r>
+              <a:rPr lang="en-US" altLang="en-US" sz="2800" dirty="0">
+                <a:solidFill>
+                  <a:schemeClr val="tx1"/>
+                </a:solidFill>
+              </a:rPr>
+              <a:t> in </a:t>
+            </a:r>
+            <a:r>
+              <a:rPr lang="en-US" altLang="en-US" sz="2800" dirty="0" smtClean="0">
+                <a:solidFill>
+                  <a:schemeClr val="tx1"/>
+                </a:solidFill>
+              </a:rPr>
+              <a:t>general.</a:t>
+            </a:r>
+          </a:p>
+          <a:p>
+            <a:pPr>
+              <a:lnSpc>
+                <a:spcPct val="90000"/>
+              </a:lnSpc>
+            </a:pPr>
+            <a:r>
+              <a:rPr lang="en-US" altLang="en-US" sz="2800" dirty="0" smtClean="0">
+                <a:solidFill>
+                  <a:schemeClr val="tx1"/>
+                </a:solidFill>
+              </a:rPr>
+              <a:t>The </a:t>
+            </a:r>
+            <a:r>
+              <a:rPr lang="en-US" altLang="en-US" sz="2800" dirty="0">
+                <a:solidFill>
+                  <a:schemeClr val="tx1"/>
+                </a:solidFill>
+              </a:rPr>
+              <a:t>need for high robustness and efficiency implies the dominant use of </a:t>
+            </a:r>
+          </a:p>
+          <a:p>
+            <a:pPr>
+              <a:lnSpc>
+                <a:spcPct val="90000"/>
+              </a:lnSpc>
+            </a:pPr>
+            <a:r>
+              <a:rPr lang="en-US" altLang="en-US" sz="2800" u="sng" dirty="0">
+                <a:solidFill>
+                  <a:schemeClr val="tx1"/>
+                </a:solidFill>
+              </a:rPr>
+              <a:t>simple </a:t>
+            </a:r>
+            <a:r>
+              <a:rPr lang="en-US" altLang="en-US" sz="2800" u="sng" dirty="0" smtClean="0">
+                <a:solidFill>
+                  <a:schemeClr val="tx1"/>
+                </a:solidFill>
+              </a:rPr>
+              <a:t>models</a:t>
+            </a:r>
+            <a:endParaRPr lang="en-US" altLang="en-US" sz="2800" u="sng" dirty="0">
+              <a:solidFill>
+                <a:schemeClr val="tx1"/>
+              </a:solidFill>
+            </a:endParaRPr>
+          </a:p>
+        </p:txBody>
+      </p:sp>
+      <p:sp>
+        <p:nvSpPr>
           <p:cNvPr id="454660" name="Rectangle 4"/>
           <p:cNvSpPr>
             <a:spLocks noGrp="1" noChangeArrowheads="1"/>
           </p:cNvSpPr>
           <p:nvPr>
-            <p:ph type="ctrTitle"/>
+            <p:ph type="ctrTitle" idx="4294967295"/>
           </p:nvPr>
         </p:nvSpPr>
         <p:spPr>
           <a:xfrm>
-            <a:off x="653143" y="1698172"/>
-            <a:ext cx="7772400" cy="1470025"/>
+            <a:off x="905933" y="1958975"/>
+            <a:ext cx="7332133" cy="1470025"/>
           </a:xfrm>
         </p:spPr>
         <p:txBody>
@@ -17993,7 +20877,23 @@
                   <a:srgbClr val="FF0000"/>
                 </a:solidFill>
               </a:rPr>
-              <a:t>So, what NLP techniques are most useful for text </a:t>
+              <a:t>So, what NLP techniques are </a:t>
+            </a:r>
+            <a:r>
+              <a:rPr lang="en-US" altLang="en-US" sz="3600" dirty="0" smtClean="0">
+                <a:solidFill>
+                  <a:srgbClr val="FF0000"/>
+                </a:solidFill>
+              </a:rPr>
+              <a:t>the most </a:t>
+            </a:r>
+            <a:r>
+              <a:rPr lang="en-US" altLang="en-US" sz="3600" dirty="0">
+                <a:solidFill>
+                  <a:srgbClr val="FF0000"/>
+                </a:solidFill>
+              </a:rPr>
+              <a:t>useful for text </a:t>
             </a:r>
             <a:r>
               <a:rPr lang="en-US" altLang="en-US" sz="3600" dirty="0" smtClean="0">
@@ -18013,104 +20913,70 @@
       </p:sp>
       <p:sp>
         <p:nvSpPr>
-          <p:cNvPr id="454661" name="Rectangle 5"/>
+          <p:cNvPr id="2" name="Date Placeholder 1"/>
           <p:cNvSpPr>
-            <a:spLocks noGrp="1" noChangeArrowheads="1"/>
+            <a:spLocks noGrp="1"/>
           </p:cNvSpPr>
           <p:nvPr>
-            <p:ph type="subTitle" idx="1"/>
+            <p:ph type="dt" sz="half" idx="10"/>
           </p:nvPr>
         </p:nvSpPr>
-        <p:spPr>
-          <a:xfrm>
-            <a:off x="653143" y="3429000"/>
-            <a:ext cx="7620000" cy="2590800"/>
-          </a:xfrm>
-        </p:spPr>
+        <p:spPr/>
         <p:txBody>
           <a:bodyPr/>
           <a:lstStyle/>
           <a:p>
-            <a:pPr>
-              <a:lnSpc>
-                <a:spcPct val="90000"/>
-              </a:lnSpc>
-            </a:pPr>
-            <a:r>
-              <a:rPr lang="en-US" altLang="en-US" sz="2800" u="sng" dirty="0">
-                <a:solidFill>
-                  <a:schemeClr val="tx1"/>
-                </a:solidFill>
-              </a:rPr>
-              <a:t>Statistical NLP</a:t>
-            </a:r>
-            <a:r>
-              <a:rPr lang="en-US" altLang="en-US" sz="2800" dirty="0">
-                <a:solidFill>
-                  <a:schemeClr val="tx1"/>
-                </a:solidFill>
-              </a:rPr>
-              <a:t> in </a:t>
-            </a:r>
-            <a:r>
-              <a:rPr lang="en-US" altLang="en-US" sz="2800" dirty="0" smtClean="0">
-                <a:solidFill>
-                  <a:schemeClr val="tx1"/>
-                </a:solidFill>
-              </a:rPr>
-              <a:t>general.</a:t>
-            </a:r>
-          </a:p>
-          <a:p>
-            <a:pPr>
-              <a:lnSpc>
-                <a:spcPct val="90000"/>
-              </a:lnSpc>
-            </a:pPr>
-            <a:r>
-              <a:rPr lang="en-US" altLang="en-US" sz="2800" dirty="0" smtClean="0">
-                <a:solidFill>
-                  <a:schemeClr val="tx1"/>
-                </a:solidFill>
-              </a:rPr>
-              <a:t>The </a:t>
-            </a:r>
-            <a:r>
-              <a:rPr lang="en-US" altLang="en-US" sz="2800" dirty="0">
-                <a:solidFill>
-                  <a:schemeClr val="tx1"/>
-                </a:solidFill>
-              </a:rPr>
-              <a:t>need for high robustness and efficiency implies the dominant use of </a:t>
-            </a:r>
-          </a:p>
-          <a:p>
-            <a:pPr>
-              <a:lnSpc>
-                <a:spcPct val="90000"/>
-              </a:lnSpc>
-            </a:pPr>
-            <a:r>
-              <a:rPr lang="en-US" altLang="en-US" sz="2800" u="sng" dirty="0">
-                <a:solidFill>
-                  <a:schemeClr val="tx1"/>
-                </a:solidFill>
-              </a:rPr>
-              <a:t>simple </a:t>
-            </a:r>
-            <a:r>
-              <a:rPr lang="en-US" altLang="en-US" sz="2800" u="sng" dirty="0" smtClean="0">
-                <a:solidFill>
-                  <a:schemeClr val="tx1"/>
-                </a:solidFill>
-              </a:rPr>
-              <a:t>models</a:t>
-            </a:r>
-            <a:endParaRPr lang="en-US" altLang="en-US" sz="2800" u="sng" dirty="0">
-              <a:solidFill>
-                <a:schemeClr val="tx1"/>
-              </a:solidFill>
-            </a:endParaRPr>
+            <a:r>
+              <a:rPr lang="en-US" smtClean="0"/>
+              <a:t>CS@Uva</a:t>
+            </a:r>
+            <a:endParaRPr lang="en-US"/>
+          </a:p>
+        </p:txBody>
+      </p:sp>
+      <p:sp>
+        <p:nvSpPr>
+          <p:cNvPr id="3" name="Footer Placeholder 2"/>
+          <p:cNvSpPr>
+            <a:spLocks noGrp="1"/>
+          </p:cNvSpPr>
+          <p:nvPr>
+            <p:ph type="ftr" sz="quarter" idx="11"/>
+          </p:nvPr>
+        </p:nvSpPr>
+        <p:spPr/>
+        <p:txBody>
+          <a:bodyPr/>
+          <a:lstStyle/>
+          <a:p>
+            <a:r>
+              <a:rPr lang="en-US" smtClean="0"/>
+              <a:t>CS6501: Text Mining</a:t>
+            </a:r>
+            <a:endParaRPr lang="en-US"/>
+          </a:p>
+        </p:txBody>
+      </p:sp>
+      <p:sp>
+        <p:nvSpPr>
+          <p:cNvPr id="4" name="Slide Number Placeholder 3"/>
+          <p:cNvSpPr>
+            <a:spLocks noGrp="1"/>
+          </p:cNvSpPr>
+          <p:nvPr>
+            <p:ph type="sldNum" sz="quarter" idx="12"/>
+          </p:nvPr>
+        </p:nvSpPr>
+        <p:spPr/>
+        <p:txBody>
+          <a:bodyPr/>
+          <a:lstStyle/>
+          <a:p>
+            <a:fld id="{C6319467-766E-4BB3-8524-6F46E206E21B}" type="slidenum">
+              <a:rPr lang="en-US" smtClean="0"/>
+              <a:t>26</a:t>
+            </a:fld>
+            <a:endParaRPr lang="en-US"/>
           </a:p>
         </p:txBody>
       </p:sp>
@@ -18168,7 +21034,15 @@
           <a:p>
             <a:r>
               <a:rPr lang="en-US" altLang="en-US" dirty="0"/>
-              <a:t>An Example of NLP</a:t>
+              <a:t>An </a:t>
+            </a:r>
+            <a:r>
+              <a:rPr lang="en-US" altLang="en-US" dirty="0" smtClean="0"/>
+              <a:t>example </a:t>
+            </a:r>
+            <a:r>
+              <a:rPr lang="en-US" altLang="en-US" dirty="0"/>
+              <a:t>of NLP</a:t>
             </a:r>
           </a:p>
         </p:txBody>
@@ -20703,7 +23577,7 @@
             <a:graphicData uri="http://schemas.openxmlformats.org/presentationml/2006/ole">
               <mc:AlternateContent xmlns:mc="http://schemas.openxmlformats.org/markup-compatibility/2006">
                 <mc:Choice xmlns:v="urn:schemas-microsoft-com:vml" Requires="v">
-                  <p:oleObj spid="_x0000_s1033" name="Photo Editor Photo" r:id="rId3" imgW="1457143" imgH="1428949" progId="MSPhotoEd.3">
+                  <p:oleObj spid="_x0000_s1037" name="Photo Editor Photo" r:id="rId3" imgW="1457143" imgH="1428949" progId="MSPhotoEd.3">
                     <p:embed/>
                   </p:oleObj>
                 </mc:Choice>
@@ -22496,6 +25370,75 @@
           </p:txBody>
         </p:sp>
       </p:grpSp>
+      <p:sp>
+        <p:nvSpPr>
+          <p:cNvPr id="2" name="Date Placeholder 1"/>
+          <p:cNvSpPr>
+            <a:spLocks noGrp="1"/>
+          </p:cNvSpPr>
+          <p:nvPr>
+            <p:ph type="dt" sz="half" idx="10"/>
+          </p:nvPr>
+        </p:nvSpPr>
+        <p:spPr/>
+        <p:txBody>
+          <a:bodyPr/>
+          <a:lstStyle/>
+          <a:p>
+            <a:r>
+              <a:rPr lang="en-US" smtClean="0"/>
+              <a:t>CS@Uva</a:t>
+            </a:r>
+            <a:endParaRPr lang="en-US"/>
+          </a:p>
+        </p:txBody>
+      </p:sp>
+      <p:sp>
+        <p:nvSpPr>
+          <p:cNvPr id="3" name="Footer Placeholder 2"/>
+          <p:cNvSpPr>
+            <a:spLocks noGrp="1"/>
+          </p:cNvSpPr>
+          <p:nvPr>
+            <p:ph type="ftr" sz="quarter" idx="11"/>
+          </p:nvPr>
+        </p:nvSpPr>
+        <p:spPr/>
+        <p:txBody>
+          <a:bodyPr/>
+          <a:lstStyle/>
+          <a:p>
+            <a:r>
+              <a:rPr lang="en-US" smtClean="0"/>
+              <a:t>CS6501: Text Mining</a:t>
+            </a:r>
+            <a:endParaRPr lang="en-US"/>
+          </a:p>
+        </p:txBody>
+      </p:sp>
+      <p:sp>
+        <p:nvSpPr>
+          <p:cNvPr id="4" name="Slide Number Placeholder 3"/>
+          <p:cNvSpPr>
+            <a:spLocks noGrp="1"/>
+          </p:cNvSpPr>
+          <p:nvPr>
+            <p:ph type="sldNum" sz="quarter" idx="12"/>
+          </p:nvPr>
+        </p:nvSpPr>
+        <p:spPr/>
+        <p:txBody>
+          <a:bodyPr/>
+          <a:lstStyle/>
+          <a:p>
+            <a:fld id="{C6319467-766E-4BB3-8524-6F46E206E21B}" type="slidenum">
+              <a:rPr lang="en-US" smtClean="0"/>
+              <a:t>3</a:t>
+            </a:fld>
+            <a:endParaRPr lang="en-US"/>
+          </a:p>
+        </p:txBody>
+      </p:sp>
     </p:spTree>
     <p:extLst>
       <p:ext uri="{BB962C8B-B14F-4D97-AF65-F5344CB8AC3E}">
@@ -22873,12 +25816,12 @@
             <a:spLocks noGrp="1" noChangeArrowheads="1"/>
           </p:cNvSpPr>
           <p:nvPr>
-            <p:ph type="ctrTitle"/>
+            <p:ph type="ctrTitle" idx="4294967295"/>
           </p:nvPr>
         </p:nvSpPr>
         <p:spPr>
           <a:xfrm>
-            <a:off x="685800" y="2857500"/>
+            <a:off x="914400" y="2857500"/>
             <a:ext cx="7772400" cy="1143000"/>
           </a:xfrm>
         </p:spPr>
@@ -22912,6 +25855,99 @@
               </a:rPr>
               <a:t>…</a:t>
             </a:r>
+          </a:p>
+        </p:txBody>
+      </p:sp>
+      <p:sp>
+        <p:nvSpPr>
+          <p:cNvPr id="6" name="Rectangle 3"/>
+          <p:cNvSpPr>
+            <a:spLocks noGrp="1" noChangeArrowheads="1"/>
+          </p:cNvSpPr>
+          <p:nvPr>
+            <p:ph type="subTitle" idx="4294967295"/>
+          </p:nvPr>
+        </p:nvSpPr>
+        <p:spPr>
+          <a:xfrm>
+            <a:off x="1799771" y="4213392"/>
+            <a:ext cx="6400800" cy="1752600"/>
+          </a:xfrm>
+        </p:spPr>
+        <p:txBody>
+          <a:bodyPr/>
+          <a:lstStyle/>
+          <a:p>
+            <a:r>
+              <a:rPr lang="en-US" altLang="en-US" sz="2800" b="1" dirty="0">
+                <a:solidFill>
+                  <a:schemeClr val="tx1"/>
+                </a:solidFill>
+              </a:rPr>
+              <a:t>BAD NEWS: </a:t>
+            </a:r>
+          </a:p>
+          <a:p>
+            <a:r>
+              <a:rPr lang="en-US" altLang="en-US" sz="2800" b="1" dirty="0">
+                <a:solidFill>
+                  <a:schemeClr val="tx1"/>
+                </a:solidFill>
+              </a:rPr>
+              <a:t>Unfortunately, we </a:t>
+            </a:r>
+            <a:r>
+              <a:rPr lang="en-US" altLang="en-US" sz="2800" b="1" dirty="0" smtClean="0">
+                <a:solidFill>
+                  <a:schemeClr val="tx1"/>
+                </a:solidFill>
+              </a:rPr>
+              <a:t>cannot right now. </a:t>
+            </a:r>
+            <a:endParaRPr lang="en-US" altLang="en-US" sz="2800" b="1" dirty="0">
+              <a:solidFill>
+                <a:schemeClr val="tx1"/>
+              </a:solidFill>
+            </a:endParaRPr>
+          </a:p>
+          <a:p>
+            <a:r>
+              <a:rPr lang="en-US" altLang="en-US" sz="2800" b="1" dirty="0">
+                <a:solidFill>
+                  <a:schemeClr val="tx1"/>
+                </a:solidFill>
+              </a:rPr>
+              <a:t>General NLP = </a:t>
+            </a:r>
+            <a:r>
+              <a:rPr lang="en-US" altLang="en-US" sz="2800" b="1" dirty="0" smtClean="0">
+                <a:solidFill>
+                  <a:schemeClr val="tx1"/>
+                </a:solidFill>
+              </a:rPr>
+              <a:t>“Complete </a:t>
+            </a:r>
+            <a:r>
+              <a:rPr lang="en-US" altLang="en-US" sz="2800" b="1" dirty="0">
+                <a:solidFill>
+                  <a:schemeClr val="tx1"/>
+                </a:solidFill>
+              </a:rPr>
+              <a:t>AI</a:t>
+            </a:r>
+            <a:r>
+              <a:rPr lang="en-US" altLang="en-US" sz="2800" b="1" dirty="0" smtClean="0">
+                <a:solidFill>
+                  <a:schemeClr val="tx1"/>
+                </a:solidFill>
+              </a:rPr>
+              <a:t>”</a:t>
+            </a:r>
+            <a:endParaRPr lang="en-US" altLang="en-US" sz="2800" b="1" dirty="0">
+              <a:solidFill>
+                <a:schemeClr val="tx1"/>
+              </a:solidFill>
+            </a:endParaRPr>
           </a:p>
         </p:txBody>
       </p:sp>
@@ -22924,7 +25960,7 @@
           <p:nvPr/>
         </p:nvPicPr>
         <p:blipFill>
-          <a:blip r:embed="rId2" cstate="print">
+          <a:blip r:embed="rId3" cstate="print">
             <a:extLst>
               <a:ext uri="{28A0092B-C50C-407E-A947-70E740481C1C}">
                 <a14:useLocalDpi xmlns:a14="http://schemas.microsoft.com/office/drawing/2010/main" val="0"/>
@@ -22956,99 +25992,6 @@
           </a:extLst>
         </p:spPr>
       </p:pic>
-      <p:sp>
-        <p:nvSpPr>
-          <p:cNvPr id="6" name="Rectangle 3"/>
-          <p:cNvSpPr>
-            <a:spLocks noGrp="1" noChangeArrowheads="1"/>
-          </p:cNvSpPr>
-          <p:nvPr>
-            <p:ph type="subTitle" idx="1"/>
-          </p:nvPr>
-        </p:nvSpPr>
-        <p:spPr>
-          <a:xfrm>
-            <a:off x="1447800" y="4354474"/>
-            <a:ext cx="6400800" cy="1752600"/>
-          </a:xfrm>
-        </p:spPr>
-        <p:txBody>
-          <a:bodyPr/>
-          <a:lstStyle/>
-          <a:p>
-            <a:r>
-              <a:rPr lang="en-US" altLang="en-US" sz="2800" b="1" dirty="0">
-                <a:solidFill>
-                  <a:schemeClr val="tx1"/>
-                </a:solidFill>
-              </a:rPr>
-              <a:t>BAD NEWS: </a:t>
-            </a:r>
-          </a:p>
-          <a:p>
-            <a:r>
-              <a:rPr lang="en-US" altLang="en-US" sz="2800" b="1" dirty="0">
-                <a:solidFill>
-                  <a:schemeClr val="tx1"/>
-                </a:solidFill>
-              </a:rPr>
-              <a:t>Unfortunately, we </a:t>
-            </a:r>
-            <a:r>
-              <a:rPr lang="en-US" altLang="en-US" sz="2800" b="1" dirty="0" smtClean="0">
-                <a:solidFill>
-                  <a:schemeClr val="tx1"/>
-                </a:solidFill>
-              </a:rPr>
-              <a:t>cannot right now. </a:t>
-            </a:r>
-            <a:endParaRPr lang="en-US" altLang="en-US" sz="2800" b="1" dirty="0">
-              <a:solidFill>
-                <a:schemeClr val="tx1"/>
-              </a:solidFill>
-            </a:endParaRPr>
-          </a:p>
-          <a:p>
-            <a:r>
-              <a:rPr lang="en-US" altLang="en-US" sz="2800" b="1" dirty="0">
-                <a:solidFill>
-                  <a:schemeClr val="tx1"/>
-                </a:solidFill>
-              </a:rPr>
-              <a:t>General NLP = </a:t>
-            </a:r>
-            <a:r>
-              <a:rPr lang="en-US" altLang="en-US" sz="2800" b="1" dirty="0" smtClean="0">
-                <a:solidFill>
-                  <a:schemeClr val="tx1"/>
-                </a:solidFill>
-              </a:rPr>
-              <a:t>“Complete </a:t>
-            </a:r>
-            <a:r>
-              <a:rPr lang="en-US" altLang="en-US" sz="2800" b="1" dirty="0">
-                <a:solidFill>
-                  <a:schemeClr val="tx1"/>
-                </a:solidFill>
-              </a:rPr>
-              <a:t>AI</a:t>
-            </a:r>
-            <a:r>
-              <a:rPr lang="en-US" altLang="en-US" sz="2800" b="1" dirty="0" smtClean="0">
-                <a:solidFill>
-                  <a:schemeClr val="tx1"/>
-                </a:solidFill>
-              </a:rPr>
-              <a:t>”</a:t>
-            </a:r>
-            <a:endParaRPr lang="en-US" altLang="en-US" sz="2800" b="1" dirty="0">
-              <a:solidFill>
-                <a:schemeClr val="tx1"/>
-              </a:solidFill>
-            </a:endParaRPr>
-          </a:p>
-        </p:txBody>
-      </p:sp>
       <p:pic>
         <p:nvPicPr>
           <p:cNvPr id="2052" name="Picture 4" descr="http://images.forwallpaper.com/files/images/b/bf64/bf64c172/668967/bright-future-ahead.jpg"/>
@@ -23058,7 +26001,7 @@
           <p:nvPr/>
         </p:nvPicPr>
         <p:blipFill>
-          <a:blip r:embed="rId3" cstate="print">
+          <a:blip r:embed="rId4" cstate="print">
             <a:extLst>
               <a:ext uri="{28A0092B-C50C-407E-A947-70E740481C1C}">
                 <a14:useLocalDpi xmlns:a14="http://schemas.microsoft.com/office/drawing/2010/main" val="0"/>
@@ -23072,7 +26015,7 @@
         </p:blipFill>
         <p:spPr bwMode="auto">
           <a:xfrm>
-            <a:off x="2701397" y="4278274"/>
+            <a:off x="2820270" y="4124792"/>
             <a:ext cx="3503460" cy="2189662"/>
           </a:xfrm>
           <a:prstGeom prst="rect">
@@ -23122,7 +26065,7 @@
               <a:rPr lang="en-US" altLang="zh-CN" sz="2000" i="1" dirty="0" smtClean="0">
                 <a:latin typeface="Adobe Caslon Pro Bold" panose="0205070206050A020403" pitchFamily="18" charset="0"/>
               </a:rPr>
-              <a:t>Answer our emails</a:t>
+              <a:t>Automatically answer our emails</a:t>
             </a:r>
           </a:p>
           <a:p>
@@ -23184,6 +26127,116 @@
               </a:rPr>
               <a:t>Talk to us / listen to us</a:t>
             </a:r>
+          </a:p>
+        </p:txBody>
+      </p:sp>
+      <p:pic>
+        <p:nvPicPr>
+          <p:cNvPr id="9218" name="Picture 2" descr="http://www.cutensweet.com/wp-content/uploads/2012/02/cute-sad-baby.jpeg"/>
+          <p:cNvPicPr>
+            <a:picLocks noChangeAspect="1" noChangeArrowheads="1"/>
+          </p:cNvPicPr>
+          <p:nvPr/>
+        </p:nvPicPr>
+        <p:blipFill>
+          <a:blip r:embed="rId5" cstate="print">
+            <a:extLst>
+              <a:ext uri="{28A0092B-C50C-407E-A947-70E740481C1C}">
+                <a14:useLocalDpi xmlns:a14="http://schemas.microsoft.com/office/drawing/2010/main" val="0"/>
+              </a:ext>
+            </a:extLst>
+          </a:blip>
+          <a:srcRect/>
+          <a:stretch>
+            <a:fillRect/>
+          </a:stretch>
+        </p:blipFill>
+        <p:spPr bwMode="auto">
+          <a:xfrm>
+            <a:off x="6986058" y="5481244"/>
+            <a:ext cx="1472142" cy="979804"/>
+          </a:xfrm>
+          <a:prstGeom prst="rect">
+            <a:avLst/>
+          </a:prstGeom>
+          <a:noFill/>
+          <a:extLst>
+            <a:ext uri="{909E8E84-426E-40DD-AFC4-6F175D3DCCD1}">
+              <a14:hiddenFill xmlns:a14="http://schemas.microsoft.com/office/drawing/2010/main">
+                <a:solidFill>
+                  <a:srgbClr val="FFFFFF"/>
+                </a:solidFill>
+              </a14:hiddenFill>
+            </a:ext>
+          </a:extLst>
+        </p:spPr>
+      </p:pic>
+      <p:sp>
+        <p:nvSpPr>
+          <p:cNvPr id="2" name="Date Placeholder 1"/>
+          <p:cNvSpPr>
+            <a:spLocks noGrp="1"/>
+          </p:cNvSpPr>
+          <p:nvPr>
+            <p:ph type="dt" sz="half" idx="10"/>
+          </p:nvPr>
+        </p:nvSpPr>
+        <p:spPr/>
+        <p:txBody>
+          <a:bodyPr/>
+          <a:lstStyle/>
+          <a:p>
+            <a:r>
+              <a:rPr lang="en-US" smtClean="0"/>
+              <a:t>CS@Uva</a:t>
+            </a:r>
+            <a:endParaRPr lang="en-US"/>
+          </a:p>
+        </p:txBody>
+      </p:sp>
+      <p:sp>
+        <p:nvSpPr>
+          <p:cNvPr id="4" name="Footer Placeholder 3"/>
+          <p:cNvSpPr>
+            <a:spLocks noGrp="1"/>
+          </p:cNvSpPr>
+          <p:nvPr>
+            <p:ph type="ftr" sz="quarter" idx="11"/>
+          </p:nvPr>
+        </p:nvSpPr>
+        <p:spPr/>
+        <p:txBody>
+          <a:bodyPr/>
+          <a:lstStyle/>
+          <a:p>
+            <a:r>
+              <a:rPr lang="en-US" smtClean="0"/>
+              <a:t>CS6501: Text Mining</a:t>
+            </a:r>
+            <a:endParaRPr lang="en-US"/>
+          </a:p>
+        </p:txBody>
+      </p:sp>
+      <p:sp>
+        <p:nvSpPr>
+          <p:cNvPr id="5" name="Slide Number Placeholder 4"/>
+          <p:cNvSpPr>
+            <a:spLocks noGrp="1"/>
+          </p:cNvSpPr>
+          <p:nvPr>
+            <p:ph type="sldNum" sz="quarter" idx="12"/>
+          </p:nvPr>
+        </p:nvSpPr>
+        <p:spPr/>
+        <p:txBody>
+          <a:bodyPr/>
+          <a:lstStyle/>
+          <a:p>
+            <a:fld id="{C6319467-766E-4BB3-8524-6F46E206E21B}" type="slidenum">
+              <a:rPr lang="en-US" smtClean="0"/>
+              <a:t>4</a:t>
+            </a:fld>
+            <a:endParaRPr lang="en-US"/>
           </a:p>
         </p:txBody>
       </p:sp>
@@ -23516,6 +26569,33 @@
                                   </p:childTnLst>
                                 </p:cTn>
                               </p:par>
+                              <p:par>
+                                <p:cTn id="29" presetID="1" presetClass="entr" presetSubtype="0" fill="hold" nodeType="withEffect">
+                                  <p:stCondLst>
+                                    <p:cond delay="0"/>
+                                  </p:stCondLst>
+                                  <p:childTnLst>
+                                    <p:set>
+                                      <p:cBhvr>
+                                        <p:cTn id="30" dur="1" fill="hold">
+                                          <p:stCondLst>
+                                            <p:cond delay="0"/>
+                                          </p:stCondLst>
+                                        </p:cTn>
+                                        <p:tgtEl>
+                                          <p:spTgt spid="9218"/>
+                                        </p:tgtEl>
+                                        <p:attrNameLst>
+                                          <p:attrName>style.visibility</p:attrName>
+                                        </p:attrNameLst>
+                                      </p:cBhvr>
+                                      <p:to>
+                                        <p:strVal val="visible"/>
+                                      </p:to>
+                                    </p:set>
+                                  </p:childTnLst>
+                                </p:cTn>
+                              </p:par>
                             </p:childTnLst>
                           </p:cTn>
                         </p:par>
@@ -23583,8 +26663,16 @@
           <a:lstStyle/>
           <a:p>
             <a:r>
-              <a:rPr lang="en-US" altLang="en-US"/>
-              <a:t>NLP is Difficult!!!!!!!</a:t>
+              <a:rPr lang="en-US" altLang="en-US" dirty="0"/>
+              <a:t>NLP is </a:t>
+            </a:r>
+            <a:r>
+              <a:rPr lang="en-US" altLang="en-US" dirty="0" smtClean="0"/>
+              <a:t>difficult</a:t>
+            </a:r>
+            <a:r>
+              <a:rPr lang="en-US" altLang="en-US" dirty="0"/>
+              <a:t>!!!!!!!</a:t>
             </a:r>
           </a:p>
         </p:txBody>
@@ -23690,6 +26778,75 @@
               </a:lnSpc>
             </a:pPr>
             <a:endParaRPr lang="en-US" altLang="en-US" sz="3600" dirty="0"/>
+          </a:p>
+        </p:txBody>
+      </p:sp>
+      <p:sp>
+        <p:nvSpPr>
+          <p:cNvPr id="2" name="Date Placeholder 1"/>
+          <p:cNvSpPr>
+            <a:spLocks noGrp="1"/>
+          </p:cNvSpPr>
+          <p:nvPr>
+            <p:ph type="dt" sz="half" idx="10"/>
+          </p:nvPr>
+        </p:nvSpPr>
+        <p:spPr/>
+        <p:txBody>
+          <a:bodyPr/>
+          <a:lstStyle/>
+          <a:p>
+            <a:r>
+              <a:rPr lang="en-US" smtClean="0"/>
+              <a:t>CS@Uva</a:t>
+            </a:r>
+            <a:endParaRPr lang="en-US"/>
+          </a:p>
+        </p:txBody>
+      </p:sp>
+      <p:sp>
+        <p:nvSpPr>
+          <p:cNvPr id="3" name="Footer Placeholder 2"/>
+          <p:cNvSpPr>
+            <a:spLocks noGrp="1"/>
+          </p:cNvSpPr>
+          <p:nvPr>
+            <p:ph type="ftr" sz="quarter" idx="11"/>
+          </p:nvPr>
+        </p:nvSpPr>
+        <p:spPr/>
+        <p:txBody>
+          <a:bodyPr/>
+          <a:lstStyle/>
+          <a:p>
+            <a:r>
+              <a:rPr lang="en-US" smtClean="0"/>
+              <a:t>CS6501: Text Mining</a:t>
+            </a:r>
+            <a:endParaRPr lang="en-US"/>
+          </a:p>
+        </p:txBody>
+      </p:sp>
+      <p:sp>
+        <p:nvSpPr>
+          <p:cNvPr id="4" name="Slide Number Placeholder 3"/>
+          <p:cNvSpPr>
+            <a:spLocks noGrp="1"/>
+          </p:cNvSpPr>
+          <p:nvPr>
+            <p:ph type="sldNum" sz="quarter" idx="12"/>
+          </p:nvPr>
+        </p:nvSpPr>
+        <p:spPr/>
+        <p:txBody>
+          <a:bodyPr/>
+          <a:lstStyle/>
+          <a:p>
+            <a:fld id="{C6319467-766E-4BB3-8524-6F46E206E21B}" type="slidenum">
+              <a:rPr lang="en-US" smtClean="0"/>
+              <a:t>5</a:t>
+            </a:fld>
+            <a:endParaRPr lang="en-US"/>
           </a:p>
         </p:txBody>
       </p:sp>
@@ -23706,7 +26863,141 @@
   <p:timing>
     <p:tnLst>
       <p:par>
-        <p:cTn id="1" dur="indefinite" restart="never" nodeType="tmRoot"/>
+        <p:cTn id="1" dur="indefinite" restart="never" nodeType="tmRoot">
+          <p:childTnLst>
+            <p:seq concurrent="1" nextAc="seek">
+              <p:cTn id="2" dur="indefinite" nodeType="mainSeq">
+                <p:childTnLst>
+                  <p:par>
+                    <p:cTn id="3" fill="hold">
+                      <p:stCondLst>
+                        <p:cond delay="indefinite"/>
+                      </p:stCondLst>
+                      <p:childTnLst>
+                        <p:par>
+                          <p:cTn id="4" fill="hold">
+                            <p:stCondLst>
+                              <p:cond delay="0"/>
+                            </p:stCondLst>
+                            <p:childTnLst>
+                              <p:par>
+                                <p:cTn id="5" presetID="1" presetClass="entr" presetSubtype="0" fill="hold" nodeType="clickEffect">
+                                  <p:stCondLst>
+                                    <p:cond delay="0"/>
+                                  </p:stCondLst>
+                                  <p:childTnLst>
+                                    <p:set>
+                                      <p:cBhvr>
+                                        <p:cTn id="6" dur="1" fill="hold">
+                                          <p:stCondLst>
+                                            <p:cond delay="0"/>
+                                          </p:stCondLst>
+                                        </p:cTn>
+                                        <p:tgtEl>
+                                          <p:spTgt spid="435203">
+                                            <p:txEl>
+                                              <p:pRg st="3" end="3"/>
+                                            </p:txEl>
+                                          </p:spTgt>
+                                        </p:tgtEl>
+                                        <p:attrNameLst>
+                                          <p:attrName>style.visibility</p:attrName>
+                                        </p:attrNameLst>
+                                      </p:cBhvr>
+                                      <p:to>
+                                        <p:strVal val="visible"/>
+                                      </p:to>
+                                    </p:set>
+                                  </p:childTnLst>
+                                </p:cTn>
+                              </p:par>
+                              <p:par>
+                                <p:cTn id="7" presetID="1" presetClass="entr" presetSubtype="0" fill="hold" nodeType="withEffect">
+                                  <p:stCondLst>
+                                    <p:cond delay="0"/>
+                                  </p:stCondLst>
+                                  <p:childTnLst>
+                                    <p:set>
+                                      <p:cBhvr>
+                                        <p:cTn id="8" dur="1" fill="hold">
+                                          <p:stCondLst>
+                                            <p:cond delay="0"/>
+                                          </p:stCondLst>
+                                        </p:cTn>
+                                        <p:tgtEl>
+                                          <p:spTgt spid="435203">
+                                            <p:txEl>
+                                              <p:pRg st="4" end="4"/>
+                                            </p:txEl>
+                                          </p:spTgt>
+                                        </p:tgtEl>
+                                        <p:attrNameLst>
+                                          <p:attrName>style.visibility</p:attrName>
+                                        </p:attrNameLst>
+                                      </p:cBhvr>
+                                      <p:to>
+                                        <p:strVal val="visible"/>
+                                      </p:to>
+                                    </p:set>
+                                  </p:childTnLst>
+                                </p:cTn>
+                              </p:par>
+                              <p:par>
+                                <p:cTn id="9" presetID="1" presetClass="entr" presetSubtype="0" fill="hold" nodeType="withEffect">
+                                  <p:stCondLst>
+                                    <p:cond delay="0"/>
+                                  </p:stCondLst>
+                                  <p:childTnLst>
+                                    <p:set>
+                                      <p:cBhvr>
+                                        <p:cTn id="10" dur="1" fill="hold">
+                                          <p:stCondLst>
+                                            <p:cond delay="0"/>
+                                          </p:stCondLst>
+                                        </p:cTn>
+                                        <p:tgtEl>
+                                          <p:spTgt spid="435203">
+                                            <p:txEl>
+                                              <p:pRg st="5" end="5"/>
+                                            </p:txEl>
+                                          </p:spTgt>
+                                        </p:tgtEl>
+                                        <p:attrNameLst>
+                                          <p:attrName>style.visibility</p:attrName>
+                                        </p:attrNameLst>
+                                      </p:cBhvr>
+                                      <p:to>
+                                        <p:strVal val="visible"/>
+                                      </p:to>
+                                    </p:set>
+                                  </p:childTnLst>
+                                </p:cTn>
+                              </p:par>
+                            </p:childTnLst>
+                          </p:cTn>
+                        </p:par>
+                      </p:childTnLst>
+                    </p:cTn>
+                  </p:par>
+                </p:childTnLst>
+              </p:cTn>
+              <p:prevCondLst>
+                <p:cond evt="onPrev" delay="0">
+                  <p:tgtEl>
+                    <p:sldTgt/>
+                  </p:tgtEl>
+                </p:cond>
+              </p:prevCondLst>
+              <p:nextCondLst>
+                <p:cond evt="onNext" delay="0">
+                  <p:tgtEl>
+                    <p:sldTgt/>
+                  </p:tgtEl>
+                </p:cond>
+              </p:nextCondLst>
+            </p:seq>
+          </p:childTnLst>
+        </p:cTn>
       </p:par>
     </p:tnLst>
   </p:timing>
@@ -23747,7 +27038,7 @@
           <a:p>
             <a:r>
               <a:rPr lang="en-US" dirty="0" smtClean="0"/>
-              <a:t>An example of Ambiguity</a:t>
+              <a:t>An example of ambiguity</a:t>
             </a:r>
             <a:endParaRPr lang="en-US" dirty="0"/>
           </a:p>
@@ -23937,6 +27228,75 @@
           </a:extLst>
         </p:spPr>
       </p:pic>
+      <p:sp>
+        <p:nvSpPr>
+          <p:cNvPr id="7" name="Date Placeholder 6"/>
+          <p:cNvSpPr>
+            <a:spLocks noGrp="1"/>
+          </p:cNvSpPr>
+          <p:nvPr>
+            <p:ph type="dt" sz="half" idx="10"/>
+          </p:nvPr>
+        </p:nvSpPr>
+        <p:spPr/>
+        <p:txBody>
+          <a:bodyPr/>
+          <a:lstStyle/>
+          <a:p>
+            <a:r>
+              <a:rPr lang="en-US" smtClean="0"/>
+              <a:t>CS@Uva</a:t>
+            </a:r>
+            <a:endParaRPr lang="en-US"/>
+          </a:p>
+        </p:txBody>
+      </p:sp>
+      <p:sp>
+        <p:nvSpPr>
+          <p:cNvPr id="8" name="Footer Placeholder 7"/>
+          <p:cNvSpPr>
+            <a:spLocks noGrp="1"/>
+          </p:cNvSpPr>
+          <p:nvPr>
+            <p:ph type="ftr" sz="quarter" idx="11"/>
+          </p:nvPr>
+        </p:nvSpPr>
+        <p:spPr/>
+        <p:txBody>
+          <a:bodyPr/>
+          <a:lstStyle/>
+          <a:p>
+            <a:r>
+              <a:rPr lang="en-US" smtClean="0"/>
+              <a:t>CS6501: Text Mining</a:t>
+            </a:r>
+            <a:endParaRPr lang="en-US"/>
+          </a:p>
+        </p:txBody>
+      </p:sp>
+      <p:sp>
+        <p:nvSpPr>
+          <p:cNvPr id="9" name="Slide Number Placeholder 8"/>
+          <p:cNvSpPr>
+            <a:spLocks noGrp="1"/>
+          </p:cNvSpPr>
+          <p:nvPr>
+            <p:ph type="sldNum" sz="quarter" idx="12"/>
+          </p:nvPr>
+        </p:nvSpPr>
+        <p:spPr/>
+        <p:txBody>
+          <a:bodyPr/>
+          <a:lstStyle/>
+          <a:p>
+            <a:fld id="{C6319467-766E-4BB3-8524-6F46E206E21B}" type="slidenum">
+              <a:rPr lang="en-US" smtClean="0"/>
+              <a:t>6</a:t>
+            </a:fld>
+            <a:endParaRPr lang="en-US"/>
+          </a:p>
+        </p:txBody>
+      </p:sp>
     </p:spTree>
     <p:extLst>
       <p:ext uri="{BB962C8B-B14F-4D97-AF65-F5344CB8AC3E}">
@@ -24153,7 +27513,7 @@
             </a:r>
             <a:r>
               <a:rPr lang="en-US" dirty="0" smtClean="0"/>
-              <a:t>Challenges</a:t>
+              <a:t>challenges</a:t>
             </a:r>
             <a:endParaRPr lang="en-US" altLang="en-US" dirty="0"/>
           </a:p>
@@ -24278,6 +27638,75 @@
               <a:rPr lang="en-US" altLang="en-US" dirty="0"/>
               <a:t>“He has quit smoking.” implies that he smoked before.</a:t>
             </a:r>
+          </a:p>
+        </p:txBody>
+      </p:sp>
+      <p:sp>
+        <p:nvSpPr>
+          <p:cNvPr id="2" name="Date Placeholder 1"/>
+          <p:cNvSpPr>
+            <a:spLocks noGrp="1"/>
+          </p:cNvSpPr>
+          <p:nvPr>
+            <p:ph type="dt" sz="half" idx="10"/>
+          </p:nvPr>
+        </p:nvSpPr>
+        <p:spPr/>
+        <p:txBody>
+          <a:bodyPr/>
+          <a:lstStyle/>
+          <a:p>
+            <a:r>
+              <a:rPr lang="en-US" smtClean="0"/>
+              <a:t>CS@Uva</a:t>
+            </a:r>
+            <a:endParaRPr lang="en-US"/>
+          </a:p>
+        </p:txBody>
+      </p:sp>
+      <p:sp>
+        <p:nvSpPr>
+          <p:cNvPr id="3" name="Footer Placeholder 2"/>
+          <p:cNvSpPr>
+            <a:spLocks noGrp="1"/>
+          </p:cNvSpPr>
+          <p:nvPr>
+            <p:ph type="ftr" sz="quarter" idx="11"/>
+          </p:nvPr>
+        </p:nvSpPr>
+        <p:spPr/>
+        <p:txBody>
+          <a:bodyPr/>
+          <a:lstStyle/>
+          <a:p>
+            <a:r>
+              <a:rPr lang="en-US" smtClean="0"/>
+              <a:t>CS6501: Text Mining</a:t>
+            </a:r>
+            <a:endParaRPr lang="en-US"/>
+          </a:p>
+        </p:txBody>
+      </p:sp>
+      <p:sp>
+        <p:nvSpPr>
+          <p:cNvPr id="4" name="Slide Number Placeholder 3"/>
+          <p:cNvSpPr>
+            <a:spLocks noGrp="1"/>
+          </p:cNvSpPr>
+          <p:nvPr>
+            <p:ph type="sldNum" sz="quarter" idx="12"/>
+          </p:nvPr>
+        </p:nvSpPr>
+        <p:spPr/>
+        <p:txBody>
+          <a:bodyPr/>
+          <a:lstStyle/>
+          <a:p>
+            <a:fld id="{C6319467-766E-4BB3-8524-6F46E206E21B}" type="slidenum">
+              <a:rPr lang="en-US" smtClean="0"/>
+              <a:t>7</a:t>
+            </a:fld>
+            <a:endParaRPr lang="en-US"/>
           </a:p>
         </p:txBody>
       </p:sp>
@@ -24294,7 +27723,301 @@
   <p:timing>
     <p:tnLst>
       <p:par>
-        <p:cTn id="1" dur="indefinite" restart="never" nodeType="tmRoot"/>
+        <p:cTn id="1" dur="indefinite" restart="never" nodeType="tmRoot">
+          <p:childTnLst>
+            <p:seq concurrent="1" nextAc="seek">
+              <p:cTn id="2" dur="indefinite" nodeType="mainSeq">
+                <p:childTnLst>
+                  <p:par>
+                    <p:cTn id="3" fill="hold">
+                      <p:stCondLst>
+                        <p:cond delay="indefinite"/>
+                      </p:stCondLst>
+                      <p:childTnLst>
+                        <p:par>
+                          <p:cTn id="4" fill="hold">
+                            <p:stCondLst>
+                              <p:cond delay="0"/>
+                            </p:stCondLst>
+                            <p:childTnLst>
+                              <p:par>
+                                <p:cTn id="5" presetID="1" presetClass="entr" presetSubtype="0" fill="hold" nodeType="clickEffect">
+                                  <p:stCondLst>
+                                    <p:cond delay="0"/>
+                                  </p:stCondLst>
+                                  <p:childTnLst>
+                                    <p:set>
+                                      <p:cBhvr>
+                                        <p:cTn id="6" dur="1" fill="hold">
+                                          <p:stCondLst>
+                                            <p:cond delay="0"/>
+                                          </p:stCondLst>
+                                        </p:cTn>
+                                        <p:tgtEl>
+                                          <p:spTgt spid="436227">
+                                            <p:txEl>
+                                              <p:pRg st="3" end="3"/>
+                                            </p:txEl>
+                                          </p:spTgt>
+                                        </p:tgtEl>
+                                        <p:attrNameLst>
+                                          <p:attrName>style.visibility</p:attrName>
+                                        </p:attrNameLst>
+                                      </p:cBhvr>
+                                      <p:to>
+                                        <p:strVal val="visible"/>
+                                      </p:to>
+                                    </p:set>
+                                  </p:childTnLst>
+                                </p:cTn>
+                              </p:par>
+                              <p:par>
+                                <p:cTn id="7" presetID="1" presetClass="entr" presetSubtype="0" fill="hold" nodeType="withEffect">
+                                  <p:stCondLst>
+                                    <p:cond delay="0"/>
+                                  </p:stCondLst>
+                                  <p:childTnLst>
+                                    <p:set>
+                                      <p:cBhvr>
+                                        <p:cTn id="8" dur="1" fill="hold">
+                                          <p:stCondLst>
+                                            <p:cond delay="0"/>
+                                          </p:stCondLst>
+                                        </p:cTn>
+                                        <p:tgtEl>
+                                          <p:spTgt spid="436227">
+                                            <p:txEl>
+                                              <p:pRg st="4" end="4"/>
+                                            </p:txEl>
+                                          </p:spTgt>
+                                        </p:tgtEl>
+                                        <p:attrNameLst>
+                                          <p:attrName>style.visibility</p:attrName>
+                                        </p:attrNameLst>
+                                      </p:cBhvr>
+                                      <p:to>
+                                        <p:strVal val="visible"/>
+                                      </p:to>
+                                    </p:set>
+                                  </p:childTnLst>
+                                </p:cTn>
+                              </p:par>
+                              <p:par>
+                                <p:cTn id="9" presetID="1" presetClass="entr" presetSubtype="0" fill="hold" nodeType="withEffect">
+                                  <p:stCondLst>
+                                    <p:cond delay="0"/>
+                                  </p:stCondLst>
+                                  <p:childTnLst>
+                                    <p:set>
+                                      <p:cBhvr>
+                                        <p:cTn id="10" dur="1" fill="hold">
+                                          <p:stCondLst>
+                                            <p:cond delay="0"/>
+                                          </p:stCondLst>
+                                        </p:cTn>
+                                        <p:tgtEl>
+                                          <p:spTgt spid="436227">
+                                            <p:txEl>
+                                              <p:pRg st="5" end="5"/>
+                                            </p:txEl>
+                                          </p:spTgt>
+                                        </p:tgtEl>
+                                        <p:attrNameLst>
+                                          <p:attrName>style.visibility</p:attrName>
+                                        </p:attrNameLst>
+                                      </p:cBhvr>
+                                      <p:to>
+                                        <p:strVal val="visible"/>
+                                      </p:to>
+                                    </p:set>
+                                  </p:childTnLst>
+                                </p:cTn>
+                              </p:par>
+                            </p:childTnLst>
+                          </p:cTn>
+                        </p:par>
+                      </p:childTnLst>
+                    </p:cTn>
+                  </p:par>
+                  <p:par>
+                    <p:cTn id="11" fill="hold">
+                      <p:stCondLst>
+                        <p:cond delay="indefinite"/>
+                      </p:stCondLst>
+                      <p:childTnLst>
+                        <p:par>
+                          <p:cTn id="12" fill="hold">
+                            <p:stCondLst>
+                              <p:cond delay="0"/>
+                            </p:stCondLst>
+                            <p:childTnLst>
+                              <p:par>
+                                <p:cTn id="13" presetID="1" presetClass="entr" presetSubtype="0" fill="hold" nodeType="clickEffect">
+                                  <p:stCondLst>
+                                    <p:cond delay="0"/>
+                                  </p:stCondLst>
+                                  <p:childTnLst>
+                                    <p:set>
+                                      <p:cBhvr>
+                                        <p:cTn id="14" dur="1" fill="hold">
+                                          <p:stCondLst>
+                                            <p:cond delay="0"/>
+                                          </p:stCondLst>
+                                        </p:cTn>
+                                        <p:tgtEl>
+                                          <p:spTgt spid="436227">
+                                            <p:txEl>
+                                              <p:pRg st="6" end="6"/>
+                                            </p:txEl>
+                                          </p:spTgt>
+                                        </p:tgtEl>
+                                        <p:attrNameLst>
+                                          <p:attrName>style.visibility</p:attrName>
+                                        </p:attrNameLst>
+                                      </p:cBhvr>
+                                      <p:to>
+                                        <p:strVal val="visible"/>
+                                      </p:to>
+                                    </p:set>
+                                  </p:childTnLst>
+                                </p:cTn>
+                              </p:par>
+                              <p:par>
+                                <p:cTn id="15" presetID="1" presetClass="entr" presetSubtype="0" fill="hold" nodeType="withEffect">
+                                  <p:stCondLst>
+                                    <p:cond delay="0"/>
+                                  </p:stCondLst>
+                                  <p:childTnLst>
+                                    <p:set>
+                                      <p:cBhvr>
+                                        <p:cTn id="16" dur="1" fill="hold">
+                                          <p:stCondLst>
+                                            <p:cond delay="0"/>
+                                          </p:stCondLst>
+                                        </p:cTn>
+                                        <p:tgtEl>
+                                          <p:spTgt spid="436227">
+                                            <p:txEl>
+                                              <p:pRg st="7" end="7"/>
+                                            </p:txEl>
+                                          </p:spTgt>
+                                        </p:tgtEl>
+                                        <p:attrNameLst>
+                                          <p:attrName>style.visibility</p:attrName>
+                                        </p:attrNameLst>
+                                      </p:cBhvr>
+                                      <p:to>
+                                        <p:strVal val="visible"/>
+                                      </p:to>
+                                    </p:set>
+                                  </p:childTnLst>
+                                </p:cTn>
+                              </p:par>
+                            </p:childTnLst>
+                          </p:cTn>
+                        </p:par>
+                      </p:childTnLst>
+                    </p:cTn>
+                  </p:par>
+                  <p:par>
+                    <p:cTn id="17" fill="hold">
+                      <p:stCondLst>
+                        <p:cond delay="indefinite"/>
+                      </p:stCondLst>
+                      <p:childTnLst>
+                        <p:par>
+                          <p:cTn id="18" fill="hold">
+                            <p:stCondLst>
+                              <p:cond delay="0"/>
+                            </p:stCondLst>
+                            <p:childTnLst>
+                              <p:par>
+                                <p:cTn id="19" presetID="1" presetClass="entr" presetSubtype="0" fill="hold" nodeType="clickEffect">
+                                  <p:stCondLst>
+                                    <p:cond delay="0"/>
+                                  </p:stCondLst>
+                                  <p:childTnLst>
+                                    <p:set>
+                                      <p:cBhvr>
+                                        <p:cTn id="20" dur="1" fill="hold">
+                                          <p:stCondLst>
+                                            <p:cond delay="0"/>
+                                          </p:stCondLst>
+                                        </p:cTn>
+                                        <p:tgtEl>
+                                          <p:spTgt spid="436227">
+                                            <p:txEl>
+                                              <p:pRg st="8" end="8"/>
+                                            </p:txEl>
+                                          </p:spTgt>
+                                        </p:tgtEl>
+                                        <p:attrNameLst>
+                                          <p:attrName>style.visibility</p:attrName>
+                                        </p:attrNameLst>
+                                      </p:cBhvr>
+                                      <p:to>
+                                        <p:strVal val="visible"/>
+                                      </p:to>
+                                    </p:set>
+                                  </p:childTnLst>
+                                </p:cTn>
+                              </p:par>
+                              <p:par>
+                                <p:cTn id="21" presetID="1" presetClass="entr" presetSubtype="0" fill="hold" nodeType="withEffect">
+                                  <p:stCondLst>
+                                    <p:cond delay="0"/>
+                                  </p:stCondLst>
+                                  <p:childTnLst>
+                                    <p:set>
+                                      <p:cBhvr>
+                                        <p:cTn id="22" dur="1" fill="hold">
+                                          <p:stCondLst>
+                                            <p:cond delay="0"/>
+                                          </p:stCondLst>
+                                        </p:cTn>
+                                        <p:tgtEl>
+                                          <p:spTgt spid="436227">
+                                            <p:txEl>
+                                              <p:pRg st="9" end="9"/>
+                                            </p:txEl>
+                                          </p:spTgt>
+                                        </p:tgtEl>
+                                        <p:attrNameLst>
+                                          <p:attrName>style.visibility</p:attrName>
+                                        </p:attrNameLst>
+                                      </p:cBhvr>
+                                      <p:to>
+                                        <p:strVal val="visible"/>
+                                      </p:to>
+                                    </p:set>
+                                  </p:childTnLst>
+                                </p:cTn>
+                              </p:par>
+                            </p:childTnLst>
+                          </p:cTn>
+                        </p:par>
+                      </p:childTnLst>
+                    </p:cTn>
+                  </p:par>
+                </p:childTnLst>
+              </p:cTn>
+              <p:prevCondLst>
+                <p:cond evt="onPrev" delay="0">
+                  <p:tgtEl>
+                    <p:sldTgt/>
+                  </p:tgtEl>
+                </p:cond>
+              </p:prevCondLst>
+              <p:nextCondLst>
+                <p:cond evt="onNext" delay="0">
+                  <p:tgtEl>
+                    <p:sldTgt/>
+                  </p:tgtEl>
+                </p:cond>
+              </p:nextCondLst>
+            </p:seq>
+          </p:childTnLst>
+        </p:cTn>
       </p:par>
     </p:tnLst>
   </p:timing>
@@ -24325,12 +28048,12 @@
             <a:spLocks noGrp="1" noChangeArrowheads="1"/>
           </p:cNvSpPr>
           <p:nvPr>
-            <p:ph type="ctrTitle"/>
+            <p:ph type="ctrTitle" idx="4294967295"/>
           </p:nvPr>
         </p:nvSpPr>
         <p:spPr>
           <a:xfrm>
-            <a:off x="685800" y="3837214"/>
+            <a:off x="863600" y="3676121"/>
             <a:ext cx="7772400" cy="1143000"/>
           </a:xfrm>
         </p:spPr>
@@ -24360,7 +28083,7 @@
           <p:nvPr/>
         </p:nvPicPr>
         <p:blipFill>
-          <a:blip r:embed="rId2">
+          <a:blip r:embed="rId3">
             <a:extLst>
               <a:ext uri="{28A0092B-C50C-407E-A947-70E740481C1C}">
                 <a14:useLocalDpi xmlns:a14="http://schemas.microsoft.com/office/drawing/2010/main" val="0"/>
@@ -24392,6 +28115,75 @@
           </a:extLst>
         </p:spPr>
       </p:pic>
+      <p:sp>
+        <p:nvSpPr>
+          <p:cNvPr id="2" name="Date Placeholder 1"/>
+          <p:cNvSpPr>
+            <a:spLocks noGrp="1"/>
+          </p:cNvSpPr>
+          <p:nvPr>
+            <p:ph type="dt" sz="half" idx="10"/>
+          </p:nvPr>
+        </p:nvSpPr>
+        <p:spPr/>
+        <p:txBody>
+          <a:bodyPr/>
+          <a:lstStyle/>
+          <a:p>
+            <a:r>
+              <a:rPr lang="en-US" smtClean="0"/>
+              <a:t>CS@Uva</a:t>
+            </a:r>
+            <a:endParaRPr lang="en-US"/>
+          </a:p>
+        </p:txBody>
+      </p:sp>
+      <p:sp>
+        <p:nvSpPr>
+          <p:cNvPr id="3" name="Footer Placeholder 2"/>
+          <p:cNvSpPr>
+            <a:spLocks noGrp="1"/>
+          </p:cNvSpPr>
+          <p:nvPr>
+            <p:ph type="ftr" sz="quarter" idx="11"/>
+          </p:nvPr>
+        </p:nvSpPr>
+        <p:spPr/>
+        <p:txBody>
+          <a:bodyPr/>
+          <a:lstStyle/>
+          <a:p>
+            <a:r>
+              <a:rPr lang="en-US" smtClean="0"/>
+              <a:t>CS6501: Text Mining</a:t>
+            </a:r>
+            <a:endParaRPr lang="en-US"/>
+          </a:p>
+        </p:txBody>
+      </p:sp>
+      <p:sp>
+        <p:nvSpPr>
+          <p:cNvPr id="4" name="Slide Number Placeholder 3"/>
+          <p:cNvSpPr>
+            <a:spLocks noGrp="1"/>
+          </p:cNvSpPr>
+          <p:nvPr>
+            <p:ph type="sldNum" sz="quarter" idx="12"/>
+          </p:nvPr>
+        </p:nvSpPr>
+        <p:spPr/>
+        <p:txBody>
+          <a:bodyPr/>
+          <a:lstStyle/>
+          <a:p>
+            <a:fld id="{C6319467-766E-4BB3-8524-6F46E206E21B}" type="slidenum">
+              <a:rPr lang="en-US" smtClean="0"/>
+              <a:t>8</a:t>
+            </a:fld>
+            <a:endParaRPr lang="en-US"/>
+          </a:p>
+        </p:txBody>
+      </p:sp>
     </p:spTree>
     <p:extLst>
       <p:ext uri="{BB962C8B-B14F-4D97-AF65-F5344CB8AC3E}">
@@ -24446,15 +28238,7 @@
           <a:p>
             <a:r>
               <a:rPr lang="en-US" altLang="en-US" dirty="0" smtClean="0"/>
-              <a:t>A Brief </a:t>
-            </a:r>
-            <a:r>
-              <a:rPr lang="en-US" altLang="en-US" dirty="0"/>
-              <a:t>H</a:t>
-            </a:r>
-            <a:r>
-              <a:rPr lang="en-US" altLang="en-US" dirty="0" smtClean="0"/>
-              <a:t>istory </a:t>
+              <a:t>A brief history </a:t>
             </a:r>
             <a:r>
               <a:rPr lang="en-US" altLang="en-US" dirty="0"/>
@@ -24735,8 +28519,8 @@
         </p:nvSpPr>
         <p:spPr bwMode="auto">
           <a:xfrm>
-            <a:off x="5836330" y="5312568"/>
-            <a:ext cx="2078038" cy="336550"/>
+            <a:off x="5836330" y="5252074"/>
+            <a:ext cx="2834879" cy="369332"/>
           </a:xfrm>
           <a:prstGeom prst="rect">
             <a:avLst/>
@@ -24782,12 +28566,20 @@
           <a:lstStyle/>
           <a:p>
             <a:r>
+              <a:rPr lang="en-US" altLang="en-US" b="1" i="0" dirty="0" smtClean="0">
+                <a:solidFill>
+                  <a:srgbClr val="CC0000"/>
+                </a:solidFill>
+              </a:rPr>
+              <a:t>Statistical </a:t>
+            </a:r>
+            <a:r>
               <a:rPr lang="en-US" altLang="en-US" b="1" i="0" dirty="0">
                 <a:solidFill>
                   <a:srgbClr val="CC0000"/>
                 </a:solidFill>
               </a:rPr>
-              <a:t>Stat. language models</a:t>
+              <a:t>language models</a:t>
             </a:r>
           </a:p>
         </p:txBody>
@@ -25182,6 +28974,75 @@
           </a:p>
         </p:txBody>
       </p:sp>
+      <p:sp>
+        <p:nvSpPr>
+          <p:cNvPr id="2" name="Date Placeholder 1"/>
+          <p:cNvSpPr>
+            <a:spLocks noGrp="1"/>
+          </p:cNvSpPr>
+          <p:nvPr>
+            <p:ph type="dt" sz="half" idx="10"/>
+          </p:nvPr>
+        </p:nvSpPr>
+        <p:spPr/>
+        <p:txBody>
+          <a:bodyPr/>
+          <a:lstStyle/>
+          <a:p>
+            <a:r>
+              <a:rPr lang="en-US" smtClean="0"/>
+              <a:t>CS@Uva</a:t>
+            </a:r>
+            <a:endParaRPr lang="en-US"/>
+          </a:p>
+        </p:txBody>
+      </p:sp>
+      <p:sp>
+        <p:nvSpPr>
+          <p:cNvPr id="3" name="Footer Placeholder 2"/>
+          <p:cNvSpPr>
+            <a:spLocks noGrp="1"/>
+          </p:cNvSpPr>
+          <p:nvPr>
+            <p:ph type="ftr" sz="quarter" idx="11"/>
+          </p:nvPr>
+        </p:nvSpPr>
+        <p:spPr/>
+        <p:txBody>
+          <a:bodyPr/>
+          <a:lstStyle/>
+          <a:p>
+            <a:r>
+              <a:rPr lang="en-US" smtClean="0"/>
+              <a:t>CS6501: Text Mining</a:t>
+            </a:r>
+            <a:endParaRPr lang="en-US"/>
+          </a:p>
+        </p:txBody>
+      </p:sp>
+      <p:sp>
+        <p:nvSpPr>
+          <p:cNvPr id="4" name="Slide Number Placeholder 3"/>
+          <p:cNvSpPr>
+            <a:spLocks noGrp="1"/>
+          </p:cNvSpPr>
+          <p:nvPr>
+            <p:ph type="sldNum" sz="quarter" idx="12"/>
+          </p:nvPr>
+        </p:nvSpPr>
+        <p:spPr/>
+        <p:txBody>
+          <a:bodyPr/>
+          <a:lstStyle/>
+          <a:p>
+            <a:fld id="{C6319467-766E-4BB3-8524-6F46E206E21B}" type="slidenum">
+              <a:rPr lang="en-US" smtClean="0"/>
+              <a:t>9</a:t>
+            </a:fld>
+            <a:endParaRPr lang="en-US"/>
+          </a:p>
+        </p:txBody>
+      </p:sp>
     </p:spTree>
     <p:extLst>
       <p:ext uri="{BB962C8B-B14F-4D97-AF65-F5344CB8AC3E}">
@@ -25195,9 +29056,310 @@
   <p:timing>
     <p:tnLst>
       <p:par>
-        <p:cTn id="1" dur="indefinite" restart="never" nodeType="tmRoot"/>
+        <p:cTn id="1" dur="indefinite" restart="never" nodeType="tmRoot">
+          <p:childTnLst>
+            <p:seq concurrent="1" nextAc="seek">
+              <p:cTn id="2" dur="indefinite" nodeType="mainSeq">
+                <p:childTnLst>
+                  <p:par>
+                    <p:cTn id="3" fill="hold">
+                      <p:stCondLst>
+                        <p:cond delay="indefinite"/>
+                      </p:stCondLst>
+                      <p:childTnLst>
+                        <p:par>
+                          <p:cTn id="4" fill="hold">
+                            <p:stCondLst>
+                              <p:cond delay="0"/>
+                            </p:stCondLst>
+                            <p:childTnLst>
+                              <p:par>
+                                <p:cTn id="5" presetID="1" presetClass="entr" presetSubtype="0" fill="hold" grpId="0" nodeType="clickEffect">
+                                  <p:stCondLst>
+                                    <p:cond delay="0"/>
+                                  </p:stCondLst>
+                                  <p:childTnLst>
+                                    <p:set>
+                                      <p:cBhvr>
+                                        <p:cTn id="6" dur="1" fill="hold">
+                                          <p:stCondLst>
+                                            <p:cond delay="0"/>
+                                          </p:stCondLst>
+                                        </p:cTn>
+                                        <p:tgtEl>
+                                          <p:spTgt spid="439304"/>
+                                        </p:tgtEl>
+                                        <p:attrNameLst>
+                                          <p:attrName>style.visibility</p:attrName>
+                                        </p:attrNameLst>
+                                      </p:cBhvr>
+                                      <p:to>
+                                        <p:strVal val="visible"/>
+                                      </p:to>
+                                    </p:set>
+                                  </p:childTnLst>
+                                </p:cTn>
+                              </p:par>
+                            </p:childTnLst>
+                          </p:cTn>
+                        </p:par>
+                      </p:childTnLst>
+                    </p:cTn>
+                  </p:par>
+                  <p:par>
+                    <p:cTn id="7" fill="hold">
+                      <p:stCondLst>
+                        <p:cond delay="indefinite"/>
+                      </p:stCondLst>
+                      <p:childTnLst>
+                        <p:par>
+                          <p:cTn id="8" fill="hold">
+                            <p:stCondLst>
+                              <p:cond delay="0"/>
+                            </p:stCondLst>
+                            <p:childTnLst>
+                              <p:par>
+                                <p:cTn id="9" presetID="1" presetClass="entr" presetSubtype="0" fill="hold" grpId="0" nodeType="clickEffect">
+                                  <p:stCondLst>
+                                    <p:cond delay="0"/>
+                                  </p:stCondLst>
+                                  <p:childTnLst>
+                                    <p:set>
+                                      <p:cBhvr>
+                                        <p:cTn id="10" dur="1" fill="hold">
+                                          <p:stCondLst>
+                                            <p:cond delay="0"/>
+                                          </p:stCondLst>
+                                        </p:cTn>
+                                        <p:tgtEl>
+                                          <p:spTgt spid="439305"/>
+                                        </p:tgtEl>
+                                        <p:attrNameLst>
+                                          <p:attrName>style.visibility</p:attrName>
+                                        </p:attrNameLst>
+                                      </p:cBhvr>
+                                      <p:to>
+                                        <p:strVal val="visible"/>
+                                      </p:to>
+                                    </p:set>
+                                  </p:childTnLst>
+                                </p:cTn>
+                              </p:par>
+                            </p:childTnLst>
+                          </p:cTn>
+                        </p:par>
+                      </p:childTnLst>
+                    </p:cTn>
+                  </p:par>
+                  <p:par>
+                    <p:cTn id="11" fill="hold">
+                      <p:stCondLst>
+                        <p:cond delay="indefinite"/>
+                      </p:stCondLst>
+                      <p:childTnLst>
+                        <p:par>
+                          <p:cTn id="12" fill="hold">
+                            <p:stCondLst>
+                              <p:cond delay="0"/>
+                            </p:stCondLst>
+                            <p:childTnLst>
+                              <p:par>
+                                <p:cTn id="13" presetID="1" presetClass="entr" presetSubtype="0" fill="hold" grpId="0" nodeType="clickEffect">
+                                  <p:stCondLst>
+                                    <p:cond delay="0"/>
+                                  </p:stCondLst>
+                                  <p:childTnLst>
+                                    <p:set>
+                                      <p:cBhvr>
+                                        <p:cTn id="14" dur="1" fill="hold">
+                                          <p:stCondLst>
+                                            <p:cond delay="0"/>
+                                          </p:stCondLst>
+                                        </p:cTn>
+                                        <p:tgtEl>
+                                          <p:spTgt spid="439303"/>
+                                        </p:tgtEl>
+                                        <p:attrNameLst>
+                                          <p:attrName>style.visibility</p:attrName>
+                                        </p:attrNameLst>
+                                      </p:cBhvr>
+                                      <p:to>
+                                        <p:strVal val="visible"/>
+                                      </p:to>
+                                    </p:set>
+                                  </p:childTnLst>
+                                </p:cTn>
+                              </p:par>
+                            </p:childTnLst>
+                          </p:cTn>
+                        </p:par>
+                      </p:childTnLst>
+                    </p:cTn>
+                  </p:par>
+                  <p:par>
+                    <p:cTn id="15" fill="hold">
+                      <p:stCondLst>
+                        <p:cond delay="indefinite"/>
+                      </p:stCondLst>
+                      <p:childTnLst>
+                        <p:par>
+                          <p:cTn id="16" fill="hold">
+                            <p:stCondLst>
+                              <p:cond delay="0"/>
+                            </p:stCondLst>
+                            <p:childTnLst>
+                              <p:par>
+                                <p:cTn id="17" presetID="1" presetClass="entr" presetSubtype="0" fill="hold" grpId="0" nodeType="clickEffect">
+                                  <p:stCondLst>
+                                    <p:cond delay="0"/>
+                                  </p:stCondLst>
+                                  <p:childTnLst>
+                                    <p:set>
+                                      <p:cBhvr>
+                                        <p:cTn id="18" dur="1" fill="hold">
+                                          <p:stCondLst>
+                                            <p:cond delay="0"/>
+                                          </p:stCondLst>
+                                        </p:cTn>
+                                        <p:tgtEl>
+                                          <p:spTgt spid="439301"/>
+                                        </p:tgtEl>
+                                        <p:attrNameLst>
+                                          <p:attrName>style.visibility</p:attrName>
+                                        </p:attrNameLst>
+                                      </p:cBhvr>
+                                      <p:to>
+                                        <p:strVal val="visible"/>
+                                      </p:to>
+                                    </p:set>
+                                  </p:childTnLst>
+                                </p:cTn>
+                              </p:par>
+                            </p:childTnLst>
+                          </p:cTn>
+                        </p:par>
+                      </p:childTnLst>
+                    </p:cTn>
+                  </p:par>
+                  <p:par>
+                    <p:cTn id="19" fill="hold">
+                      <p:stCondLst>
+                        <p:cond delay="indefinite"/>
+                      </p:stCondLst>
+                      <p:childTnLst>
+                        <p:par>
+                          <p:cTn id="20" fill="hold">
+                            <p:stCondLst>
+                              <p:cond delay="0"/>
+                            </p:stCondLst>
+                            <p:childTnLst>
+                              <p:par>
+                                <p:cTn id="21" presetID="1" presetClass="entr" presetSubtype="0" fill="hold" grpId="0" nodeType="clickEffect">
+                                  <p:stCondLst>
+                                    <p:cond delay="0"/>
+                                  </p:stCondLst>
+                                  <p:childTnLst>
+                                    <p:set>
+                                      <p:cBhvr>
+                                        <p:cTn id="22" dur="1" fill="hold">
+                                          <p:stCondLst>
+                                            <p:cond delay="0"/>
+                                          </p:stCondLst>
+                                        </p:cTn>
+                                        <p:tgtEl>
+                                          <p:spTgt spid="439300"/>
+                                        </p:tgtEl>
+                                        <p:attrNameLst>
+                                          <p:attrName>style.visibility</p:attrName>
+                                        </p:attrNameLst>
+                                      </p:cBhvr>
+                                      <p:to>
+                                        <p:strVal val="visible"/>
+                                      </p:to>
+                                    </p:set>
+                                  </p:childTnLst>
+                                </p:cTn>
+                              </p:par>
+                            </p:childTnLst>
+                          </p:cTn>
+                        </p:par>
+                      </p:childTnLst>
+                    </p:cTn>
+                  </p:par>
+                  <p:par>
+                    <p:cTn id="23" fill="hold">
+                      <p:stCondLst>
+                        <p:cond delay="indefinite"/>
+                      </p:stCondLst>
+                      <p:childTnLst>
+                        <p:par>
+                          <p:cTn id="24" fill="hold">
+                            <p:stCondLst>
+                              <p:cond delay="0"/>
+                            </p:stCondLst>
+                            <p:childTnLst>
+                              <p:par>
+                                <p:cTn id="25" presetID="1" presetClass="entr" presetSubtype="0" fill="hold" grpId="0" nodeType="clickEffect">
+                                  <p:stCondLst>
+                                    <p:cond delay="0"/>
+                                  </p:stCondLst>
+                                  <p:childTnLst>
+                                    <p:set>
+                                      <p:cBhvr>
+                                        <p:cTn id="26" dur="1" fill="hold">
+                                          <p:stCondLst>
+                                            <p:cond delay="0"/>
+                                          </p:stCondLst>
+                                        </p:cTn>
+                                        <p:tgtEl>
+                                          <p:spTgt spid="439302"/>
+                                        </p:tgtEl>
+                                        <p:attrNameLst>
+                                          <p:attrName>style.visibility</p:attrName>
+                                        </p:attrNameLst>
+                                      </p:cBhvr>
+                                      <p:to>
+                                        <p:strVal val="visible"/>
+                                      </p:to>
+                                    </p:set>
+                                  </p:childTnLst>
+                                </p:cTn>
+                              </p:par>
+                            </p:childTnLst>
+                          </p:cTn>
+                        </p:par>
+                      </p:childTnLst>
+                    </p:cTn>
+                  </p:par>
+                </p:childTnLst>
+              </p:cTn>
+              <p:prevCondLst>
+                <p:cond evt="onPrev" delay="0">
+                  <p:tgtEl>
+                    <p:sldTgt/>
+                  </p:tgtEl>
+                </p:cond>
+              </p:prevCondLst>
+              <p:nextCondLst>
+                <p:cond evt="onNext" delay="0">
+                  <p:tgtEl>
+                    <p:sldTgt/>
+                  </p:tgtEl>
+                </p:cond>
+              </p:nextCondLst>
+            </p:seq>
+          </p:childTnLst>
+        </p:cTn>
       </p:par>
     </p:tnLst>
+    <p:bldLst>
+      <p:bldP spid="439300" grpId="0"/>
+      <p:bldP spid="439301" grpId="0"/>
+      <p:bldP spid="439302" grpId="0"/>
+      <p:bldP spid="439303" grpId="0"/>
+      <p:bldP spid="439304" grpId="0"/>
+      <p:bldP spid="439305" grpId="0"/>
+    </p:bldLst>
   </p:timing>
 </p:sld>
 </file>
@@ -25490,4 +29652,265 @@
     </a:ext>
   </a:extLst>
 </a:theme>
+</file>
+
+<file path=ppt/theme/theme2.xml><?xml version="1.0" encoding="utf-8"?>
+<a:theme xmlns:a="http://schemas.openxmlformats.org/drawingml/2006/main" name="Office Theme">
+  <a:themeElements>
+    <a:clrScheme name="Office">
+      <a:dk1>
+        <a:sysClr val="windowText" lastClr="000000"/>
+      </a:dk1>
+      <a:lt1>
+        <a:sysClr val="window" lastClr="FFFFFF"/>
+      </a:lt1>
+      <a:dk2>
+        <a:srgbClr val="44546A"/>
+      </a:dk2>
+      <a:lt2>
+        <a:srgbClr val="E7E6E6"/>
+      </a:lt2>
+      <a:accent1>
+        <a:srgbClr val="5B9BD5"/>
+      </a:accent1>
+      <a:accent2>
+        <a:srgbClr val="ED7D31"/>
+      </a:accent2>
+      <a:accent3>
+        <a:srgbClr val="A5A5A5"/>
+      </a:accent3>
+      <a:accent4>
+        <a:srgbClr val="FFC000"/>
+      </a:accent4>
+      <a:accent5>
+        <a:srgbClr val="4472C4"/>
+      </a:accent5>
+      <a:accent6>
+        <a:srgbClr val="70AD47"/>
+      </a:accent6>
+      <a:hlink>
+        <a:srgbClr val="0563C1"/>
+      </a:hlink>
+      <a:folHlink>
+        <a:srgbClr val="954F72"/>
+      </a:folHlink>
+    </a:clrScheme>
+    <a:fontScheme name="Office">
+      <a:majorFont>
+        <a:latin typeface="Calibri Light" panose="020F0302020204030204"/>
+        <a:ea typeface=""/>
+        <a:cs typeface=""/>
+        <a:font script="Jpan" typeface="ＭＳ Ｐゴシック"/>
+        <a:font script="Hang" typeface="맑은 고딕"/>
+        <a:font script="Hans" typeface="宋体"/>
+        <a:font script="Hant" typeface="新細明體"/>
+        <a:font script="Arab" typeface="Times New Roman"/>
+        <a:font script="Hebr" typeface="Times New Roman"/>
+        <a:font script="Thai" typeface="Angsana New"/>
+        <a:font script="Ethi" typeface="Nyala"/>
+        <a:font script="Beng" typeface="Vrinda"/>
+        <a:font script="Gujr" typeface="Shruti"/>
+        <a:font script="Khmr" typeface="MoolBoran"/>
+        <a:font script="Knda" typeface="Tunga"/>
+        <a:font script="Guru" typeface="Raavi"/>
+        <a:font script="Cans" typeface="Euphemia"/>
+        <a:font script="Cher" typeface="Plantagenet Cherokee"/>
+        <a:font script="Yiii" typeface="Microsoft Yi Baiti"/>
+        <a:font script="Tibt" typeface="Microsoft Himalaya"/>
+        <a:font script="Thaa" typeface="MV Boli"/>
+        <a:font script="Deva" typeface="Mangal"/>
+        <a:font script="Telu" typeface="Gautami"/>
+        <a:font script="Taml" typeface="Latha"/>
+        <a:font script="Syrc" typeface="Estrangelo Edessa"/>
+        <a:font script="Orya" typeface="Kalinga"/>
+        <a:font script="Mlym" typeface="Kartika"/>
+        <a:font script="Laoo" typeface="DokChampa"/>
+        <a:font script="Sinh" typeface="Iskoola Pota"/>
+        <a:font script="Mong" typeface="Mongolian Baiti"/>
+        <a:font script="Viet" typeface="Times New Roman"/>
+        <a:font script="Uigh" typeface="Microsoft Uighur"/>
+        <a:font script="Geor" typeface="Sylfaen"/>
+      </a:majorFont>
+      <a:minorFont>
+        <a:latin typeface="Calibri" panose="020F0502020204030204"/>
+        <a:ea typeface=""/>
+        <a:cs typeface=""/>
+        <a:font script="Jpan" typeface="ＭＳ Ｐゴシック"/>
+        <a:font script="Hang" typeface="맑은 고딕"/>
+        <a:font script="Hans" typeface="宋体"/>
+        <a:font script="Hant" typeface="新細明體"/>
+        <a:font script="Arab" typeface="Arial"/>
+        <a:font script="Hebr" typeface="Arial"/>
+        <a:font script="Thai" typeface="Cordia New"/>
+        <a:font script="Ethi" typeface="Nyala"/>
+        <a:font script="Beng" typeface="Vrinda"/>
+        <a:font script="Gujr" typeface="Shruti"/>
+        <a:font script="Khmr" typeface="DaunPenh"/>
+        <a:font script="Knda" typeface="Tunga"/>
+        <a:font script="Guru" typeface="Raavi"/>
+        <a:font script="Cans" typeface="Euphemia"/>
+        <a:font script="Cher" typeface="Plantagenet Cherokee"/>
+        <a:font script="Yiii" typeface="Microsoft Yi Baiti"/>
+        <a:font script="Tibt" typeface="Microsoft Himalaya"/>
+        <a:font script="Thaa" typeface="MV Boli"/>
+        <a:font script="Deva" typeface="Mangal"/>
+        <a:font script="Telu" typeface="Gautami"/>
+        <a:font script="Taml" typeface="Latha"/>
+        <a:font script="Syrc" typeface="Estrangelo Edessa"/>
+        <a:font script="Orya" typeface="Kalinga"/>
+        <a:font script="Mlym" typeface="Kartika"/>
+        <a:font script="Laoo" typeface="DokChampa"/>
+        <a:font script="Sinh" typeface="Iskoola Pota"/>
+        <a:font script="Mong" typeface="Mongolian Baiti"/>
+        <a:font script="Viet" typeface="Arial"/>
+        <a:font script="Uigh" typeface="Microsoft Uighur"/>
+        <a:font script="Geor" typeface="Sylfaen"/>
+      </a:minorFont>
+    </a:fontScheme>
+    <a:fmtScheme name="Office">
+      <a:fillStyleLst>
+        <a:solidFill>
+          <a:schemeClr val="phClr"/>
+        </a:solidFill>
+        <a:gradFill rotWithShape="1">
+          <a:gsLst>
+            <a:gs pos="0">
+              <a:schemeClr val="phClr">
+                <a:lumMod val="110000"/>
+                <a:satMod val="105000"/>
+                <a:tint val="67000"/>
+              </a:schemeClr>
+            </a:gs>
+            <a:gs pos="50000">
+              <a:schemeClr val="phClr">
+                <a:lumMod val="105000"/>
+                <a:satMod val="103000"/>
+                <a:tint val="73000"/>
+              </a:schemeClr>
+            </a:gs>
+            <a:gs pos="100000">
+              <a:schemeClr val="phClr">
+                <a:lumMod val="105000"/>
+                <a:satMod val="109000"/>
+                <a:tint val="81000"/>
+              </a:schemeClr>
+            </a:gs>
+          </a:gsLst>
+          <a:lin ang="5400000" scaled="0"/>
+        </a:gradFill>
+        <a:gradFill rotWithShape="1">
+          <a:gsLst>
+            <a:gs pos="0">
+              <a:schemeClr val="phClr">
+                <a:satMod val="103000"/>
+                <a:lumMod val="102000"/>
+                <a:tint val="94000"/>
+              </a:schemeClr>
+            </a:gs>
+            <a:gs pos="50000">
+              <a:schemeClr val="phClr">
+                <a:satMod val="110000"/>
+                <a:lumMod val="100000"/>
+                <a:shade val="100000"/>
+              </a:schemeClr>
+            </a:gs>
+            <a:gs pos="100000">
+              <a:schemeClr val="phClr">
+                <a:lumMod val="99000"/>
+                <a:satMod val="120000"/>
+                <a:shade val="78000"/>
+              </a:schemeClr>
+            </a:gs>
+          </a:gsLst>
+          <a:lin ang="5400000" scaled="0"/>
+        </a:gradFill>
+      </a:fillStyleLst>
+      <a:lnStyleLst>
+        <a:ln w="6350" cap="flat" cmpd="sng" algn="ctr">
+          <a:solidFill>
+            <a:schemeClr val="phClr"/>
+          </a:solidFill>
+          <a:prstDash val="solid"/>
+          <a:miter lim="800000"/>
+        </a:ln>
+        <a:ln w="12700" cap="flat" cmpd="sng" algn="ctr">
+          <a:solidFill>
+            <a:schemeClr val="phClr"/>
+          </a:solidFill>
+          <a:prstDash val="solid"/>
+          <a:miter lim="800000"/>
+        </a:ln>
+        <a:ln w="19050" cap="flat" cmpd="sng" algn="ctr">
+          <a:solidFill>
+            <a:schemeClr val="phClr"/>
+          </a:solidFill>
+          <a:prstDash val="solid"/>
+          <a:miter lim="800000"/>
+        </a:ln>
+      </a:lnStyleLst>
+      <a:effectStyleLst>
+        <a:effectStyle>
+          <a:effectLst/>
+        </a:effectStyle>
+        <a:effectStyle>
+          <a:effectLst/>
+        </a:effectStyle>
+        <a:effectStyle>
+          <a:effectLst>
+            <a:outerShdw blurRad="57150" dist="19050" dir="5400000" algn="ctr" rotWithShape="0">
+              <a:srgbClr val="000000">
+                <a:alpha val="63000"/>
+              </a:srgbClr>
+            </a:outerShdw>
+          </a:effectLst>
+        </a:effectStyle>
+      </a:effectStyleLst>
+      <a:bgFillStyleLst>
+        <a:solidFill>
+          <a:schemeClr val="phClr"/>
+        </a:solidFill>
+        <a:solidFill>
+          <a:schemeClr val="phClr">
+            <a:tint val="95000"/>
+            <a:satMod val="170000"/>
+          </a:schemeClr>
+        </a:solidFill>
+        <a:gradFill rotWithShape="1">
+          <a:gsLst>
+            <a:gs pos="0">
+              <a:schemeClr val="phClr">
+                <a:tint val="93000"/>
+                <a:satMod val="150000"/>
+                <a:shade val="98000"/>
+                <a:lumMod val="102000"/>
+              </a:schemeClr>
+            </a:gs>
+            <a:gs pos="50000">
+              <a:schemeClr val="phClr">
+                <a:tint val="98000"/>
+                <a:satMod val="130000"/>
+                <a:shade val="90000"/>
+                <a:lumMod val="103000"/>
+              </a:schemeClr>
+            </a:gs>
+            <a:gs pos="100000">
+              <a:schemeClr val="phClr">
+                <a:shade val="63000"/>
+                <a:satMod val="120000"/>
+              </a:schemeClr>
+            </a:gs>
+          </a:gsLst>
+          <a:lin ang="5400000" scaled="0"/>
+        </a:gradFill>
+      </a:bgFillStyleLst>
+    </a:fmtScheme>
+  </a:themeElements>
+  <a:objectDefaults/>
+  <a:extraClrSchemeLst/>
+  <a:extLst>
+    <a:ext uri="{05A4C25C-085E-4340-85A3-A5531E510DB2}">
+      <thm15:themeFamily xmlns:thm15="http://schemas.microsoft.com/office/thememl/2012/main" name="Office Theme" id="{62F939B6-93AF-4DB8-9C6B-D6C7DFDC589F}" vid="{4A3C46E8-61CC-4603-A589-7422A47A8E4A}"/>
+    </a:ext>
+  </a:extLst>
+</a:theme>
 </file>
--- a/_site/docs/IntroductionToNLP.pptx
+++ b/_site/docs/IntroductionToNLP.pptx
@@ -5,7 +5,7 @@
     <p:sldMasterId id="2147483660" r:id="rId1"/>
   </p:sldMasterIdLst>
   <p:notesMasterIdLst>
-    <p:notesMasterId r:id="rId28"/>
+    <p:notesMasterId r:id="rId29"/>
   </p:notesMasterIdLst>
   <p:sldIdLst>
     <p:sldId id="256" r:id="rId2"/>
@@ -34,6 +34,7 @@
     <p:sldId id="282" r:id="rId25"/>
     <p:sldId id="283" r:id="rId26"/>
     <p:sldId id="284" r:id="rId27"/>
+    <p:sldId id="285" r:id="rId28"/>
   </p:sldIdLst>
   <p:sldSz cx="9144000" cy="6858000" type="screen4x3"/>
   <p:notesSz cx="6858000" cy="9144000"/>
@@ -233,7 +234,7 @@
           <a:p>
             <a:fld id="{9C3AF73C-47D0-408A-A316-4F128BDA93A6}" type="datetimeFigureOut">
               <a:rPr lang="en-US" smtClean="0"/>
-              <a:t>1/17/2015</a:t>
+              <a:t>1/28/2015</a:t>
             </a:fld>
             <a:endParaRPr lang="en-US"/>
           </a:p>
@@ -818,6 +819,90 @@
           <a:p>
             <a:fld id="{38292CC0-F4A6-4099-AC4A-BA2AE6F11F12}" type="slidenum">
               <a:rPr lang="en-US" smtClean="0"/>
+              <a:t>16</a:t>
+            </a:fld>
+            <a:endParaRPr lang="en-US"/>
+          </a:p>
+        </p:txBody>
+      </p:sp>
+    </p:spTree>
+    <p:extLst>
+      <p:ext uri="{BB962C8B-B14F-4D97-AF65-F5344CB8AC3E}">
+        <p14:creationId xmlns:p14="http://schemas.microsoft.com/office/powerpoint/2010/main" val="3530002597"/>
+      </p:ext>
+    </p:extLst>
+  </p:cSld>
+  <p:clrMapOvr>
+    <a:masterClrMapping/>
+  </p:clrMapOvr>
+</p:notes>
+</file>
+
+<file path=ppt/notesSlides/notesSlide5.xml><?xml version="1.0" encoding="utf-8"?>
+<p:notes xmlns:a="http://schemas.openxmlformats.org/drawingml/2006/main" xmlns:r="http://schemas.openxmlformats.org/officeDocument/2006/relationships" xmlns:p="http://schemas.openxmlformats.org/presentationml/2006/main">
+  <p:cSld>
+    <p:spTree>
+      <p:nvGrpSpPr>
+        <p:cNvPr id="1" name=""/>
+        <p:cNvGrpSpPr/>
+        <p:nvPr/>
+      </p:nvGrpSpPr>
+      <p:grpSpPr>
+        <a:xfrm>
+          <a:off x="0" y="0"/>
+          <a:ext cx="0" cy="0"/>
+          <a:chOff x="0" y="0"/>
+          <a:chExt cx="0" cy="0"/>
+        </a:xfrm>
+      </p:grpSpPr>
+      <p:sp>
+        <p:nvSpPr>
+          <p:cNvPr id="2" name="Slide Image Placeholder 1"/>
+          <p:cNvSpPr>
+            <a:spLocks noGrp="1" noRot="1" noChangeAspect="1"/>
+          </p:cNvSpPr>
+          <p:nvPr>
+            <p:ph type="sldImg"/>
+          </p:nvPr>
+        </p:nvSpPr>
+        <p:spPr/>
+      </p:sp>
+      <p:sp>
+        <p:nvSpPr>
+          <p:cNvPr id="3" name="Notes Placeholder 2"/>
+          <p:cNvSpPr>
+            <a:spLocks noGrp="1"/>
+          </p:cNvSpPr>
+          <p:nvPr>
+            <p:ph type="body" idx="1"/>
+          </p:nvPr>
+        </p:nvSpPr>
+        <p:spPr/>
+        <p:txBody>
+          <a:bodyPr/>
+          <a:lstStyle/>
+          <a:p>
+            <a:endParaRPr lang="en-US"/>
+          </a:p>
+        </p:txBody>
+      </p:sp>
+      <p:sp>
+        <p:nvSpPr>
+          <p:cNvPr id="4" name="Slide Number Placeholder 3"/>
+          <p:cNvSpPr>
+            <a:spLocks noGrp="1"/>
+          </p:cNvSpPr>
+          <p:nvPr>
+            <p:ph type="sldNum" sz="quarter" idx="10"/>
+          </p:nvPr>
+        </p:nvSpPr>
+        <p:spPr/>
+        <p:txBody>
+          <a:bodyPr/>
+          <a:lstStyle/>
+          <a:p>
+            <a:fld id="{38292CC0-F4A6-4099-AC4A-BA2AE6F11F12}" type="slidenum">
+              <a:rPr lang="en-US" smtClean="0"/>
               <a:t>26</a:t>
             </a:fld>
             <a:endParaRPr lang="en-US"/>
@@ -1018,7 +1103,7 @@
           <a:p>
             <a:r>
               <a:rPr lang="en-US" smtClean="0"/>
-              <a:t>CS@Uva</a:t>
+              <a:t>CS@UVa</a:t>
             </a:r>
             <a:endParaRPr lang="en-US"/>
           </a:p>
@@ -1192,7 +1277,7 @@
           <a:p>
             <a:r>
               <a:rPr lang="en-US" smtClean="0"/>
-              <a:t>CS@Uva</a:t>
+              <a:t>CS@UVa</a:t>
             </a:r>
             <a:endParaRPr lang="en-US"/>
           </a:p>
@@ -1376,7 +1461,7 @@
           <a:p>
             <a:r>
               <a:rPr lang="en-US" smtClean="0"/>
-              <a:t>CS@Uva</a:t>
+              <a:t>CS@UVa</a:t>
             </a:r>
             <a:endParaRPr lang="en-US"/>
           </a:p>
@@ -1550,7 +1635,7 @@
           <a:p>
             <a:r>
               <a:rPr lang="en-US" smtClean="0"/>
-              <a:t>CS@Uva</a:t>
+              <a:t>CS@UVa</a:t>
             </a:r>
             <a:endParaRPr lang="en-US"/>
           </a:p>
@@ -1800,7 +1885,7 @@
           <a:p>
             <a:r>
               <a:rPr lang="en-US" smtClean="0"/>
-              <a:t>CS@Uva</a:t>
+              <a:t>CS@UVa</a:t>
             </a:r>
             <a:endParaRPr lang="en-US"/>
           </a:p>
@@ -2092,7 +2177,7 @@
           <a:p>
             <a:r>
               <a:rPr lang="en-US" smtClean="0"/>
-              <a:t>CS@Uva</a:t>
+              <a:t>CS@UVa</a:t>
             </a:r>
             <a:endParaRPr lang="en-US"/>
           </a:p>
@@ -2518,7 +2603,7 @@
           <a:p>
             <a:r>
               <a:rPr lang="en-US" smtClean="0"/>
-              <a:t>CS@Uva</a:t>
+              <a:t>CS@UVa</a:t>
             </a:r>
             <a:endParaRPr lang="en-US"/>
           </a:p>
@@ -2640,7 +2725,7 @@
           <a:p>
             <a:r>
               <a:rPr lang="en-US" smtClean="0"/>
-              <a:t>CS@Uva</a:t>
+              <a:t>CS@UVa</a:t>
             </a:r>
             <a:endParaRPr lang="en-US"/>
           </a:p>
@@ -2739,7 +2824,7 @@
           <a:p>
             <a:r>
               <a:rPr lang="en-US" smtClean="0"/>
-              <a:t>CS@Uva</a:t>
+              <a:t>CS@UVa</a:t>
             </a:r>
             <a:endParaRPr lang="en-US"/>
           </a:p>
@@ -3020,7 +3105,7 @@
           <a:p>
             <a:r>
               <a:rPr lang="en-US" smtClean="0"/>
-              <a:t>CS@Uva</a:t>
+              <a:t>CS@UVa</a:t>
             </a:r>
             <a:endParaRPr lang="en-US"/>
           </a:p>
@@ -3281,7 +3366,7 @@
           <a:p>
             <a:r>
               <a:rPr lang="en-US" smtClean="0"/>
-              <a:t>CS@Uva</a:t>
+              <a:t>CS@UVa</a:t>
             </a:r>
             <a:endParaRPr lang="en-US"/>
           </a:p>
@@ -3498,7 +3583,7 @@
           <a:p>
             <a:r>
               <a:rPr lang="en-US" smtClean="0"/>
-              <a:t>CS@Uva</a:t>
+              <a:t>CS@UVa</a:t>
             </a:r>
             <a:endParaRPr lang="en-US"/>
           </a:p>
@@ -6477,7 +6562,7 @@
           <a:graphicData uri="http://schemas.openxmlformats.org/presentationml/2006/ole">
             <mc:AlternateContent xmlns:mc="http://schemas.openxmlformats.org/markup-compatibility/2006">
               <mc:Choice xmlns:v="urn:schemas-microsoft-com:vml" Requires="v">
-                <p:oleObj spid="_x0000_s8205" name="Photo Editor Photo" r:id="rId3" imgW="1457143" imgH="1428949" progId="MSPhotoEd.3">
+                <p:oleObj spid="_x0000_s8208" name="Photo Editor Photo" r:id="rId3" imgW="1457143" imgH="1428949" progId="MSPhotoEd.3">
                   <p:embed/>
                 </p:oleObj>
               </mc:Choice>
@@ -7839,7 +7924,7 @@
           <a:p>
             <a:r>
               <a:rPr lang="en-US" smtClean="0"/>
-              <a:t>CS@Uva</a:t>
+              <a:t>CS@UVa</a:t>
             </a:r>
             <a:endParaRPr lang="en-US"/>
           </a:p>
@@ -8395,7 +8480,7 @@
           <a:p>
             <a:r>
               <a:rPr lang="en-US" smtClean="0"/>
-              <a:t>CS@Uva</a:t>
+              <a:t>CS@UVa</a:t>
             </a:r>
             <a:endParaRPr lang="en-US"/>
           </a:p>
@@ -8817,7 +8902,7 @@
           <a:p>
             <a:r>
               <a:rPr lang="en-US" smtClean="0"/>
-              <a:t>CS@Uva</a:t>
+              <a:t>CS@UVa</a:t>
             </a:r>
             <a:endParaRPr lang="en-US"/>
           </a:p>
@@ -9084,7 +9169,7 @@
           <a:p>
             <a:r>
               <a:rPr lang="en-US" smtClean="0"/>
-              <a:t>CS@Uva</a:t>
+              <a:t>CS@UVa</a:t>
             </a:r>
             <a:endParaRPr lang="en-US"/>
           </a:p>
@@ -9356,7 +9441,7 @@
           <a:p>
             <a:r>
               <a:rPr lang="en-US" smtClean="0"/>
-              <a:t>CS@Uva</a:t>
+              <a:t>CS@UVa</a:t>
             </a:r>
             <a:endParaRPr lang="en-US"/>
           </a:p>
@@ -9661,7 +9746,7 @@
           <a:p>
             <a:r>
               <a:rPr lang="en-US" smtClean="0"/>
-              <a:t>CS@Uva</a:t>
+              <a:t>CS@UVa</a:t>
             </a:r>
             <a:endParaRPr lang="en-US"/>
           </a:p>
@@ -10176,7 +10261,7 @@
           <a:p>
             <a:r>
               <a:rPr lang="en-US" smtClean="0"/>
-              <a:t>CS@Uva</a:t>
+              <a:t>CS@UVa</a:t>
             </a:r>
             <a:endParaRPr lang="en-US"/>
           </a:p>
@@ -12027,7 +12112,7 @@
           <a:p>
             <a:r>
               <a:rPr lang="en-US" smtClean="0"/>
-              <a:t>CS@Uva</a:t>
+              <a:t>CS@UVa</a:t>
             </a:r>
             <a:endParaRPr lang="en-US"/>
           </a:p>
@@ -12538,7 +12623,7 @@
           <a:p>
             <a:r>
               <a:rPr lang="en-US" smtClean="0"/>
-              <a:t>CS@Uva</a:t>
+              <a:t>CS@UVa</a:t>
             </a:r>
             <a:endParaRPr lang="en-US"/>
           </a:p>
@@ -15547,7 +15632,7 @@
           <a:p>
             <a:r>
               <a:rPr lang="en-US" smtClean="0"/>
-              <a:t>CS@Uva</a:t>
+              <a:t>CS@UVa</a:t>
             </a:r>
             <a:endParaRPr lang="en-US"/>
           </a:p>
@@ -16176,7 +16261,7 @@
           <a:p>
             <a:r>
               <a:rPr lang="en-US" smtClean="0"/>
-              <a:t>CS@Uva</a:t>
+              <a:t>CS@UVa</a:t>
             </a:r>
             <a:endParaRPr lang="en-US"/>
           </a:p>
@@ -17390,7 +17475,7 @@
           <a:p>
             <a:r>
               <a:rPr lang="en-US" smtClean="0"/>
-              <a:t>CS@Uva</a:t>
+              <a:t>CS@UVa</a:t>
             </a:r>
             <a:endParaRPr lang="en-US"/>
           </a:p>
@@ -18032,7 +18117,7 @@
           <a:p>
             <a:r>
               <a:rPr lang="en-US" smtClean="0"/>
-              <a:t>CS@Uva</a:t>
+              <a:t>CS@UVa</a:t>
             </a:r>
             <a:endParaRPr lang="en-US"/>
           </a:p>
@@ -18296,7 +18381,11 @@
           <a:p>
             <a:r>
               <a:rPr lang="en-US" dirty="0"/>
-              <a:t>Did Carl Lewis break any world records</a:t>
+              <a:t>Did Carl Lewis break any </a:t>
+            </a:r>
+            <a:r>
+              <a:rPr lang="en-US" dirty="0" smtClean="0"/>
+              <a:t>records</a:t>
             </a:r>
             <a:r>
               <a:rPr lang="en-US" dirty="0" smtClean="0"/>
@@ -18347,7 +18436,7 @@
           <a:p>
             <a:r>
               <a:rPr lang="en-US" smtClean="0"/>
-              <a:t>CS@Uva</a:t>
+              <a:t>CS@UVa</a:t>
             </a:r>
             <a:endParaRPr lang="en-US"/>
           </a:p>
@@ -18854,7 +18943,7 @@
           <a:p>
             <a:r>
               <a:rPr lang="en-US" smtClean="0"/>
-              <a:t>CS@Uva</a:t>
+              <a:t>CS@UVa</a:t>
             </a:r>
             <a:endParaRPr lang="en-US"/>
           </a:p>
@@ -19107,8 +19196,13 @@
             </a:pPr>
             <a:r>
               <a:rPr lang="en-US" altLang="en-US" sz="2800" dirty="0"/>
-              <a:t>Better NLP =&gt; Better Text Management</a:t>
-            </a:r>
+              <a:t>Better NLP =&gt; Better </a:t>
+            </a:r>
+            <a:r>
+              <a:rPr lang="en-US" altLang="en-US" sz="2800" dirty="0" smtClean="0"/>
+              <a:t>text mining</a:t>
+            </a:r>
+            <a:endParaRPr lang="en-US" altLang="en-US" sz="2800" dirty="0"/>
           </a:p>
           <a:p>
             <a:pPr>
@@ -19126,8 +19220,13 @@
             </a:pPr>
             <a:r>
               <a:rPr lang="en-US" altLang="en-US" sz="2800" dirty="0"/>
-              <a:t>Bad NLP =&gt; Bad Text Management?</a:t>
-            </a:r>
+              <a:t>Bad NLP =&gt; Bad </a:t>
+            </a:r>
+            <a:r>
+              <a:rPr lang="en-US" altLang="en-US" sz="2800" dirty="0" smtClean="0"/>
+              <a:t>text mining?</a:t>
+            </a:r>
+            <a:endParaRPr lang="en-US" altLang="en-US" sz="2800" dirty="0"/>
           </a:p>
         </p:txBody>
       </p:sp>
@@ -19460,7 +19559,7 @@
           <a:p>
             <a:r>
               <a:rPr lang="en-US" smtClean="0"/>
-              <a:t>CS@Uva</a:t>
+              <a:t>CS@UVa</a:t>
             </a:r>
             <a:endParaRPr lang="en-US"/>
           </a:p>
@@ -20659,7 +20758,7 @@
           <a:p>
             <a:r>
               <a:rPr lang="en-US" smtClean="0"/>
-              <a:t>CS@Uva</a:t>
+              <a:t>CS@UVa</a:t>
             </a:r>
             <a:endParaRPr lang="en-US"/>
           </a:p>
@@ -20820,15 +20919,8 @@
               </a:rPr>
               <a:t>need for high robustness and efficiency implies the dominant use of </a:t>
             </a:r>
-          </a:p>
-          <a:p>
-            <a:pPr>
-              <a:lnSpc>
-                <a:spcPct val="90000"/>
-              </a:lnSpc>
-            </a:pPr>
-            <a:r>
-              <a:rPr lang="en-US" altLang="en-US" sz="2800" u="sng" dirty="0">
+            <a:r>
+              <a:rPr lang="en-US" altLang="en-US" sz="2800" u="sng" dirty="0" smtClean="0">
                 <a:solidFill>
                   <a:schemeClr val="tx1"/>
                 </a:solidFill>
@@ -20928,7 +21020,7 @@
           <a:p>
             <a:r>
               <a:rPr lang="en-US" smtClean="0"/>
-              <a:t>CS@Uva</a:t>
+              <a:t>CS@UVa</a:t>
             </a:r>
             <a:endParaRPr lang="en-US"/>
           </a:p>
@@ -20984,6 +21076,170 @@
     <p:extLst>
       <p:ext uri="{BB962C8B-B14F-4D97-AF65-F5344CB8AC3E}">
         <p14:creationId xmlns:p14="http://schemas.microsoft.com/office/powerpoint/2010/main" val="1642257670"/>
+      </p:ext>
+    </p:extLst>
+  </p:cSld>
+  <p:clrMapOvr>
+    <a:masterClrMapping/>
+  </p:clrMapOvr>
+  <p:timing>
+    <p:tnLst>
+      <p:par>
+        <p:cTn id="1" dur="indefinite" restart="never" nodeType="tmRoot"/>
+      </p:par>
+    </p:tnLst>
+  </p:timing>
+</p:sld>
+</file>
+
+<file path=ppt/slides/slide27.xml><?xml version="1.0" encoding="utf-8"?>
+<p:sld xmlns:a="http://schemas.openxmlformats.org/drawingml/2006/main" xmlns:r="http://schemas.openxmlformats.org/officeDocument/2006/relationships" xmlns:p="http://schemas.openxmlformats.org/presentationml/2006/main">
+  <p:cSld>
+    <p:spTree>
+      <p:nvGrpSpPr>
+        <p:cNvPr id="1" name=""/>
+        <p:cNvGrpSpPr/>
+        <p:nvPr/>
+      </p:nvGrpSpPr>
+      <p:grpSpPr>
+        <a:xfrm>
+          <a:off x="0" y="0"/>
+          <a:ext cx="0" cy="0"/>
+          <a:chOff x="0" y="0"/>
+          <a:chExt cx="0" cy="0"/>
+        </a:xfrm>
+      </p:grpSpPr>
+      <p:sp>
+        <p:nvSpPr>
+          <p:cNvPr id="5" name="Title 4"/>
+          <p:cNvSpPr>
+            <a:spLocks noGrp="1"/>
+          </p:cNvSpPr>
+          <p:nvPr>
+            <p:ph type="title"/>
+          </p:nvPr>
+        </p:nvSpPr>
+        <p:spPr/>
+        <p:txBody>
+          <a:bodyPr/>
+          <a:lstStyle/>
+          <a:p>
+            <a:r>
+              <a:rPr lang="en-US" dirty="0" smtClean="0"/>
+              <a:t>What you should know</a:t>
+            </a:r>
+            <a:endParaRPr lang="en-US" dirty="0"/>
+          </a:p>
+        </p:txBody>
+      </p:sp>
+      <p:sp>
+        <p:nvSpPr>
+          <p:cNvPr id="6" name="Content Placeholder 5"/>
+          <p:cNvSpPr>
+            <a:spLocks noGrp="1"/>
+          </p:cNvSpPr>
+          <p:nvPr>
+            <p:ph idx="1"/>
+          </p:nvPr>
+        </p:nvSpPr>
+        <p:spPr/>
+        <p:txBody>
+          <a:bodyPr/>
+          <a:lstStyle/>
+          <a:p>
+            <a:r>
+              <a:rPr lang="en-US" dirty="0" smtClean="0"/>
+              <a:t>Challenges in NLP</a:t>
+            </a:r>
+          </a:p>
+          <a:p>
+            <a:r>
+              <a:rPr lang="en-US" dirty="0" smtClean="0"/>
+              <a:t>Different levels of NLP</a:t>
+            </a:r>
+          </a:p>
+          <a:p>
+            <a:r>
+              <a:rPr lang="en-US" dirty="0" smtClean="0"/>
+              <a:t>NLP pipeline</a:t>
+            </a:r>
+            <a:endParaRPr lang="en-US" dirty="0"/>
+          </a:p>
+        </p:txBody>
+      </p:sp>
+      <p:sp>
+        <p:nvSpPr>
+          <p:cNvPr id="2" name="Date Placeholder 1"/>
+          <p:cNvSpPr>
+            <a:spLocks noGrp="1"/>
+          </p:cNvSpPr>
+          <p:nvPr>
+            <p:ph type="dt" sz="half" idx="10"/>
+          </p:nvPr>
+        </p:nvSpPr>
+        <p:spPr/>
+        <p:txBody>
+          <a:bodyPr/>
+          <a:lstStyle/>
+          <a:p>
+            <a:r>
+              <a:rPr lang="en-US" smtClean="0"/>
+              <a:t>CS@UVa</a:t>
+            </a:r>
+            <a:endParaRPr lang="en-US"/>
+          </a:p>
+        </p:txBody>
+      </p:sp>
+      <p:sp>
+        <p:nvSpPr>
+          <p:cNvPr id="3" name="Footer Placeholder 2"/>
+          <p:cNvSpPr>
+            <a:spLocks noGrp="1"/>
+          </p:cNvSpPr>
+          <p:nvPr>
+            <p:ph type="ftr" sz="quarter" idx="11"/>
+          </p:nvPr>
+        </p:nvSpPr>
+        <p:spPr/>
+        <p:txBody>
+          <a:bodyPr/>
+          <a:lstStyle/>
+          <a:p>
+            <a:r>
+              <a:rPr lang="en-US" smtClean="0"/>
+              <a:t>CS6501: Text Mining</a:t>
+            </a:r>
+            <a:endParaRPr lang="en-US"/>
+          </a:p>
+        </p:txBody>
+      </p:sp>
+      <p:sp>
+        <p:nvSpPr>
+          <p:cNvPr id="4" name="Slide Number Placeholder 3"/>
+          <p:cNvSpPr>
+            <a:spLocks noGrp="1"/>
+          </p:cNvSpPr>
+          <p:nvPr>
+            <p:ph type="sldNum" sz="quarter" idx="12"/>
+          </p:nvPr>
+        </p:nvSpPr>
+        <p:spPr/>
+        <p:txBody>
+          <a:bodyPr/>
+          <a:lstStyle/>
+          <a:p>
+            <a:fld id="{C6319467-766E-4BB3-8524-6F46E206E21B}" type="slidenum">
+              <a:rPr lang="en-US" smtClean="0"/>
+              <a:t>27</a:t>
+            </a:fld>
+            <a:endParaRPr lang="en-US"/>
+          </a:p>
+        </p:txBody>
+      </p:sp>
+    </p:spTree>
+    <p:extLst>
+      <p:ext uri="{BB962C8B-B14F-4D97-AF65-F5344CB8AC3E}">
+        <p14:creationId xmlns:p14="http://schemas.microsoft.com/office/powerpoint/2010/main" val="2059816430"/>
       </p:ext>
     </p:extLst>
   </p:cSld>
@@ -23577,7 +23833,7 @@
             <a:graphicData uri="http://schemas.openxmlformats.org/presentationml/2006/ole">
               <mc:AlternateContent xmlns:mc="http://schemas.openxmlformats.org/markup-compatibility/2006">
                 <mc:Choice xmlns:v="urn:schemas-microsoft-com:vml" Requires="v">
-                  <p:oleObj spid="_x0000_s1037" name="Photo Editor Photo" r:id="rId3" imgW="1457143" imgH="1428949" progId="MSPhotoEd.3">
+                  <p:oleObj spid="_x0000_s1040" name="Photo Editor Photo" r:id="rId3" imgW="1457143" imgH="1428949" progId="MSPhotoEd.3">
                     <p:embed/>
                   </p:oleObj>
                 </mc:Choice>
@@ -25387,7 +25643,7 @@
           <a:p>
             <a:r>
               <a:rPr lang="en-US" smtClean="0"/>
-              <a:t>CS@Uva</a:t>
+              <a:t>CS@UVa</a:t>
             </a:r>
             <a:endParaRPr lang="en-US"/>
           </a:p>
@@ -26188,7 +26444,7 @@
           <a:p>
             <a:r>
               <a:rPr lang="en-US" smtClean="0"/>
-              <a:t>CS@Uva</a:t>
+              <a:t>CS@UVa</a:t>
             </a:r>
             <a:endParaRPr lang="en-US"/>
           </a:p>
@@ -26798,7 +27054,7 @@
           <a:p>
             <a:r>
               <a:rPr lang="en-US" smtClean="0"/>
-              <a:t>CS@Uva</a:t>
+              <a:t>CS@UVa</a:t>
             </a:r>
             <a:endParaRPr lang="en-US"/>
           </a:p>
@@ -27245,7 +27501,7 @@
           <a:p>
             <a:r>
               <a:rPr lang="en-US" smtClean="0"/>
-              <a:t>CS@Uva</a:t>
+              <a:t>CS@UVa</a:t>
             </a:r>
             <a:endParaRPr lang="en-US"/>
           </a:p>
@@ -27658,7 +27914,7 @@
           <a:p>
             <a:r>
               <a:rPr lang="en-US" smtClean="0"/>
-              <a:t>CS@Uva</a:t>
+              <a:t>CS@UVa</a:t>
             </a:r>
             <a:endParaRPr lang="en-US"/>
           </a:p>
@@ -28132,7 +28388,7 @@
           <a:p>
             <a:r>
               <a:rPr lang="en-US" smtClean="0"/>
-              <a:t>CS@Uva</a:t>
+              <a:t>CS@UVa</a:t>
             </a:r>
             <a:endParaRPr lang="en-US"/>
           </a:p>
@@ -28991,7 +29247,7 @@
           <a:p>
             <a:r>
               <a:rPr lang="en-US" smtClean="0"/>
-              <a:t>CS@Uva</a:t>
+              <a:t>CS@UVa</a:t>
             </a:r>
             <a:endParaRPr lang="en-US"/>
           </a:p>

--- a/_site/docs/IntroductionToNLP.pptx
+++ b/_site/docs/IntroductionToNLP.pptx
@@ -234,7 +234,7 @@
           <a:p>
             <a:fld id="{9C3AF73C-47D0-408A-A316-4F128BDA93A6}" type="datetimeFigureOut">
               <a:rPr lang="en-US" smtClean="0"/>
-              <a:t>1/28/2015</a:t>
+              <a:t>2/2/2015</a:t>
             </a:fld>
             <a:endParaRPr lang="en-US"/>
           </a:p>
@@ -6562,7 +6562,7 @@
           <a:graphicData uri="http://schemas.openxmlformats.org/presentationml/2006/ole">
             <mc:AlternateContent xmlns:mc="http://schemas.openxmlformats.org/markup-compatibility/2006">
               <mc:Choice xmlns:v="urn:schemas-microsoft-com:vml" Requires="v">
-                <p:oleObj spid="_x0000_s8208" name="Photo Editor Photo" r:id="rId3" imgW="1457143" imgH="1428949" progId="MSPhotoEd.3">
+                <p:oleObj spid="_x0000_s8210" name="Photo Editor Photo" r:id="rId3" imgW="1457143" imgH="1428949" progId="MSPhotoEd.3">
                   <p:embed/>
                 </p:oleObj>
               </mc:Choice>
@@ -18385,11 +18385,7 @@
             </a:r>
             <a:r>
               <a:rPr lang="en-US" dirty="0" smtClean="0"/>
-              <a:t>records</a:t>
-            </a:r>
-            <a:r>
-              <a:rPr lang="en-US" dirty="0" smtClean="0"/>
-              <a:t>?</a:t>
+              <a:t>records?</a:t>
             </a:r>
             <a:endParaRPr lang="en-US" dirty="0"/>
           </a:p>
@@ -18647,9 +18643,10 @@
               </a:lnSpc>
             </a:pPr>
             <a:r>
-              <a:rPr lang="en-US" altLang="en-US" sz="2400" dirty="0"/>
-              <a:t>Text mining</a:t>
-            </a:r>
+              <a:rPr lang="en-US" altLang="en-US" sz="2400" dirty="0" smtClean="0"/>
+              <a:t>Topic modeling</a:t>
+            </a:r>
+            <a:endParaRPr lang="en-US" altLang="en-US" sz="2400" dirty="0"/>
           </a:p>
           <a:p>
             <a:pPr lvl="1">
@@ -20925,15 +20922,7 @@
                   <a:schemeClr val="tx1"/>
                 </a:solidFill>
               </a:rPr>
-              <a:t>simple </a:t>
-            </a:r>
-            <a:r>
-              <a:rPr lang="en-US" altLang="en-US" sz="2800" u="sng" dirty="0" smtClean="0">
-                <a:solidFill>
-                  <a:schemeClr val="tx1"/>
-                </a:solidFill>
-              </a:rPr>
-              <a:t>models</a:t>
+              <a:t>simple models</a:t>
             </a:r>
             <a:endParaRPr lang="en-US" altLang="en-US" sz="2800" u="sng" dirty="0">
               <a:solidFill>
@@ -23833,7 +23822,7 @@
             <a:graphicData uri="http://schemas.openxmlformats.org/presentationml/2006/ole">
               <mc:AlternateContent xmlns:mc="http://schemas.openxmlformats.org/markup-compatibility/2006">
                 <mc:Choice xmlns:v="urn:schemas-microsoft-com:vml" Requires="v">
-                  <p:oleObj spid="_x0000_s1040" name="Photo Editor Photo" r:id="rId3" imgW="1457143" imgH="1428949" progId="MSPhotoEd.3">
+                  <p:oleObj spid="_x0000_s1042" name="Photo Editor Photo" r:id="rId3" imgW="1457143" imgH="1428949" progId="MSPhotoEd.3">
                     <p:embed/>
                   </p:oleObj>
                 </mc:Choice>

--- a/_site/docs/IntroductionToNLP.pptx
+++ b/_site/docs/IntroductionToNLP.pptx
@@ -5,7 +5,7 @@
     <p:sldMasterId id="2147483660" r:id="rId1"/>
   </p:sldMasterIdLst>
   <p:notesMasterIdLst>
-    <p:notesMasterId r:id="rId29"/>
+    <p:notesMasterId r:id="rId30"/>
   </p:notesMasterIdLst>
   <p:sldIdLst>
     <p:sldId id="256" r:id="rId2"/>
@@ -30,11 +30,12 @@
     <p:sldId id="277" r:id="rId21"/>
     <p:sldId id="278" r:id="rId22"/>
     <p:sldId id="279" r:id="rId23"/>
-    <p:sldId id="281" r:id="rId24"/>
-    <p:sldId id="282" r:id="rId25"/>
-    <p:sldId id="283" r:id="rId26"/>
-    <p:sldId id="284" r:id="rId27"/>
-    <p:sldId id="285" r:id="rId28"/>
+    <p:sldId id="286" r:id="rId24"/>
+    <p:sldId id="281" r:id="rId25"/>
+    <p:sldId id="282" r:id="rId26"/>
+    <p:sldId id="283" r:id="rId27"/>
+    <p:sldId id="284" r:id="rId28"/>
+    <p:sldId id="285" r:id="rId29"/>
   </p:sldIdLst>
   <p:sldSz cx="9144000" cy="6858000" type="screen4x3"/>
   <p:notesSz cx="6858000" cy="9144000"/>
@@ -234,7 +235,7 @@
           <a:p>
             <a:fld id="{9C3AF73C-47D0-408A-A316-4F128BDA93A6}" type="datetimeFigureOut">
               <a:rPr lang="en-US" smtClean="0"/>
-              <a:t>2/2/2015</a:t>
+              <a:t>2/4/2015</a:t>
             </a:fld>
             <a:endParaRPr lang="en-US"/>
           </a:p>
@@ -903,7 +904,7 @@
           <a:p>
             <a:fld id="{38292CC0-F4A6-4099-AC4A-BA2AE6F11F12}" type="slidenum">
               <a:rPr lang="en-US" smtClean="0"/>
-              <a:t>26</a:t>
+              <a:t>27</a:t>
             </a:fld>
             <a:endParaRPr lang="en-US"/>
           </a:p>
@@ -6562,7 +6563,7 @@
           <a:graphicData uri="http://schemas.openxmlformats.org/presentationml/2006/ole">
             <mc:AlternateContent xmlns:mc="http://schemas.openxmlformats.org/markup-compatibility/2006">
               <mc:Choice xmlns:v="urn:schemas-microsoft-com:vml" Requires="v">
-                <p:oleObj spid="_x0000_s8210" name="Photo Editor Photo" r:id="rId3" imgW="1457143" imgH="1428949" progId="MSPhotoEd.3">
+                <p:oleObj spid="_x0000_s8212" name="Photo Editor Photo" r:id="rId3" imgW="1457143" imgH="1428949" progId="MSPhotoEd.3">
                   <p:embed/>
                 </p:oleObj>
               </mc:Choice>
@@ -18523,6 +18524,170 @@
       </p:grpSpPr>
       <p:sp>
         <p:nvSpPr>
+          <p:cNvPr id="2" name="Title 1"/>
+          <p:cNvSpPr>
+            <a:spLocks noGrp="1"/>
+          </p:cNvSpPr>
+          <p:nvPr>
+            <p:ph type="title"/>
+          </p:nvPr>
+        </p:nvSpPr>
+        <p:spPr/>
+        <p:txBody>
+          <a:bodyPr/>
+          <a:lstStyle/>
+          <a:p>
+            <a:r>
+              <a:rPr lang="en-US" dirty="0" smtClean="0"/>
+              <a:t>Recap: natural language processing</a:t>
+            </a:r>
+            <a:endParaRPr lang="en-US" dirty="0"/>
+          </a:p>
+        </p:txBody>
+      </p:sp>
+      <p:sp>
+        <p:nvSpPr>
+          <p:cNvPr id="3" name="Content Placeholder 2"/>
+          <p:cNvSpPr>
+            <a:spLocks noGrp="1"/>
+          </p:cNvSpPr>
+          <p:nvPr>
+            <p:ph idx="1"/>
+          </p:nvPr>
+        </p:nvSpPr>
+        <p:spPr/>
+        <p:txBody>
+          <a:bodyPr/>
+          <a:lstStyle/>
+          <a:p>
+            <a:r>
+              <a:rPr lang="en-US" dirty="0" smtClean="0"/>
+              <a:t>Different levels of language understanding</a:t>
+            </a:r>
+          </a:p>
+          <a:p>
+            <a:r>
+              <a:rPr lang="en-US" dirty="0" smtClean="0"/>
+              <a:t>Major challenges in natural language processing</a:t>
+            </a:r>
+          </a:p>
+          <a:p>
+            <a:r>
+              <a:rPr lang="en-US" dirty="0" smtClean="0"/>
+              <a:t>NLP pipeline</a:t>
+            </a:r>
+            <a:endParaRPr lang="en-US" dirty="0"/>
+          </a:p>
+        </p:txBody>
+      </p:sp>
+      <p:sp>
+        <p:nvSpPr>
+          <p:cNvPr id="4" name="Date Placeholder 3"/>
+          <p:cNvSpPr>
+            <a:spLocks noGrp="1"/>
+          </p:cNvSpPr>
+          <p:nvPr>
+            <p:ph type="dt" sz="half" idx="10"/>
+          </p:nvPr>
+        </p:nvSpPr>
+        <p:spPr/>
+        <p:txBody>
+          <a:bodyPr/>
+          <a:lstStyle/>
+          <a:p>
+            <a:r>
+              <a:rPr lang="en-US" smtClean="0"/>
+              <a:t>CS@UVa</a:t>
+            </a:r>
+            <a:endParaRPr lang="en-US"/>
+          </a:p>
+        </p:txBody>
+      </p:sp>
+      <p:sp>
+        <p:nvSpPr>
+          <p:cNvPr id="5" name="Footer Placeholder 4"/>
+          <p:cNvSpPr>
+            <a:spLocks noGrp="1"/>
+          </p:cNvSpPr>
+          <p:nvPr>
+            <p:ph type="ftr" sz="quarter" idx="11"/>
+          </p:nvPr>
+        </p:nvSpPr>
+        <p:spPr/>
+        <p:txBody>
+          <a:bodyPr/>
+          <a:lstStyle/>
+          <a:p>
+            <a:r>
+              <a:rPr lang="en-US" smtClean="0"/>
+              <a:t>CS6501: Text Mining</a:t>
+            </a:r>
+            <a:endParaRPr lang="en-US"/>
+          </a:p>
+        </p:txBody>
+      </p:sp>
+      <p:sp>
+        <p:nvSpPr>
+          <p:cNvPr id="6" name="Slide Number Placeholder 5"/>
+          <p:cNvSpPr>
+            <a:spLocks noGrp="1"/>
+          </p:cNvSpPr>
+          <p:nvPr>
+            <p:ph type="sldNum" sz="quarter" idx="12"/>
+          </p:nvPr>
+        </p:nvSpPr>
+        <p:spPr/>
+        <p:txBody>
+          <a:bodyPr/>
+          <a:lstStyle/>
+          <a:p>
+            <a:fld id="{C6319467-766E-4BB3-8524-6F46E206E21B}" type="slidenum">
+              <a:rPr lang="en-US" smtClean="0"/>
+              <a:t>23</a:t>
+            </a:fld>
+            <a:endParaRPr lang="en-US"/>
+          </a:p>
+        </p:txBody>
+      </p:sp>
+    </p:spTree>
+    <p:extLst>
+      <p:ext uri="{BB962C8B-B14F-4D97-AF65-F5344CB8AC3E}">
+        <p14:creationId xmlns:p14="http://schemas.microsoft.com/office/powerpoint/2010/main" val="555987281"/>
+      </p:ext>
+    </p:extLst>
+  </p:cSld>
+  <p:clrMapOvr>
+    <a:masterClrMapping/>
+  </p:clrMapOvr>
+  <p:timing>
+    <p:tnLst>
+      <p:par>
+        <p:cTn id="1" dur="indefinite" restart="never" nodeType="tmRoot"/>
+      </p:par>
+    </p:tnLst>
+  </p:timing>
+</p:sld>
+</file>
+
+<file path=ppt/slides/slide24.xml><?xml version="1.0" encoding="utf-8"?>
+<p:sld xmlns:a="http://schemas.openxmlformats.org/drawingml/2006/main" xmlns:r="http://schemas.openxmlformats.org/officeDocument/2006/relationships" xmlns:p="http://schemas.openxmlformats.org/presentationml/2006/main">
+  <p:cSld>
+    <p:spTree>
+      <p:nvGrpSpPr>
+        <p:cNvPr id="1" name=""/>
+        <p:cNvGrpSpPr/>
+        <p:nvPr/>
+      </p:nvGrpSpPr>
+      <p:grpSpPr>
+        <a:xfrm>
+          <a:off x="0" y="0"/>
+          <a:ext cx="0" cy="0"/>
+          <a:chOff x="0" y="0"/>
+          <a:chExt cx="0" cy="0"/>
+        </a:xfrm>
+      </p:grpSpPr>
+      <p:sp>
+        <p:nvSpPr>
           <p:cNvPr id="441346" name="Rectangle 2"/>
           <p:cNvSpPr>
             <a:spLocks noGrp="1" noChangeArrowheads="1"/>
@@ -18584,7 +18749,15 @@
             </a:pPr>
             <a:r>
               <a:rPr lang="en-US" altLang="en-US" sz="2800" dirty="0"/>
-              <a:t>Speech recognition: e.g., Auto telephone call routing</a:t>
+              <a:t>Speech recognition: e.g., </a:t>
+            </a:r>
+            <a:r>
+              <a:rPr lang="en-US" altLang="en-US" sz="2800" dirty="0" smtClean="0"/>
+              <a:t>auto </a:t>
+            </a:r>
+            <a:r>
+              <a:rPr lang="en-US" altLang="en-US" sz="2800" dirty="0"/>
+              <a:t>telephone call routing</a:t>
             </a:r>
           </a:p>
           <a:p>
@@ -18611,8 +18784,13 @@
             </a:pPr>
             <a:r>
               <a:rPr lang="en-US" altLang="en-US" sz="2400" dirty="0"/>
-              <a:t>Text retrieval/filtering</a:t>
-            </a:r>
+              <a:t>Text </a:t>
+            </a:r>
+            <a:r>
+              <a:rPr lang="en-US" altLang="en-US" sz="2400" dirty="0" smtClean="0"/>
+              <a:t>clustering</a:t>
+            </a:r>
+            <a:endParaRPr lang="en-US" altLang="en-US" sz="2400" dirty="0"/>
           </a:p>
           <a:p>
             <a:pPr lvl="1">
@@ -18655,9 +18833,10 @@
               </a:lnSpc>
             </a:pPr>
             <a:r>
-              <a:rPr lang="en-US" altLang="en-US" sz="2400" dirty="0"/>
-              <a:t>Query answering</a:t>
-            </a:r>
+              <a:rPr lang="en-US" altLang="en-US" sz="2400" dirty="0" smtClean="0"/>
+              <a:t>Question answering</a:t>
+            </a:r>
+            <a:endParaRPr lang="en-US" altLang="en-US" sz="2400" dirty="0"/>
           </a:p>
           <a:p>
             <a:pPr>
@@ -18986,7 +19165,7 @@
           <a:p>
             <a:fld id="{C6319467-766E-4BB3-8524-6F46E206E21B}" type="slidenum">
               <a:rPr lang="en-US" smtClean="0"/>
-              <a:t>23</a:t>
+              <a:t>24</a:t>
             </a:fld>
             <a:endParaRPr lang="en-US"/>
           </a:p>
@@ -19080,7 +19259,7 @@
 </p:sld>
 </file>
 
-<file path=ppt/slides/slide24.xml><?xml version="1.0" encoding="utf-8"?>
+<file path=ppt/slides/slide25.xml><?xml version="1.0" encoding="utf-8"?>
 <p:sld xmlns:a="http://schemas.openxmlformats.org/drawingml/2006/main" xmlns:r="http://schemas.openxmlformats.org/officeDocument/2006/relationships" xmlns:p="http://schemas.openxmlformats.org/presentationml/2006/main">
   <p:cSld>
     <p:spTree>
@@ -19602,7 +19781,7 @@
           <a:p>
             <a:fld id="{C6319467-766E-4BB3-8524-6F46E206E21B}" type="slidenum">
               <a:rPr lang="en-US" smtClean="0"/>
-              <a:t>24</a:t>
+              <a:t>25</a:t>
             </a:fld>
             <a:endParaRPr lang="en-US"/>
           </a:p>
@@ -19820,7 +19999,7 @@
 </p:sld>
 </file>
 
-<file path=ppt/slides/slide25.xml><?xml version="1.0" encoding="utf-8"?>
+<file path=ppt/slides/slide26.xml><?xml version="1.0" encoding="utf-8"?>
 <p:sld xmlns:a="http://schemas.openxmlformats.org/drawingml/2006/main" xmlns:r="http://schemas.openxmlformats.org/officeDocument/2006/relationships" xmlns:p="http://schemas.openxmlformats.org/presentationml/2006/main">
   <p:cSld>
     <p:spTree>
@@ -20338,7 +20517,7 @@
         <p:spPr bwMode="auto">
           <a:xfrm>
             <a:off x="785586" y="3646027"/>
-            <a:ext cx="1001713" cy="396875"/>
+            <a:ext cx="2060372" cy="400110"/>
           </a:xfrm>
           <a:prstGeom prst="rect">
             <a:avLst/>
@@ -20384,11 +20563,14 @@
           <a:lstStyle/>
           <a:p>
             <a:r>
-              <a:rPr lang="en-US" altLang="en-US" sz="2000" b="1" i="0" dirty="0">
+              <a:rPr lang="en-US" altLang="en-US" sz="2000" b="1" dirty="0" smtClean="0">
                 <a:latin typeface="Arial" panose="020B0604020202020204" pitchFamily="34" charset="0"/>
               </a:rPr>
-              <a:t>Mining</a:t>
-            </a:r>
+              <a:t>Topic modeling</a:t>
+            </a:r>
+            <a:endParaRPr lang="en-US" altLang="en-US" sz="2000" b="1" i="0" dirty="0">
+              <a:latin typeface="Arial" panose="020B0604020202020204" pitchFamily="34" charset="0"/>
+            </a:endParaRPr>
           </a:p>
         </p:txBody>
       </p:sp>
@@ -20801,8 +20983,61 @@
           <a:p>
             <a:fld id="{C6319467-766E-4BB3-8524-6F46E206E21B}" type="slidenum">
               <a:rPr lang="en-US" smtClean="0"/>
-              <a:t>25</a:t>
+              <a:t>26</a:t>
             </a:fld>
+            <a:endParaRPr lang="en-US"/>
+          </a:p>
+        </p:txBody>
+      </p:sp>
+      <p:sp>
+        <p:nvSpPr>
+          <p:cNvPr id="19" name="Oval 5"/>
+          <p:cNvSpPr>
+            <a:spLocks noChangeArrowheads="1"/>
+          </p:cNvSpPr>
+          <p:nvPr/>
+        </p:nvSpPr>
+        <p:spPr bwMode="auto">
+          <a:xfrm>
+            <a:off x="457199" y="2013552"/>
+            <a:ext cx="2734733" cy="2160515"/>
+          </a:xfrm>
+          <a:prstGeom prst="ellipse">
+            <a:avLst/>
+          </a:prstGeom>
+          <a:noFill/>
+          <a:ln w="9525">
+            <a:solidFill>
+              <a:srgbClr val="CC0000"/>
+            </a:solidFill>
+            <a:round/>
+            <a:headEnd/>
+            <a:tailEnd/>
+          </a:ln>
+          <a:effectLst/>
+          <a:extLst>
+            <a:ext uri="{909E8E84-426E-40DD-AFC4-6F175D3DCCD1}">
+              <a14:hiddenFill xmlns:a14="http://schemas.microsoft.com/office/drawing/2010/main">
+                <a:solidFill>
+                  <a:schemeClr val="accent1"/>
+                </a:solidFill>
+              </a14:hiddenFill>
+            </a:ext>
+            <a:ext uri="{AF507438-7753-43E0-B8FC-AC1667EBCBE1}">
+              <a14:hiddenEffects xmlns:a14="http://schemas.microsoft.com/office/drawing/2010/main">
+                <a:effectLst>
+                  <a:outerShdw dist="35921" dir="2700000" algn="ctr" rotWithShape="0">
+                    <a:schemeClr val="bg2"/>
+                  </a:outerShdw>
+                </a:effectLst>
+              </a14:hiddenEffects>
+            </a:ext>
+          </a:extLst>
+        </p:spPr>
+        <p:txBody>
+          <a:bodyPr wrap="none" anchor="ctr"/>
+          <a:lstStyle/>
+          <a:p>
             <a:endParaRPr lang="en-US"/>
           </a:p>
         </p:txBody>
@@ -20820,263 +21055,80 @@
   <p:timing>
     <p:tnLst>
       <p:par>
-        <p:cTn id="1" dur="indefinite" restart="never" nodeType="tmRoot"/>
+        <p:cTn id="1" dur="indefinite" restart="never" nodeType="tmRoot">
+          <p:childTnLst>
+            <p:seq concurrent="1" nextAc="seek">
+              <p:cTn id="2" dur="indefinite" nodeType="mainSeq">
+                <p:childTnLst>
+                  <p:par>
+                    <p:cTn id="3" fill="hold">
+                      <p:stCondLst>
+                        <p:cond delay="indefinite"/>
+                      </p:stCondLst>
+                      <p:childTnLst>
+                        <p:par>
+                          <p:cTn id="4" fill="hold">
+                            <p:stCondLst>
+                              <p:cond delay="0"/>
+                            </p:stCondLst>
+                            <p:childTnLst>
+                              <p:par>
+                                <p:cTn id="5" presetID="1" presetClass="entr" presetSubtype="0" fill="hold" grpId="0" nodeType="clickEffect">
+                                  <p:stCondLst>
+                                    <p:cond delay="0"/>
+                                  </p:stCondLst>
+                                  <p:childTnLst>
+                                    <p:set>
+                                      <p:cBhvr>
+                                        <p:cTn id="6" dur="1" fill="hold">
+                                          <p:stCondLst>
+                                            <p:cond delay="0"/>
+                                          </p:stCondLst>
+                                        </p:cTn>
+                                        <p:tgtEl>
+                                          <p:spTgt spid="19"/>
+                                        </p:tgtEl>
+                                        <p:attrNameLst>
+                                          <p:attrName>style.visibility</p:attrName>
+                                        </p:attrNameLst>
+                                      </p:cBhvr>
+                                      <p:to>
+                                        <p:strVal val="visible"/>
+                                      </p:to>
+                                    </p:set>
+                                  </p:childTnLst>
+                                </p:cTn>
+                              </p:par>
+                            </p:childTnLst>
+                          </p:cTn>
+                        </p:par>
+                      </p:childTnLst>
+                    </p:cTn>
+                  </p:par>
+                </p:childTnLst>
+              </p:cTn>
+              <p:prevCondLst>
+                <p:cond evt="onPrev" delay="0">
+                  <p:tgtEl>
+                    <p:sldTgt/>
+                  </p:tgtEl>
+                </p:cond>
+              </p:prevCondLst>
+              <p:nextCondLst>
+                <p:cond evt="onNext" delay="0">
+                  <p:tgtEl>
+                    <p:sldTgt/>
+                  </p:tgtEl>
+                </p:cond>
+              </p:nextCondLst>
+            </p:seq>
+          </p:childTnLst>
+        </p:cTn>
       </p:par>
     </p:tnLst>
-  </p:timing>
-</p:sld>
-</file>
-
-<file path=ppt/slides/slide26.xml><?xml version="1.0" encoding="utf-8"?>
-<p:sld xmlns:a="http://schemas.openxmlformats.org/drawingml/2006/main" xmlns:r="http://schemas.openxmlformats.org/officeDocument/2006/relationships" xmlns:p="http://schemas.openxmlformats.org/presentationml/2006/main">
-  <p:cSld>
-    <p:spTree>
-      <p:nvGrpSpPr>
-        <p:cNvPr id="1" name=""/>
-        <p:cNvGrpSpPr/>
-        <p:nvPr/>
-      </p:nvGrpSpPr>
-      <p:grpSpPr>
-        <a:xfrm>
-          <a:off x="0" y="0"/>
-          <a:ext cx="0" cy="0"/>
-          <a:chOff x="0" y="0"/>
-          <a:chExt cx="0" cy="0"/>
-        </a:xfrm>
-      </p:grpSpPr>
-      <p:sp>
-        <p:nvSpPr>
-          <p:cNvPr id="454661" name="Rectangle 5"/>
-          <p:cNvSpPr>
-            <a:spLocks noGrp="1" noChangeArrowheads="1"/>
-          </p:cNvSpPr>
-          <p:nvPr>
-            <p:ph type="subTitle" idx="4294967295"/>
-          </p:nvPr>
-        </p:nvSpPr>
-        <p:spPr>
-          <a:xfrm>
-            <a:off x="905933" y="3429000"/>
-            <a:ext cx="7620000" cy="2590800"/>
-          </a:xfrm>
-        </p:spPr>
-        <p:txBody>
-          <a:bodyPr/>
-          <a:lstStyle/>
-          <a:p>
-            <a:pPr>
-              <a:lnSpc>
-                <a:spcPct val="90000"/>
-              </a:lnSpc>
-            </a:pPr>
-            <a:r>
-              <a:rPr lang="en-US" altLang="en-US" sz="2800" u="sng" dirty="0">
-                <a:solidFill>
-                  <a:schemeClr val="tx1"/>
-                </a:solidFill>
-              </a:rPr>
-              <a:t>Statistical NLP</a:t>
-            </a:r>
-            <a:r>
-              <a:rPr lang="en-US" altLang="en-US" sz="2800" dirty="0">
-                <a:solidFill>
-                  <a:schemeClr val="tx1"/>
-                </a:solidFill>
-              </a:rPr>
-              <a:t> in </a:t>
-            </a:r>
-            <a:r>
-              <a:rPr lang="en-US" altLang="en-US" sz="2800" dirty="0" smtClean="0">
-                <a:solidFill>
-                  <a:schemeClr val="tx1"/>
-                </a:solidFill>
-              </a:rPr>
-              <a:t>general.</a:t>
-            </a:r>
-          </a:p>
-          <a:p>
-            <a:pPr>
-              <a:lnSpc>
-                <a:spcPct val="90000"/>
-              </a:lnSpc>
-            </a:pPr>
-            <a:r>
-              <a:rPr lang="en-US" altLang="en-US" sz="2800" dirty="0" smtClean="0">
-                <a:solidFill>
-                  <a:schemeClr val="tx1"/>
-                </a:solidFill>
-              </a:rPr>
-              <a:t>The </a:t>
-            </a:r>
-            <a:r>
-              <a:rPr lang="en-US" altLang="en-US" sz="2800" dirty="0">
-                <a:solidFill>
-                  <a:schemeClr val="tx1"/>
-                </a:solidFill>
-              </a:rPr>
-              <a:t>need for high robustness and efficiency implies the dominant use of </a:t>
-            </a:r>
-            <a:r>
-              <a:rPr lang="en-US" altLang="en-US" sz="2800" u="sng" dirty="0" smtClean="0">
-                <a:solidFill>
-                  <a:schemeClr val="tx1"/>
-                </a:solidFill>
-              </a:rPr>
-              <a:t>simple models</a:t>
-            </a:r>
-            <a:endParaRPr lang="en-US" altLang="en-US" sz="2800" u="sng" dirty="0">
-              <a:solidFill>
-                <a:schemeClr val="tx1"/>
-              </a:solidFill>
-            </a:endParaRPr>
-          </a:p>
-        </p:txBody>
-      </p:sp>
-      <p:sp>
-        <p:nvSpPr>
-          <p:cNvPr id="454660" name="Rectangle 4"/>
-          <p:cNvSpPr>
-            <a:spLocks noGrp="1" noChangeArrowheads="1"/>
-          </p:cNvSpPr>
-          <p:nvPr>
-            <p:ph type="ctrTitle" idx="4294967295"/>
-          </p:nvPr>
-        </p:nvSpPr>
-        <p:spPr>
-          <a:xfrm>
-            <a:off x="905933" y="1958975"/>
-            <a:ext cx="7332133" cy="1470025"/>
-          </a:xfrm>
-        </p:spPr>
-        <p:txBody>
-          <a:bodyPr anchor="ctr"/>
-          <a:lstStyle/>
-          <a:p>
-            <a:r>
-              <a:rPr lang="en-US" altLang="en-US" sz="3600" dirty="0">
-                <a:solidFill>
-                  <a:srgbClr val="FF0000"/>
-                </a:solidFill>
-              </a:rPr>
-              <a:t>So, what NLP techniques are </a:t>
-            </a:r>
-            <a:r>
-              <a:rPr lang="en-US" altLang="en-US" sz="3600" dirty="0" smtClean="0">
-                <a:solidFill>
-                  <a:srgbClr val="FF0000"/>
-                </a:solidFill>
-              </a:rPr>
-              <a:t>the most </a:t>
-            </a:r>
-            <a:r>
-              <a:rPr lang="en-US" altLang="en-US" sz="3600" dirty="0">
-                <a:solidFill>
-                  <a:srgbClr val="FF0000"/>
-                </a:solidFill>
-              </a:rPr>
-              <a:t>useful for text </a:t>
-            </a:r>
-            <a:r>
-              <a:rPr lang="en-US" altLang="en-US" sz="3600" dirty="0" smtClean="0">
-                <a:solidFill>
-                  <a:srgbClr val="FF0000"/>
-                </a:solidFill>
-              </a:rPr>
-              <a:t>mining?</a:t>
-            </a:r>
-            <a:endParaRPr lang="en-US" altLang="en-US" sz="3600" dirty="0">
-              <a:solidFill>
-                <a:srgbClr val="FF0000"/>
-              </a:solidFill>
-            </a:endParaRPr>
-          </a:p>
-        </p:txBody>
-      </p:sp>
-      <p:sp>
-        <p:nvSpPr>
-          <p:cNvPr id="2" name="Date Placeholder 1"/>
-          <p:cNvSpPr>
-            <a:spLocks noGrp="1"/>
-          </p:cNvSpPr>
-          <p:nvPr>
-            <p:ph type="dt" sz="half" idx="10"/>
-          </p:nvPr>
-        </p:nvSpPr>
-        <p:spPr/>
-        <p:txBody>
-          <a:bodyPr/>
-          <a:lstStyle/>
-          <a:p>
-            <a:r>
-              <a:rPr lang="en-US" smtClean="0"/>
-              <a:t>CS@UVa</a:t>
-            </a:r>
-            <a:endParaRPr lang="en-US"/>
-          </a:p>
-        </p:txBody>
-      </p:sp>
-      <p:sp>
-        <p:nvSpPr>
-          <p:cNvPr id="3" name="Footer Placeholder 2"/>
-          <p:cNvSpPr>
-            <a:spLocks noGrp="1"/>
-          </p:cNvSpPr>
-          <p:nvPr>
-            <p:ph type="ftr" sz="quarter" idx="11"/>
-          </p:nvPr>
-        </p:nvSpPr>
-        <p:spPr/>
-        <p:txBody>
-          <a:bodyPr/>
-          <a:lstStyle/>
-          <a:p>
-            <a:r>
-              <a:rPr lang="en-US" smtClean="0"/>
-              <a:t>CS6501: Text Mining</a:t>
-            </a:r>
-            <a:endParaRPr lang="en-US"/>
-          </a:p>
-        </p:txBody>
-      </p:sp>
-      <p:sp>
-        <p:nvSpPr>
-          <p:cNvPr id="4" name="Slide Number Placeholder 3"/>
-          <p:cNvSpPr>
-            <a:spLocks noGrp="1"/>
-          </p:cNvSpPr>
-          <p:nvPr>
-            <p:ph type="sldNum" sz="quarter" idx="12"/>
-          </p:nvPr>
-        </p:nvSpPr>
-        <p:spPr/>
-        <p:txBody>
-          <a:bodyPr/>
-          <a:lstStyle/>
-          <a:p>
-            <a:fld id="{C6319467-766E-4BB3-8524-6F46E206E21B}" type="slidenum">
-              <a:rPr lang="en-US" smtClean="0"/>
-              <a:t>26</a:t>
-            </a:fld>
-            <a:endParaRPr lang="en-US"/>
-          </a:p>
-        </p:txBody>
-      </p:sp>
-    </p:spTree>
-    <p:extLst>
-      <p:ext uri="{BB962C8B-B14F-4D97-AF65-F5344CB8AC3E}">
-        <p14:creationId xmlns:p14="http://schemas.microsoft.com/office/powerpoint/2010/main" val="1642257670"/>
-      </p:ext>
-    </p:extLst>
-  </p:cSld>
-  <p:clrMapOvr>
-    <a:masterClrMapping/>
-  </p:clrMapOvr>
-  <p:timing>
-    <p:tnLst>
-      <p:par>
-        <p:cTn id="1" dur="indefinite" restart="never" nodeType="tmRoot"/>
-      </p:par>
-    </p:tnLst>
+    <p:bldLst>
+      <p:bldP spid="19" grpId="0" animBg="1"/>
+    </p:bldLst>
   </p:timing>
 </p:sld>
 </file>
@@ -21100,6 +21152,260 @@
       </p:grpSpPr>
       <p:sp>
         <p:nvSpPr>
+          <p:cNvPr id="454661" name="Rectangle 5"/>
+          <p:cNvSpPr>
+            <a:spLocks noGrp="1" noChangeArrowheads="1"/>
+          </p:cNvSpPr>
+          <p:nvPr>
+            <p:ph type="subTitle" idx="4294967295"/>
+          </p:nvPr>
+        </p:nvSpPr>
+        <p:spPr>
+          <a:xfrm>
+            <a:off x="905933" y="3429000"/>
+            <a:ext cx="7620000" cy="2590800"/>
+          </a:xfrm>
+        </p:spPr>
+        <p:txBody>
+          <a:bodyPr/>
+          <a:lstStyle/>
+          <a:p>
+            <a:pPr>
+              <a:lnSpc>
+                <a:spcPct val="90000"/>
+              </a:lnSpc>
+            </a:pPr>
+            <a:r>
+              <a:rPr lang="en-US" altLang="en-US" sz="2800" u="sng" dirty="0">
+                <a:solidFill>
+                  <a:schemeClr val="tx1"/>
+                </a:solidFill>
+              </a:rPr>
+              <a:t>Statistical NLP</a:t>
+            </a:r>
+            <a:r>
+              <a:rPr lang="en-US" altLang="en-US" sz="2800" dirty="0">
+                <a:solidFill>
+                  <a:schemeClr val="tx1"/>
+                </a:solidFill>
+              </a:rPr>
+              <a:t> in </a:t>
+            </a:r>
+            <a:r>
+              <a:rPr lang="en-US" altLang="en-US" sz="2800" dirty="0" smtClean="0">
+                <a:solidFill>
+                  <a:schemeClr val="tx1"/>
+                </a:solidFill>
+              </a:rPr>
+              <a:t>general.</a:t>
+            </a:r>
+          </a:p>
+          <a:p>
+            <a:pPr>
+              <a:lnSpc>
+                <a:spcPct val="90000"/>
+              </a:lnSpc>
+            </a:pPr>
+            <a:r>
+              <a:rPr lang="en-US" altLang="en-US" sz="2800" dirty="0" smtClean="0">
+                <a:solidFill>
+                  <a:schemeClr val="tx1"/>
+                </a:solidFill>
+              </a:rPr>
+              <a:t>The </a:t>
+            </a:r>
+            <a:r>
+              <a:rPr lang="en-US" altLang="en-US" sz="2800" dirty="0">
+                <a:solidFill>
+                  <a:schemeClr val="tx1"/>
+                </a:solidFill>
+              </a:rPr>
+              <a:t>need for high robustness and efficiency implies the dominant use of </a:t>
+            </a:r>
+            <a:r>
+              <a:rPr lang="en-US" altLang="en-US" sz="2800" u="sng" dirty="0" smtClean="0">
+                <a:solidFill>
+                  <a:schemeClr val="tx1"/>
+                </a:solidFill>
+              </a:rPr>
+              <a:t>simple models</a:t>
+            </a:r>
+            <a:endParaRPr lang="en-US" altLang="en-US" sz="2800" u="sng" dirty="0">
+              <a:solidFill>
+                <a:schemeClr val="tx1"/>
+              </a:solidFill>
+            </a:endParaRPr>
+          </a:p>
+        </p:txBody>
+      </p:sp>
+      <p:sp>
+        <p:nvSpPr>
+          <p:cNvPr id="454660" name="Rectangle 4"/>
+          <p:cNvSpPr>
+            <a:spLocks noGrp="1" noChangeArrowheads="1"/>
+          </p:cNvSpPr>
+          <p:nvPr>
+            <p:ph type="ctrTitle" idx="4294967295"/>
+          </p:nvPr>
+        </p:nvSpPr>
+        <p:spPr>
+          <a:xfrm>
+            <a:off x="905933" y="1958975"/>
+            <a:ext cx="7332133" cy="1470025"/>
+          </a:xfrm>
+        </p:spPr>
+        <p:txBody>
+          <a:bodyPr anchor="ctr"/>
+          <a:lstStyle/>
+          <a:p>
+            <a:r>
+              <a:rPr lang="en-US" altLang="en-US" sz="3600" dirty="0">
+                <a:solidFill>
+                  <a:srgbClr val="FF0000"/>
+                </a:solidFill>
+              </a:rPr>
+              <a:t>So, what NLP techniques are </a:t>
+            </a:r>
+            <a:r>
+              <a:rPr lang="en-US" altLang="en-US" sz="3600" dirty="0" smtClean="0">
+                <a:solidFill>
+                  <a:srgbClr val="FF0000"/>
+                </a:solidFill>
+              </a:rPr>
+              <a:t>the most </a:t>
+            </a:r>
+            <a:r>
+              <a:rPr lang="en-US" altLang="en-US" sz="3600" dirty="0">
+                <a:solidFill>
+                  <a:srgbClr val="FF0000"/>
+                </a:solidFill>
+              </a:rPr>
+              <a:t>useful for text </a:t>
+            </a:r>
+            <a:r>
+              <a:rPr lang="en-US" altLang="en-US" sz="3600" dirty="0" smtClean="0">
+                <a:solidFill>
+                  <a:srgbClr val="FF0000"/>
+                </a:solidFill>
+              </a:rPr>
+              <a:t>mining?</a:t>
+            </a:r>
+            <a:endParaRPr lang="en-US" altLang="en-US" sz="3600" dirty="0">
+              <a:solidFill>
+                <a:srgbClr val="FF0000"/>
+              </a:solidFill>
+            </a:endParaRPr>
+          </a:p>
+        </p:txBody>
+      </p:sp>
+      <p:sp>
+        <p:nvSpPr>
+          <p:cNvPr id="2" name="Date Placeholder 1"/>
+          <p:cNvSpPr>
+            <a:spLocks noGrp="1"/>
+          </p:cNvSpPr>
+          <p:nvPr>
+            <p:ph type="dt" sz="half" idx="10"/>
+          </p:nvPr>
+        </p:nvSpPr>
+        <p:spPr/>
+        <p:txBody>
+          <a:bodyPr/>
+          <a:lstStyle/>
+          <a:p>
+            <a:r>
+              <a:rPr lang="en-US" smtClean="0"/>
+              <a:t>CS@UVa</a:t>
+            </a:r>
+            <a:endParaRPr lang="en-US"/>
+          </a:p>
+        </p:txBody>
+      </p:sp>
+      <p:sp>
+        <p:nvSpPr>
+          <p:cNvPr id="3" name="Footer Placeholder 2"/>
+          <p:cNvSpPr>
+            <a:spLocks noGrp="1"/>
+          </p:cNvSpPr>
+          <p:nvPr>
+            <p:ph type="ftr" sz="quarter" idx="11"/>
+          </p:nvPr>
+        </p:nvSpPr>
+        <p:spPr/>
+        <p:txBody>
+          <a:bodyPr/>
+          <a:lstStyle/>
+          <a:p>
+            <a:r>
+              <a:rPr lang="en-US" smtClean="0"/>
+              <a:t>CS6501: Text Mining</a:t>
+            </a:r>
+            <a:endParaRPr lang="en-US"/>
+          </a:p>
+        </p:txBody>
+      </p:sp>
+      <p:sp>
+        <p:nvSpPr>
+          <p:cNvPr id="4" name="Slide Number Placeholder 3"/>
+          <p:cNvSpPr>
+            <a:spLocks noGrp="1"/>
+          </p:cNvSpPr>
+          <p:nvPr>
+            <p:ph type="sldNum" sz="quarter" idx="12"/>
+          </p:nvPr>
+        </p:nvSpPr>
+        <p:spPr/>
+        <p:txBody>
+          <a:bodyPr/>
+          <a:lstStyle/>
+          <a:p>
+            <a:fld id="{C6319467-766E-4BB3-8524-6F46E206E21B}" type="slidenum">
+              <a:rPr lang="en-US" smtClean="0"/>
+              <a:t>27</a:t>
+            </a:fld>
+            <a:endParaRPr lang="en-US"/>
+          </a:p>
+        </p:txBody>
+      </p:sp>
+    </p:spTree>
+    <p:extLst>
+      <p:ext uri="{BB962C8B-B14F-4D97-AF65-F5344CB8AC3E}">
+        <p14:creationId xmlns:p14="http://schemas.microsoft.com/office/powerpoint/2010/main" val="1642257670"/>
+      </p:ext>
+    </p:extLst>
+  </p:cSld>
+  <p:clrMapOvr>
+    <a:masterClrMapping/>
+  </p:clrMapOvr>
+  <p:timing>
+    <p:tnLst>
+      <p:par>
+        <p:cTn id="1" dur="indefinite" restart="never" nodeType="tmRoot"/>
+      </p:par>
+    </p:tnLst>
+  </p:timing>
+</p:sld>
+</file>
+
+<file path=ppt/slides/slide28.xml><?xml version="1.0" encoding="utf-8"?>
+<p:sld xmlns:a="http://schemas.openxmlformats.org/drawingml/2006/main" xmlns:r="http://schemas.openxmlformats.org/officeDocument/2006/relationships" xmlns:p="http://schemas.openxmlformats.org/presentationml/2006/main">
+  <p:cSld>
+    <p:spTree>
+      <p:nvGrpSpPr>
+        <p:cNvPr id="1" name=""/>
+        <p:cNvGrpSpPr/>
+        <p:nvPr/>
+      </p:nvGrpSpPr>
+      <p:grpSpPr>
+        <a:xfrm>
+          <a:off x="0" y="0"/>
+          <a:ext cx="0" cy="0"/>
+          <a:chOff x="0" y="0"/>
+          <a:chExt cx="0" cy="0"/>
+        </a:xfrm>
+      </p:grpSpPr>
+      <p:sp>
+        <p:nvSpPr>
           <p:cNvPr id="5" name="Title 4"/>
           <p:cNvSpPr>
             <a:spLocks noGrp="1"/>
@@ -21219,7 +21525,7 @@
           <a:p>
             <a:fld id="{C6319467-766E-4BB3-8524-6F46E206E21B}" type="slidenum">
               <a:rPr lang="en-US" smtClean="0"/>
-              <a:t>27</a:t>
+              <a:t>28</a:t>
             </a:fld>
             <a:endParaRPr lang="en-US"/>
           </a:p>
@@ -23822,7 +24128,7 @@
             <a:graphicData uri="http://schemas.openxmlformats.org/presentationml/2006/ole">
               <mc:AlternateContent xmlns:mc="http://schemas.openxmlformats.org/markup-compatibility/2006">
                 <mc:Choice xmlns:v="urn:schemas-microsoft-com:vml" Requires="v">
-                  <p:oleObj spid="_x0000_s1042" name="Photo Editor Photo" r:id="rId3" imgW="1457143" imgH="1428949" progId="MSPhotoEd.3">
+                  <p:oleObj spid="_x0000_s1044" name="Photo Editor Photo" r:id="rId3" imgW="1457143" imgH="1428949" progId="MSPhotoEd.3">
                     <p:embed/>
                   </p:oleObj>
                 </mc:Choice>
